--- a/layout_css_parte_2/figuras.pptx
+++ b/layout_css_parte_2/figuras.pptx
@@ -7,6 +7,9 @@
   <p:sldIdLst>
     <p:sldId id="261" r:id="rId2"/>
     <p:sldId id="262" r:id="rId3"/>
+    <p:sldId id="263" r:id="rId4"/>
+    <p:sldId id="264" r:id="rId5"/>
+    <p:sldId id="265" r:id="rId6"/>
   </p:sldIdLst>
   <p:sldSz cx="9144000" cy="6858000" type="screen4x3"/>
   <p:notesSz cx="6858000" cy="9144000"/>
@@ -105,6 +108,22 @@
       </a:defRPr>
     </a:lvl9pPr>
   </p:defaultTextStyle>
+  <p:extLst>
+    <p:ext uri="{EFAFB233-063F-42B5-8137-9DF3F51BA10A}">
+      <p15:sldGuideLst xmlns:p15="http://schemas.microsoft.com/office/powerpoint/2012/main">
+        <p15:guide id="1" orient="horz" pos="2160">
+          <p15:clr>
+            <a:srgbClr val="A4A3A4"/>
+          </p15:clr>
+        </p15:guide>
+        <p15:guide id="2" pos="2880">
+          <p15:clr>
+            <a:srgbClr val="A4A3A4"/>
+          </p15:clr>
+        </p15:guide>
+      </p15:sldGuideLst>
+    </p:ext>
+  </p:extLst>
 </p:presentation>
 </file>
 
@@ -146,10 +165,9 @@
           <a:lstStyle/>
           <a:p>
             <a:r>
-              <a:rPr lang="pt-BR" smtClean="0"/>
+              <a:rPr lang="pt-BR"/>
               <a:t>Clique para editar o estilo do título mestre</a:t>
             </a:r>
-            <a:endParaRPr lang="pt-BR"/>
           </a:p>
         </p:txBody>
       </p:sp>
@@ -265,10 +283,9 @@
           </a:lstStyle>
           <a:p>
             <a:r>
-              <a:rPr lang="pt-BR" smtClean="0"/>
+              <a:rPr lang="pt-BR"/>
               <a:t>Clique para editar o estilo do subtítulo mestre</a:t>
             </a:r>
-            <a:endParaRPr lang="pt-BR"/>
           </a:p>
         </p:txBody>
       </p:sp>
@@ -290,7 +307,7 @@
             <a:fld id="{0CF2214C-0DED-4A3C-9A43-BF88445B2AEA}" type="datetimeFigureOut">
               <a:rPr lang="pt-BR" smtClean="0"/>
               <a:pPr/>
-              <a:t>14/08/2014</a:t>
+              <a:t>07/05/2018</a:t>
             </a:fld>
             <a:endParaRPr lang="pt-BR"/>
           </a:p>
@@ -380,10 +397,9 @@
           <a:lstStyle/>
           <a:p>
             <a:r>
-              <a:rPr lang="pt-BR" smtClean="0"/>
+              <a:rPr lang="pt-BR"/>
               <a:t>Clique para editar o estilo do título mestre</a:t>
             </a:r>
-            <a:endParaRPr lang="pt-BR"/>
           </a:p>
         </p:txBody>
       </p:sp>
@@ -404,38 +420,37 @@
           <a:p>
             <a:pPr lvl="0"/>
             <a:r>
-              <a:rPr lang="pt-BR" smtClean="0"/>
+              <a:rPr lang="pt-BR"/>
               <a:t>Clique para editar os estilos do texto mestre</a:t>
             </a:r>
           </a:p>
           <a:p>
             <a:pPr lvl="1"/>
             <a:r>
-              <a:rPr lang="pt-BR" smtClean="0"/>
+              <a:rPr lang="pt-BR"/>
               <a:t>Segundo nível</a:t>
             </a:r>
           </a:p>
           <a:p>
             <a:pPr lvl="2"/>
             <a:r>
-              <a:rPr lang="pt-BR" smtClean="0"/>
+              <a:rPr lang="pt-BR"/>
               <a:t>Terceiro nível</a:t>
             </a:r>
           </a:p>
           <a:p>
             <a:pPr lvl="3"/>
             <a:r>
-              <a:rPr lang="pt-BR" smtClean="0"/>
+              <a:rPr lang="pt-BR"/>
               <a:t>Quarto nível</a:t>
             </a:r>
           </a:p>
           <a:p>
             <a:pPr lvl="4"/>
             <a:r>
-              <a:rPr lang="pt-BR" smtClean="0"/>
+              <a:rPr lang="pt-BR"/>
               <a:t>Quinto nível</a:t>
             </a:r>
-            <a:endParaRPr lang="pt-BR"/>
           </a:p>
         </p:txBody>
       </p:sp>
@@ -457,7 +472,7 @@
             <a:fld id="{0CF2214C-0DED-4A3C-9A43-BF88445B2AEA}" type="datetimeFigureOut">
               <a:rPr lang="pt-BR" smtClean="0"/>
               <a:pPr/>
-              <a:t>14/08/2014</a:t>
+              <a:t>07/05/2018</a:t>
             </a:fld>
             <a:endParaRPr lang="pt-BR"/>
           </a:p>
@@ -552,10 +567,9 @@
           <a:lstStyle/>
           <a:p>
             <a:r>
-              <a:rPr lang="pt-BR" smtClean="0"/>
+              <a:rPr lang="pt-BR"/>
               <a:t>Clique para editar o estilo do título mestre</a:t>
             </a:r>
-            <a:endParaRPr lang="pt-BR"/>
           </a:p>
         </p:txBody>
       </p:sp>
@@ -581,38 +595,37 @@
           <a:p>
             <a:pPr lvl="0"/>
             <a:r>
-              <a:rPr lang="pt-BR" smtClean="0"/>
+              <a:rPr lang="pt-BR"/>
               <a:t>Clique para editar os estilos do texto mestre</a:t>
             </a:r>
           </a:p>
           <a:p>
             <a:pPr lvl="1"/>
             <a:r>
-              <a:rPr lang="pt-BR" smtClean="0"/>
+              <a:rPr lang="pt-BR"/>
               <a:t>Segundo nível</a:t>
             </a:r>
           </a:p>
           <a:p>
             <a:pPr lvl="2"/>
             <a:r>
-              <a:rPr lang="pt-BR" smtClean="0"/>
+              <a:rPr lang="pt-BR"/>
               <a:t>Terceiro nível</a:t>
             </a:r>
           </a:p>
           <a:p>
             <a:pPr lvl="3"/>
             <a:r>
-              <a:rPr lang="pt-BR" smtClean="0"/>
+              <a:rPr lang="pt-BR"/>
               <a:t>Quarto nível</a:t>
             </a:r>
           </a:p>
           <a:p>
             <a:pPr lvl="4"/>
             <a:r>
-              <a:rPr lang="pt-BR" smtClean="0"/>
+              <a:rPr lang="pt-BR"/>
               <a:t>Quinto nível</a:t>
             </a:r>
-            <a:endParaRPr lang="pt-BR"/>
           </a:p>
         </p:txBody>
       </p:sp>
@@ -634,7 +647,7 @@
             <a:fld id="{0CF2214C-0DED-4A3C-9A43-BF88445B2AEA}" type="datetimeFigureOut">
               <a:rPr lang="pt-BR" smtClean="0"/>
               <a:pPr/>
-              <a:t>14/08/2014</a:t>
+              <a:t>07/05/2018</a:t>
             </a:fld>
             <a:endParaRPr lang="pt-BR"/>
           </a:p>
@@ -724,10 +737,9 @@
           <a:lstStyle/>
           <a:p>
             <a:r>
-              <a:rPr lang="pt-BR" smtClean="0"/>
+              <a:rPr lang="pt-BR"/>
               <a:t>Clique para editar o estilo do título mestre</a:t>
             </a:r>
-            <a:endParaRPr lang="pt-BR"/>
           </a:p>
         </p:txBody>
       </p:sp>
@@ -748,38 +760,37 @@
           <a:p>
             <a:pPr lvl="0"/>
             <a:r>
-              <a:rPr lang="pt-BR" smtClean="0"/>
+              <a:rPr lang="pt-BR"/>
               <a:t>Clique para editar os estilos do texto mestre</a:t>
             </a:r>
           </a:p>
           <a:p>
             <a:pPr lvl="1"/>
             <a:r>
-              <a:rPr lang="pt-BR" smtClean="0"/>
+              <a:rPr lang="pt-BR"/>
               <a:t>Segundo nível</a:t>
             </a:r>
           </a:p>
           <a:p>
             <a:pPr lvl="2"/>
             <a:r>
-              <a:rPr lang="pt-BR" smtClean="0"/>
+              <a:rPr lang="pt-BR"/>
               <a:t>Terceiro nível</a:t>
             </a:r>
           </a:p>
           <a:p>
             <a:pPr lvl="3"/>
             <a:r>
-              <a:rPr lang="pt-BR" smtClean="0"/>
+              <a:rPr lang="pt-BR"/>
               <a:t>Quarto nível</a:t>
             </a:r>
           </a:p>
           <a:p>
             <a:pPr lvl="4"/>
             <a:r>
-              <a:rPr lang="pt-BR" smtClean="0"/>
+              <a:rPr lang="pt-BR"/>
               <a:t>Quinto nível</a:t>
             </a:r>
-            <a:endParaRPr lang="pt-BR"/>
           </a:p>
         </p:txBody>
       </p:sp>
@@ -801,7 +812,7 @@
             <a:fld id="{0CF2214C-0DED-4A3C-9A43-BF88445B2AEA}" type="datetimeFigureOut">
               <a:rPr lang="pt-BR" smtClean="0"/>
               <a:pPr/>
-              <a:t>14/08/2014</a:t>
+              <a:t>07/05/2018</a:t>
             </a:fld>
             <a:endParaRPr lang="pt-BR"/>
           </a:p>
@@ -900,10 +911,9 @@
           </a:lstStyle>
           <a:p>
             <a:r>
-              <a:rPr lang="pt-BR" smtClean="0"/>
+              <a:rPr lang="pt-BR"/>
               <a:t>Clique para editar o estilo do título mestre</a:t>
             </a:r>
-            <a:endParaRPr lang="pt-BR"/>
           </a:p>
         </p:txBody>
       </p:sp>
@@ -1020,7 +1030,7 @@
           <a:p>
             <a:pPr lvl="0"/>
             <a:r>
-              <a:rPr lang="pt-BR" smtClean="0"/>
+              <a:rPr lang="pt-BR"/>
               <a:t>Clique para editar os estilos do texto mestre</a:t>
             </a:r>
           </a:p>
@@ -1044,7 +1054,7 @@
             <a:fld id="{0CF2214C-0DED-4A3C-9A43-BF88445B2AEA}" type="datetimeFigureOut">
               <a:rPr lang="pt-BR" smtClean="0"/>
               <a:pPr/>
-              <a:t>14/08/2014</a:t>
+              <a:t>07/05/2018</a:t>
             </a:fld>
             <a:endParaRPr lang="pt-BR"/>
           </a:p>
@@ -1134,10 +1144,9 @@
           <a:lstStyle/>
           <a:p>
             <a:r>
-              <a:rPr lang="pt-BR" smtClean="0"/>
+              <a:rPr lang="pt-BR"/>
               <a:t>Clique para editar o estilo do título mestre</a:t>
             </a:r>
-            <a:endParaRPr lang="pt-BR"/>
           </a:p>
         </p:txBody>
       </p:sp>
@@ -1191,38 +1200,37 @@
           <a:p>
             <a:pPr lvl="0"/>
             <a:r>
-              <a:rPr lang="pt-BR" smtClean="0"/>
+              <a:rPr lang="pt-BR"/>
               <a:t>Clique para editar os estilos do texto mestre</a:t>
             </a:r>
           </a:p>
           <a:p>
             <a:pPr lvl="1"/>
             <a:r>
-              <a:rPr lang="pt-BR" smtClean="0"/>
+              <a:rPr lang="pt-BR"/>
               <a:t>Segundo nível</a:t>
             </a:r>
           </a:p>
           <a:p>
             <a:pPr lvl="2"/>
             <a:r>
-              <a:rPr lang="pt-BR" smtClean="0"/>
+              <a:rPr lang="pt-BR"/>
               <a:t>Terceiro nível</a:t>
             </a:r>
           </a:p>
           <a:p>
             <a:pPr lvl="3"/>
             <a:r>
-              <a:rPr lang="pt-BR" smtClean="0"/>
+              <a:rPr lang="pt-BR"/>
               <a:t>Quarto nível</a:t>
             </a:r>
           </a:p>
           <a:p>
             <a:pPr lvl="4"/>
             <a:r>
-              <a:rPr lang="pt-BR" smtClean="0"/>
+              <a:rPr lang="pt-BR"/>
               <a:t>Quinto nível</a:t>
             </a:r>
-            <a:endParaRPr lang="pt-BR"/>
           </a:p>
         </p:txBody>
       </p:sp>
@@ -1276,38 +1284,37 @@
           <a:p>
             <a:pPr lvl="0"/>
             <a:r>
-              <a:rPr lang="pt-BR" smtClean="0"/>
+              <a:rPr lang="pt-BR"/>
               <a:t>Clique para editar os estilos do texto mestre</a:t>
             </a:r>
           </a:p>
           <a:p>
             <a:pPr lvl="1"/>
             <a:r>
-              <a:rPr lang="pt-BR" smtClean="0"/>
+              <a:rPr lang="pt-BR"/>
               <a:t>Segundo nível</a:t>
             </a:r>
           </a:p>
           <a:p>
             <a:pPr lvl="2"/>
             <a:r>
-              <a:rPr lang="pt-BR" smtClean="0"/>
+              <a:rPr lang="pt-BR"/>
               <a:t>Terceiro nível</a:t>
             </a:r>
           </a:p>
           <a:p>
             <a:pPr lvl="3"/>
             <a:r>
-              <a:rPr lang="pt-BR" smtClean="0"/>
+              <a:rPr lang="pt-BR"/>
               <a:t>Quarto nível</a:t>
             </a:r>
           </a:p>
           <a:p>
             <a:pPr lvl="4"/>
             <a:r>
-              <a:rPr lang="pt-BR" smtClean="0"/>
+              <a:rPr lang="pt-BR"/>
               <a:t>Quinto nível</a:t>
             </a:r>
-            <a:endParaRPr lang="pt-BR"/>
           </a:p>
         </p:txBody>
       </p:sp>
@@ -1329,7 +1336,7 @@
             <a:fld id="{0CF2214C-0DED-4A3C-9A43-BF88445B2AEA}" type="datetimeFigureOut">
               <a:rPr lang="pt-BR" smtClean="0"/>
               <a:pPr/>
-              <a:t>14/08/2014</a:t>
+              <a:t>07/05/2018</a:t>
             </a:fld>
             <a:endParaRPr lang="pt-BR"/>
           </a:p>
@@ -1423,10 +1430,9 @@
           </a:lstStyle>
           <a:p>
             <a:r>
-              <a:rPr lang="pt-BR" smtClean="0"/>
+              <a:rPr lang="pt-BR"/>
               <a:t>Clique para editar o estilo do título mestre</a:t>
             </a:r>
-            <a:endParaRPr lang="pt-BR"/>
           </a:p>
         </p:txBody>
       </p:sp>
@@ -1489,7 +1495,7 @@
           <a:p>
             <a:pPr lvl="0"/>
             <a:r>
-              <a:rPr lang="pt-BR" smtClean="0"/>
+              <a:rPr lang="pt-BR"/>
               <a:t>Clique para editar os estilos do texto mestre</a:t>
             </a:r>
           </a:p>
@@ -1545,38 +1551,37 @@
           <a:p>
             <a:pPr lvl="0"/>
             <a:r>
-              <a:rPr lang="pt-BR" smtClean="0"/>
+              <a:rPr lang="pt-BR"/>
               <a:t>Clique para editar os estilos do texto mestre</a:t>
             </a:r>
           </a:p>
           <a:p>
             <a:pPr lvl="1"/>
             <a:r>
-              <a:rPr lang="pt-BR" smtClean="0"/>
+              <a:rPr lang="pt-BR"/>
               <a:t>Segundo nível</a:t>
             </a:r>
           </a:p>
           <a:p>
             <a:pPr lvl="2"/>
             <a:r>
-              <a:rPr lang="pt-BR" smtClean="0"/>
+              <a:rPr lang="pt-BR"/>
               <a:t>Terceiro nível</a:t>
             </a:r>
           </a:p>
           <a:p>
             <a:pPr lvl="3"/>
             <a:r>
-              <a:rPr lang="pt-BR" smtClean="0"/>
+              <a:rPr lang="pt-BR"/>
               <a:t>Quarto nível</a:t>
             </a:r>
           </a:p>
           <a:p>
             <a:pPr lvl="4"/>
             <a:r>
-              <a:rPr lang="pt-BR" smtClean="0"/>
+              <a:rPr lang="pt-BR"/>
               <a:t>Quinto nível</a:t>
             </a:r>
-            <a:endParaRPr lang="pt-BR"/>
           </a:p>
         </p:txBody>
       </p:sp>
@@ -1639,7 +1644,7 @@
           <a:p>
             <a:pPr lvl="0"/>
             <a:r>
-              <a:rPr lang="pt-BR" smtClean="0"/>
+              <a:rPr lang="pt-BR"/>
               <a:t>Clique para editar os estilos do texto mestre</a:t>
             </a:r>
           </a:p>
@@ -1695,38 +1700,37 @@
           <a:p>
             <a:pPr lvl="0"/>
             <a:r>
-              <a:rPr lang="pt-BR" smtClean="0"/>
+              <a:rPr lang="pt-BR"/>
               <a:t>Clique para editar os estilos do texto mestre</a:t>
             </a:r>
           </a:p>
           <a:p>
             <a:pPr lvl="1"/>
             <a:r>
-              <a:rPr lang="pt-BR" smtClean="0"/>
+              <a:rPr lang="pt-BR"/>
               <a:t>Segundo nível</a:t>
             </a:r>
           </a:p>
           <a:p>
             <a:pPr lvl="2"/>
             <a:r>
-              <a:rPr lang="pt-BR" smtClean="0"/>
+              <a:rPr lang="pt-BR"/>
               <a:t>Terceiro nível</a:t>
             </a:r>
           </a:p>
           <a:p>
             <a:pPr lvl="3"/>
             <a:r>
-              <a:rPr lang="pt-BR" smtClean="0"/>
+              <a:rPr lang="pt-BR"/>
               <a:t>Quarto nível</a:t>
             </a:r>
           </a:p>
           <a:p>
             <a:pPr lvl="4"/>
             <a:r>
-              <a:rPr lang="pt-BR" smtClean="0"/>
+              <a:rPr lang="pt-BR"/>
               <a:t>Quinto nível</a:t>
             </a:r>
-            <a:endParaRPr lang="pt-BR"/>
           </a:p>
         </p:txBody>
       </p:sp>
@@ -1748,7 +1752,7 @@
             <a:fld id="{0CF2214C-0DED-4A3C-9A43-BF88445B2AEA}" type="datetimeFigureOut">
               <a:rPr lang="pt-BR" smtClean="0"/>
               <a:pPr/>
-              <a:t>14/08/2014</a:t>
+              <a:t>07/05/2018</a:t>
             </a:fld>
             <a:endParaRPr lang="pt-BR"/>
           </a:p>
@@ -1838,10 +1842,9 @@
           <a:lstStyle/>
           <a:p>
             <a:r>
-              <a:rPr lang="pt-BR" smtClean="0"/>
+              <a:rPr lang="pt-BR"/>
               <a:t>Clique para editar o estilo do título mestre</a:t>
             </a:r>
-            <a:endParaRPr lang="pt-BR"/>
           </a:p>
         </p:txBody>
       </p:sp>
@@ -1863,7 +1866,7 @@
             <a:fld id="{0CF2214C-0DED-4A3C-9A43-BF88445B2AEA}" type="datetimeFigureOut">
               <a:rPr lang="pt-BR" smtClean="0"/>
               <a:pPr/>
-              <a:t>14/08/2014</a:t>
+              <a:t>07/05/2018</a:t>
             </a:fld>
             <a:endParaRPr lang="pt-BR"/>
           </a:p>
@@ -1955,7 +1958,7 @@
             <a:fld id="{0CF2214C-0DED-4A3C-9A43-BF88445B2AEA}" type="datetimeFigureOut">
               <a:rPr lang="pt-BR" smtClean="0"/>
               <a:pPr/>
-              <a:t>14/08/2014</a:t>
+              <a:t>07/05/2018</a:t>
             </a:fld>
             <a:endParaRPr lang="pt-BR"/>
           </a:p>
@@ -2054,10 +2057,9 @@
           </a:lstStyle>
           <a:p>
             <a:r>
-              <a:rPr lang="pt-BR" smtClean="0"/>
+              <a:rPr lang="pt-BR"/>
               <a:t>Clique para editar o estilo do título mestre</a:t>
             </a:r>
-            <a:endParaRPr lang="pt-BR"/>
           </a:p>
         </p:txBody>
       </p:sp>
@@ -2111,38 +2113,37 @@
           <a:p>
             <a:pPr lvl="0"/>
             <a:r>
-              <a:rPr lang="pt-BR" smtClean="0"/>
+              <a:rPr lang="pt-BR"/>
               <a:t>Clique para editar os estilos do texto mestre</a:t>
             </a:r>
           </a:p>
           <a:p>
             <a:pPr lvl="1"/>
             <a:r>
-              <a:rPr lang="pt-BR" smtClean="0"/>
+              <a:rPr lang="pt-BR"/>
               <a:t>Segundo nível</a:t>
             </a:r>
           </a:p>
           <a:p>
             <a:pPr lvl="2"/>
             <a:r>
-              <a:rPr lang="pt-BR" smtClean="0"/>
+              <a:rPr lang="pt-BR"/>
               <a:t>Terceiro nível</a:t>
             </a:r>
           </a:p>
           <a:p>
             <a:pPr lvl="3"/>
             <a:r>
-              <a:rPr lang="pt-BR" smtClean="0"/>
+              <a:rPr lang="pt-BR"/>
               <a:t>Quarto nível</a:t>
             </a:r>
           </a:p>
           <a:p>
             <a:pPr lvl="4"/>
             <a:r>
-              <a:rPr lang="pt-BR" smtClean="0"/>
+              <a:rPr lang="pt-BR"/>
               <a:t>Quinto nível</a:t>
             </a:r>
-            <a:endParaRPr lang="pt-BR"/>
           </a:p>
         </p:txBody>
       </p:sp>
@@ -2205,7 +2206,7 @@
           <a:p>
             <a:pPr lvl="0"/>
             <a:r>
-              <a:rPr lang="pt-BR" smtClean="0"/>
+              <a:rPr lang="pt-BR"/>
               <a:t>Clique para editar os estilos do texto mestre</a:t>
             </a:r>
           </a:p>
@@ -2229,7 +2230,7 @@
             <a:fld id="{0CF2214C-0DED-4A3C-9A43-BF88445B2AEA}" type="datetimeFigureOut">
               <a:rPr lang="pt-BR" smtClean="0"/>
               <a:pPr/>
-              <a:t>14/08/2014</a:t>
+              <a:t>07/05/2018</a:t>
             </a:fld>
             <a:endParaRPr lang="pt-BR"/>
           </a:p>
@@ -2328,10 +2329,9 @@
           </a:lstStyle>
           <a:p>
             <a:r>
-              <a:rPr lang="pt-BR" smtClean="0"/>
+              <a:rPr lang="pt-BR"/>
               <a:t>Clique para editar o estilo do título mestre</a:t>
             </a:r>
-            <a:endParaRPr lang="pt-BR"/>
           </a:p>
         </p:txBody>
       </p:sp>
@@ -2455,7 +2455,7 @@
           <a:p>
             <a:pPr lvl="0"/>
             <a:r>
-              <a:rPr lang="pt-BR" smtClean="0"/>
+              <a:rPr lang="pt-BR"/>
               <a:t>Clique para editar os estilos do texto mestre</a:t>
             </a:r>
           </a:p>
@@ -2479,7 +2479,7 @@
             <a:fld id="{0CF2214C-0DED-4A3C-9A43-BF88445B2AEA}" type="datetimeFigureOut">
               <a:rPr lang="pt-BR" smtClean="0"/>
               <a:pPr/>
-              <a:t>14/08/2014</a:t>
+              <a:t>07/05/2018</a:t>
             </a:fld>
             <a:endParaRPr lang="pt-BR"/>
           </a:p>
@@ -2584,10 +2584,9 @@
           <a:lstStyle/>
           <a:p>
             <a:r>
-              <a:rPr lang="pt-BR" smtClean="0"/>
+              <a:rPr lang="pt-BR"/>
               <a:t>Clique para editar o estilo do título mestre</a:t>
             </a:r>
-            <a:endParaRPr lang="pt-BR"/>
           </a:p>
         </p:txBody>
       </p:sp>
@@ -2618,38 +2617,37 @@
           <a:p>
             <a:pPr lvl="0"/>
             <a:r>
-              <a:rPr lang="pt-BR" smtClean="0"/>
+              <a:rPr lang="pt-BR"/>
               <a:t>Clique para editar os estilos do texto mestre</a:t>
             </a:r>
           </a:p>
           <a:p>
             <a:pPr lvl="1"/>
             <a:r>
-              <a:rPr lang="pt-BR" smtClean="0"/>
+              <a:rPr lang="pt-BR"/>
               <a:t>Segundo nível</a:t>
             </a:r>
           </a:p>
           <a:p>
             <a:pPr lvl="2"/>
             <a:r>
-              <a:rPr lang="pt-BR" smtClean="0"/>
+              <a:rPr lang="pt-BR"/>
               <a:t>Terceiro nível</a:t>
             </a:r>
           </a:p>
           <a:p>
             <a:pPr lvl="3"/>
             <a:r>
-              <a:rPr lang="pt-BR" smtClean="0"/>
+              <a:rPr lang="pt-BR"/>
               <a:t>Quarto nível</a:t>
             </a:r>
           </a:p>
           <a:p>
             <a:pPr lvl="4"/>
             <a:r>
-              <a:rPr lang="pt-BR" smtClean="0"/>
+              <a:rPr lang="pt-BR"/>
               <a:t>Quinto nível</a:t>
             </a:r>
-            <a:endParaRPr lang="pt-BR"/>
           </a:p>
         </p:txBody>
       </p:sp>
@@ -2689,7 +2687,7 @@
             <a:fld id="{0CF2214C-0DED-4A3C-9A43-BF88445B2AEA}" type="datetimeFigureOut">
               <a:rPr lang="pt-BR" smtClean="0"/>
               <a:pPr/>
-              <a:t>14/08/2014</a:t>
+              <a:t>07/05/2018</a:t>
             </a:fld>
             <a:endParaRPr lang="pt-BR"/>
           </a:p>
@@ -3155,18 +3153,13 @@
           <a:lstStyle/>
           <a:p>
             <a:r>
-              <a:rPr lang="pt-BR" b="1" dirty="0" smtClean="0">
+              <a:rPr lang="pt-BR" b="1" dirty="0">
                 <a:solidFill>
                   <a:schemeClr val="tx1"/>
                 </a:solidFill>
               </a:rPr>
               <a:t>Título</a:t>
             </a:r>
-            <a:endParaRPr lang="pt-BR" b="1" dirty="0">
-              <a:solidFill>
-                <a:schemeClr val="tx1"/>
-              </a:solidFill>
-            </a:endParaRPr>
           </a:p>
         </p:txBody>
       </p:sp>
@@ -3214,7 +3207,7 @@
           <a:lstStyle/>
           <a:p>
             <a:r>
-              <a:rPr lang="pt-BR" sz="1400" b="1" dirty="0" smtClean="0">
+              <a:rPr lang="pt-BR" sz="1400" b="1" dirty="0">
                 <a:solidFill>
                   <a:schemeClr val="tx1"/>
                 </a:solidFill>
@@ -3223,7 +3216,7 @@
             </a:r>
           </a:p>
           <a:p>
-            <a:endParaRPr lang="pt-BR" sz="1400" dirty="0" smtClean="0">
+            <a:endParaRPr lang="pt-BR" sz="1400" dirty="0">
               <a:solidFill>
                 <a:schemeClr val="tx1"/>
               </a:solidFill>
@@ -3231,7 +3224,7 @@
           </a:p>
           <a:p>
             <a:r>
-              <a:rPr lang="pt-BR" sz="1400" u="sng" dirty="0" smtClean="0">
+              <a:rPr lang="pt-BR" sz="1400" u="sng" dirty="0">
                 <a:solidFill>
                   <a:schemeClr val="tx1"/>
                 </a:solidFill>
@@ -3241,7 +3234,7 @@
           </a:p>
           <a:p>
             <a:r>
-              <a:rPr lang="pt-BR" sz="1400" u="sng" dirty="0" smtClean="0">
+              <a:rPr lang="pt-BR" sz="1400" u="sng" dirty="0">
                 <a:solidFill>
                   <a:schemeClr val="tx1"/>
                 </a:solidFill>
@@ -3251,18 +3244,13 @@
           </a:p>
           <a:p>
             <a:r>
-              <a:rPr lang="pt-BR" sz="1400" u="sng" dirty="0" smtClean="0">
+              <a:rPr lang="pt-BR" sz="1400" u="sng" dirty="0">
                 <a:solidFill>
                   <a:schemeClr val="tx1"/>
                 </a:solidFill>
               </a:rPr>
               <a:t>Link 3</a:t>
             </a:r>
-            <a:endParaRPr lang="pt-BR" sz="1400" u="sng" dirty="0">
-              <a:solidFill>
-                <a:schemeClr val="tx1"/>
-              </a:solidFill>
-            </a:endParaRPr>
           </a:p>
         </p:txBody>
       </p:sp>
@@ -3310,7 +3298,7 @@
           <a:lstStyle/>
           <a:p>
             <a:r>
-              <a:rPr lang="pt-BR" b="1" dirty="0" smtClean="0">
+              <a:rPr lang="pt-BR" b="1" dirty="0">
                 <a:solidFill>
                   <a:schemeClr val="tx1"/>
                 </a:solidFill>
@@ -3319,7 +3307,7 @@
             </a:r>
           </a:p>
           <a:p>
-            <a:endParaRPr lang="pt-BR" dirty="0" smtClean="0">
+            <a:endParaRPr lang="pt-BR" dirty="0">
               <a:solidFill>
                 <a:schemeClr val="tx1"/>
               </a:solidFill>
@@ -3327,7 +3315,7 @@
           </a:p>
           <a:p>
             <a:r>
-              <a:rPr lang="pt-BR" sz="1400" dirty="0" err="1" smtClean="0">
+              <a:rPr lang="pt-BR" sz="1400" dirty="0" err="1">
                 <a:solidFill>
                   <a:schemeClr val="tx1"/>
                 </a:solidFill>
@@ -3335,15 +3323,15 @@
               <a:t>Lorem</a:t>
             </a:r>
             <a:r>
-              <a:rPr lang="pt-BR" sz="1400" dirty="0" smtClean="0">
-                <a:solidFill>
-                  <a:schemeClr val="tx1"/>
-                </a:solidFill>
-              </a:rPr>
-              <a:t> </a:t>
-            </a:r>
-            <a:r>
-              <a:rPr lang="pt-BR" sz="1400" dirty="0" err="1" smtClean="0">
+              <a:rPr lang="pt-BR" sz="1400" dirty="0">
+                <a:solidFill>
+                  <a:schemeClr val="tx1"/>
+                </a:solidFill>
+              </a:rPr>
+              <a:t> </a:t>
+            </a:r>
+            <a:r>
+              <a:rPr lang="pt-BR" sz="1400" dirty="0" err="1">
                 <a:solidFill>
                   <a:schemeClr val="tx1"/>
                 </a:solidFill>
@@ -3351,15 +3339,15 @@
               <a:t>ipsum</a:t>
             </a:r>
             <a:r>
-              <a:rPr lang="pt-BR" sz="1400" dirty="0" smtClean="0">
-                <a:solidFill>
-                  <a:schemeClr val="tx1"/>
-                </a:solidFill>
-              </a:rPr>
-              <a:t> </a:t>
-            </a:r>
-            <a:r>
-              <a:rPr lang="pt-BR" sz="1400" dirty="0" err="1" smtClean="0">
+              <a:rPr lang="pt-BR" sz="1400" dirty="0">
+                <a:solidFill>
+                  <a:schemeClr val="tx1"/>
+                </a:solidFill>
+              </a:rPr>
+              <a:t> </a:t>
+            </a:r>
+            <a:r>
+              <a:rPr lang="pt-BR" sz="1400" dirty="0" err="1">
                 <a:solidFill>
                   <a:schemeClr val="tx1"/>
                 </a:solidFill>
@@ -3367,15 +3355,15 @@
               <a:t>dolor</a:t>
             </a:r>
             <a:r>
-              <a:rPr lang="pt-BR" sz="1400" dirty="0" smtClean="0">
-                <a:solidFill>
-                  <a:schemeClr val="tx1"/>
-                </a:solidFill>
-              </a:rPr>
-              <a:t> </a:t>
-            </a:r>
-            <a:r>
-              <a:rPr lang="pt-BR" sz="1400" dirty="0" err="1" smtClean="0">
+              <a:rPr lang="pt-BR" sz="1400" dirty="0">
+                <a:solidFill>
+                  <a:schemeClr val="tx1"/>
+                </a:solidFill>
+              </a:rPr>
+              <a:t> </a:t>
+            </a:r>
+            <a:r>
+              <a:rPr lang="pt-BR" sz="1400" dirty="0" err="1">
                 <a:solidFill>
                   <a:schemeClr val="tx1"/>
                 </a:solidFill>
@@ -3383,15 +3371,15 @@
               <a:t>sit</a:t>
             </a:r>
             <a:r>
-              <a:rPr lang="pt-BR" sz="1400" dirty="0" smtClean="0">
-                <a:solidFill>
-                  <a:schemeClr val="tx1"/>
-                </a:solidFill>
-              </a:rPr>
-              <a:t> </a:t>
-            </a:r>
-            <a:r>
-              <a:rPr lang="pt-BR" sz="1400" dirty="0" err="1" smtClean="0">
+              <a:rPr lang="pt-BR" sz="1400" dirty="0">
+                <a:solidFill>
+                  <a:schemeClr val="tx1"/>
+                </a:solidFill>
+              </a:rPr>
+              <a:t> </a:t>
+            </a:r>
+            <a:r>
+              <a:rPr lang="pt-BR" sz="1400" dirty="0" err="1">
                 <a:solidFill>
                   <a:schemeClr val="tx1"/>
                 </a:solidFill>
@@ -3399,15 +3387,15 @@
               <a:t>amet</a:t>
             </a:r>
             <a:r>
-              <a:rPr lang="pt-BR" sz="1400" dirty="0" smtClean="0">
-                <a:solidFill>
-                  <a:schemeClr val="tx1"/>
-                </a:solidFill>
-              </a:rPr>
-              <a:t> </a:t>
-            </a:r>
-            <a:r>
-              <a:rPr lang="pt-BR" sz="1400" dirty="0" err="1" smtClean="0">
+              <a:rPr lang="pt-BR" sz="1400" dirty="0">
+                <a:solidFill>
+                  <a:schemeClr val="tx1"/>
+                </a:solidFill>
+              </a:rPr>
+              <a:t> </a:t>
+            </a:r>
+            <a:r>
+              <a:rPr lang="pt-BR" sz="1400" dirty="0" err="1">
                 <a:solidFill>
                   <a:schemeClr val="tx1"/>
                 </a:solidFill>
@@ -3415,15 +3403,15 @@
               <a:t>Lorem</a:t>
             </a:r>
             <a:r>
-              <a:rPr lang="pt-BR" sz="1400" dirty="0" smtClean="0">
-                <a:solidFill>
-                  <a:schemeClr val="tx1"/>
-                </a:solidFill>
-              </a:rPr>
-              <a:t> </a:t>
-            </a:r>
-            <a:r>
-              <a:rPr lang="pt-BR" sz="1400" dirty="0" err="1" smtClean="0">
+              <a:rPr lang="pt-BR" sz="1400" dirty="0">
+                <a:solidFill>
+                  <a:schemeClr val="tx1"/>
+                </a:solidFill>
+              </a:rPr>
+              <a:t> </a:t>
+            </a:r>
+            <a:r>
+              <a:rPr lang="pt-BR" sz="1400" dirty="0" err="1">
                 <a:solidFill>
                   <a:schemeClr val="tx1"/>
                 </a:solidFill>
@@ -3431,15 +3419,15 @@
               <a:t>ipsum</a:t>
             </a:r>
             <a:r>
-              <a:rPr lang="pt-BR" sz="1400" dirty="0" smtClean="0">
-                <a:solidFill>
-                  <a:schemeClr val="tx1"/>
-                </a:solidFill>
-              </a:rPr>
-              <a:t> </a:t>
-            </a:r>
-            <a:r>
-              <a:rPr lang="pt-BR" sz="1400" dirty="0" err="1" smtClean="0">
+              <a:rPr lang="pt-BR" sz="1400" dirty="0">
+                <a:solidFill>
+                  <a:schemeClr val="tx1"/>
+                </a:solidFill>
+              </a:rPr>
+              <a:t> </a:t>
+            </a:r>
+            <a:r>
+              <a:rPr lang="pt-BR" sz="1400" dirty="0" err="1">
                 <a:solidFill>
                   <a:schemeClr val="tx1"/>
                 </a:solidFill>
@@ -3447,15 +3435,15 @@
               <a:t>dolor</a:t>
             </a:r>
             <a:r>
-              <a:rPr lang="pt-BR" sz="1400" dirty="0" smtClean="0">
-                <a:solidFill>
-                  <a:schemeClr val="tx1"/>
-                </a:solidFill>
-              </a:rPr>
-              <a:t> </a:t>
-            </a:r>
-            <a:r>
-              <a:rPr lang="pt-BR" sz="1400" dirty="0" err="1" smtClean="0">
+              <a:rPr lang="pt-BR" sz="1400" dirty="0">
+                <a:solidFill>
+                  <a:schemeClr val="tx1"/>
+                </a:solidFill>
+              </a:rPr>
+              <a:t> </a:t>
+            </a:r>
+            <a:r>
+              <a:rPr lang="pt-BR" sz="1400" dirty="0" err="1">
                 <a:solidFill>
                   <a:schemeClr val="tx1"/>
                 </a:solidFill>
@@ -3463,22 +3451,22 @@
               <a:t>sit</a:t>
             </a:r>
             <a:r>
-              <a:rPr lang="pt-BR" sz="1400" dirty="0" smtClean="0">
-                <a:solidFill>
-                  <a:schemeClr val="tx1"/>
-                </a:solidFill>
-              </a:rPr>
-              <a:t> </a:t>
-            </a:r>
-            <a:r>
-              <a:rPr lang="pt-BR" sz="1400" dirty="0" err="1" smtClean="0">
+              <a:rPr lang="pt-BR" sz="1400" dirty="0">
+                <a:solidFill>
+                  <a:schemeClr val="tx1"/>
+                </a:solidFill>
+              </a:rPr>
+              <a:t> </a:t>
+            </a:r>
+            <a:r>
+              <a:rPr lang="pt-BR" sz="1400" dirty="0" err="1">
                 <a:solidFill>
                   <a:schemeClr val="tx1"/>
                 </a:solidFill>
               </a:rPr>
               <a:t>amet</a:t>
             </a:r>
-            <a:endParaRPr lang="pt-BR" sz="1400" dirty="0" smtClean="0">
+            <a:endParaRPr lang="pt-BR" sz="1400" dirty="0">
               <a:solidFill>
                 <a:schemeClr val="tx1"/>
               </a:solidFill>
@@ -3486,7 +3474,7 @@
           </a:p>
           <a:p>
             <a:r>
-              <a:rPr lang="pt-BR" sz="1400" dirty="0" err="1" smtClean="0">
+              <a:rPr lang="pt-BR" sz="1400" dirty="0" err="1">
                 <a:solidFill>
                   <a:schemeClr val="tx1"/>
                 </a:solidFill>
@@ -3494,15 +3482,15 @@
               <a:t>Lorem</a:t>
             </a:r>
             <a:r>
-              <a:rPr lang="pt-BR" sz="1400" dirty="0" smtClean="0">
-                <a:solidFill>
-                  <a:schemeClr val="tx1"/>
-                </a:solidFill>
-              </a:rPr>
-              <a:t> </a:t>
-            </a:r>
-            <a:r>
-              <a:rPr lang="pt-BR" sz="1400" dirty="0" err="1" smtClean="0">
+              <a:rPr lang="pt-BR" sz="1400" dirty="0">
+                <a:solidFill>
+                  <a:schemeClr val="tx1"/>
+                </a:solidFill>
+              </a:rPr>
+              <a:t> </a:t>
+            </a:r>
+            <a:r>
+              <a:rPr lang="pt-BR" sz="1400" dirty="0" err="1">
                 <a:solidFill>
                   <a:schemeClr val="tx1"/>
                 </a:solidFill>
@@ -3510,15 +3498,15 @@
               <a:t>ipsum</a:t>
             </a:r>
             <a:r>
-              <a:rPr lang="pt-BR" sz="1400" dirty="0" smtClean="0">
-                <a:solidFill>
-                  <a:schemeClr val="tx1"/>
-                </a:solidFill>
-              </a:rPr>
-              <a:t> </a:t>
-            </a:r>
-            <a:r>
-              <a:rPr lang="pt-BR" sz="1400" dirty="0" err="1" smtClean="0">
+              <a:rPr lang="pt-BR" sz="1400" dirty="0">
+                <a:solidFill>
+                  <a:schemeClr val="tx1"/>
+                </a:solidFill>
+              </a:rPr>
+              <a:t> </a:t>
+            </a:r>
+            <a:r>
+              <a:rPr lang="pt-BR" sz="1400" dirty="0" err="1">
                 <a:solidFill>
                   <a:schemeClr val="tx1"/>
                 </a:solidFill>
@@ -3526,15 +3514,15 @@
               <a:t>dolor</a:t>
             </a:r>
             <a:r>
-              <a:rPr lang="pt-BR" sz="1400" dirty="0" smtClean="0">
-                <a:solidFill>
-                  <a:schemeClr val="tx1"/>
-                </a:solidFill>
-              </a:rPr>
-              <a:t> </a:t>
-            </a:r>
-            <a:r>
-              <a:rPr lang="pt-BR" sz="1400" dirty="0" err="1" smtClean="0">
+              <a:rPr lang="pt-BR" sz="1400" dirty="0">
+                <a:solidFill>
+                  <a:schemeClr val="tx1"/>
+                </a:solidFill>
+              </a:rPr>
+              <a:t> </a:t>
+            </a:r>
+            <a:r>
+              <a:rPr lang="pt-BR" sz="1400" dirty="0" err="1">
                 <a:solidFill>
                   <a:schemeClr val="tx1"/>
                 </a:solidFill>
@@ -3542,15 +3530,15 @@
               <a:t>sit</a:t>
             </a:r>
             <a:r>
-              <a:rPr lang="pt-BR" sz="1400" dirty="0" smtClean="0">
-                <a:solidFill>
-                  <a:schemeClr val="tx1"/>
-                </a:solidFill>
-              </a:rPr>
-              <a:t> </a:t>
-            </a:r>
-            <a:r>
-              <a:rPr lang="pt-BR" sz="1400" dirty="0" err="1" smtClean="0">
+              <a:rPr lang="pt-BR" sz="1400" dirty="0">
+                <a:solidFill>
+                  <a:schemeClr val="tx1"/>
+                </a:solidFill>
+              </a:rPr>
+              <a:t> </a:t>
+            </a:r>
+            <a:r>
+              <a:rPr lang="pt-BR" sz="1400" dirty="0" err="1">
                 <a:solidFill>
                   <a:schemeClr val="tx1"/>
                 </a:solidFill>
@@ -3558,15 +3546,15 @@
               <a:t>amet</a:t>
             </a:r>
             <a:r>
-              <a:rPr lang="pt-BR" sz="1400" dirty="0" smtClean="0">
-                <a:solidFill>
-                  <a:schemeClr val="tx1"/>
-                </a:solidFill>
-              </a:rPr>
-              <a:t> </a:t>
-            </a:r>
-            <a:r>
-              <a:rPr lang="pt-BR" sz="1400" dirty="0" err="1" smtClean="0">
+              <a:rPr lang="pt-BR" sz="1400" dirty="0">
+                <a:solidFill>
+                  <a:schemeClr val="tx1"/>
+                </a:solidFill>
+              </a:rPr>
+              <a:t> </a:t>
+            </a:r>
+            <a:r>
+              <a:rPr lang="pt-BR" sz="1400" dirty="0" err="1">
                 <a:solidFill>
                   <a:schemeClr val="tx1"/>
                 </a:solidFill>
@@ -3574,15 +3562,15 @@
               <a:t>Lorem</a:t>
             </a:r>
             <a:r>
-              <a:rPr lang="pt-BR" sz="1400" dirty="0" smtClean="0">
-                <a:solidFill>
-                  <a:schemeClr val="tx1"/>
-                </a:solidFill>
-              </a:rPr>
-              <a:t> </a:t>
-            </a:r>
-            <a:r>
-              <a:rPr lang="pt-BR" sz="1400" dirty="0" err="1" smtClean="0">
+              <a:rPr lang="pt-BR" sz="1400" dirty="0">
+                <a:solidFill>
+                  <a:schemeClr val="tx1"/>
+                </a:solidFill>
+              </a:rPr>
+              <a:t> </a:t>
+            </a:r>
+            <a:r>
+              <a:rPr lang="pt-BR" sz="1400" dirty="0" err="1">
                 <a:solidFill>
                   <a:schemeClr val="tx1"/>
                 </a:solidFill>
@@ -3590,15 +3578,15 @@
               <a:t>ipsum</a:t>
             </a:r>
             <a:r>
-              <a:rPr lang="pt-BR" sz="1400" dirty="0" smtClean="0">
-                <a:solidFill>
-                  <a:schemeClr val="tx1"/>
-                </a:solidFill>
-              </a:rPr>
-              <a:t> </a:t>
-            </a:r>
-            <a:r>
-              <a:rPr lang="pt-BR" sz="1400" dirty="0" err="1" smtClean="0">
+              <a:rPr lang="pt-BR" sz="1400" dirty="0">
+                <a:solidFill>
+                  <a:schemeClr val="tx1"/>
+                </a:solidFill>
+              </a:rPr>
+              <a:t> </a:t>
+            </a:r>
+            <a:r>
+              <a:rPr lang="pt-BR" sz="1400" dirty="0" err="1">
                 <a:solidFill>
                   <a:schemeClr val="tx1"/>
                 </a:solidFill>
@@ -3606,15 +3594,15 @@
               <a:t>dolor</a:t>
             </a:r>
             <a:r>
-              <a:rPr lang="pt-BR" sz="1400" dirty="0" smtClean="0">
-                <a:solidFill>
-                  <a:schemeClr val="tx1"/>
-                </a:solidFill>
-              </a:rPr>
-              <a:t> </a:t>
-            </a:r>
-            <a:r>
-              <a:rPr lang="pt-BR" sz="1400" dirty="0" err="1" smtClean="0">
+              <a:rPr lang="pt-BR" sz="1400" dirty="0">
+                <a:solidFill>
+                  <a:schemeClr val="tx1"/>
+                </a:solidFill>
+              </a:rPr>
+              <a:t> </a:t>
+            </a:r>
+            <a:r>
+              <a:rPr lang="pt-BR" sz="1400" dirty="0" err="1">
                 <a:solidFill>
                   <a:schemeClr val="tx1"/>
                 </a:solidFill>
@@ -3622,22 +3610,22 @@
               <a:t>sit</a:t>
             </a:r>
             <a:r>
-              <a:rPr lang="pt-BR" sz="1400" dirty="0" smtClean="0">
-                <a:solidFill>
-                  <a:schemeClr val="tx1"/>
-                </a:solidFill>
-              </a:rPr>
-              <a:t> </a:t>
-            </a:r>
-            <a:r>
-              <a:rPr lang="pt-BR" sz="1400" dirty="0" err="1" smtClean="0">
+              <a:rPr lang="pt-BR" sz="1400" dirty="0">
+                <a:solidFill>
+                  <a:schemeClr val="tx1"/>
+                </a:solidFill>
+              </a:rPr>
+              <a:t> </a:t>
+            </a:r>
+            <a:r>
+              <a:rPr lang="pt-BR" sz="1400" dirty="0" err="1">
                 <a:solidFill>
                   <a:schemeClr val="tx1"/>
                 </a:solidFill>
               </a:rPr>
               <a:t>amet</a:t>
             </a:r>
-            <a:endParaRPr lang="pt-BR" sz="1400" dirty="0" smtClean="0">
+            <a:endParaRPr lang="pt-BR" sz="1400" dirty="0">
               <a:solidFill>
                 <a:schemeClr val="tx1"/>
               </a:solidFill>
@@ -3645,7 +3633,7 @@
           </a:p>
           <a:p>
             <a:r>
-              <a:rPr lang="pt-BR" sz="1400" dirty="0" err="1" smtClean="0">
+              <a:rPr lang="pt-BR" sz="1400" dirty="0" err="1">
                 <a:solidFill>
                   <a:schemeClr val="tx1"/>
                 </a:solidFill>
@@ -3653,15 +3641,15 @@
               <a:t>Lorem</a:t>
             </a:r>
             <a:r>
-              <a:rPr lang="pt-BR" sz="1400" dirty="0" smtClean="0">
-                <a:solidFill>
-                  <a:schemeClr val="tx1"/>
-                </a:solidFill>
-              </a:rPr>
-              <a:t> </a:t>
-            </a:r>
-            <a:r>
-              <a:rPr lang="pt-BR" sz="1400" dirty="0" err="1" smtClean="0">
+              <a:rPr lang="pt-BR" sz="1400" dirty="0">
+                <a:solidFill>
+                  <a:schemeClr val="tx1"/>
+                </a:solidFill>
+              </a:rPr>
+              <a:t> </a:t>
+            </a:r>
+            <a:r>
+              <a:rPr lang="pt-BR" sz="1400" dirty="0" err="1">
                 <a:solidFill>
                   <a:schemeClr val="tx1"/>
                 </a:solidFill>
@@ -3669,15 +3657,15 @@
               <a:t>ipsum</a:t>
             </a:r>
             <a:r>
-              <a:rPr lang="pt-BR" sz="1400" dirty="0" smtClean="0">
-                <a:solidFill>
-                  <a:schemeClr val="tx1"/>
-                </a:solidFill>
-              </a:rPr>
-              <a:t> </a:t>
-            </a:r>
-            <a:r>
-              <a:rPr lang="pt-BR" sz="1400" dirty="0" err="1" smtClean="0">
+              <a:rPr lang="pt-BR" sz="1400" dirty="0">
+                <a:solidFill>
+                  <a:schemeClr val="tx1"/>
+                </a:solidFill>
+              </a:rPr>
+              <a:t> </a:t>
+            </a:r>
+            <a:r>
+              <a:rPr lang="pt-BR" sz="1400" dirty="0" err="1">
                 <a:solidFill>
                   <a:schemeClr val="tx1"/>
                 </a:solidFill>
@@ -3685,15 +3673,15 @@
               <a:t>dolor</a:t>
             </a:r>
             <a:r>
-              <a:rPr lang="pt-BR" sz="1400" dirty="0" smtClean="0">
-                <a:solidFill>
-                  <a:schemeClr val="tx1"/>
-                </a:solidFill>
-              </a:rPr>
-              <a:t> </a:t>
-            </a:r>
-            <a:r>
-              <a:rPr lang="pt-BR" sz="1400" dirty="0" err="1" smtClean="0">
+              <a:rPr lang="pt-BR" sz="1400" dirty="0">
+                <a:solidFill>
+                  <a:schemeClr val="tx1"/>
+                </a:solidFill>
+              </a:rPr>
+              <a:t> </a:t>
+            </a:r>
+            <a:r>
+              <a:rPr lang="pt-BR" sz="1400" dirty="0" err="1">
                 <a:solidFill>
                   <a:schemeClr val="tx1"/>
                 </a:solidFill>
@@ -3701,15 +3689,15 @@
               <a:t>sit</a:t>
             </a:r>
             <a:r>
-              <a:rPr lang="pt-BR" sz="1400" dirty="0" smtClean="0">
-                <a:solidFill>
-                  <a:schemeClr val="tx1"/>
-                </a:solidFill>
-              </a:rPr>
-              <a:t> </a:t>
-            </a:r>
-            <a:r>
-              <a:rPr lang="pt-BR" sz="1400" dirty="0" err="1" smtClean="0">
+              <a:rPr lang="pt-BR" sz="1400" dirty="0">
+                <a:solidFill>
+                  <a:schemeClr val="tx1"/>
+                </a:solidFill>
+              </a:rPr>
+              <a:t> </a:t>
+            </a:r>
+            <a:r>
+              <a:rPr lang="pt-BR" sz="1400" dirty="0" err="1">
                 <a:solidFill>
                   <a:schemeClr val="tx1"/>
                 </a:solidFill>
@@ -3717,15 +3705,15 @@
               <a:t>amet</a:t>
             </a:r>
             <a:r>
-              <a:rPr lang="pt-BR" sz="1400" dirty="0" smtClean="0">
-                <a:solidFill>
-                  <a:schemeClr val="tx1"/>
-                </a:solidFill>
-              </a:rPr>
-              <a:t> </a:t>
-            </a:r>
-            <a:r>
-              <a:rPr lang="pt-BR" sz="1400" dirty="0" err="1" smtClean="0">
+              <a:rPr lang="pt-BR" sz="1400" dirty="0">
+                <a:solidFill>
+                  <a:schemeClr val="tx1"/>
+                </a:solidFill>
+              </a:rPr>
+              <a:t> </a:t>
+            </a:r>
+            <a:r>
+              <a:rPr lang="pt-BR" sz="1400" dirty="0" err="1">
                 <a:solidFill>
                   <a:schemeClr val="tx1"/>
                 </a:solidFill>
@@ -3733,15 +3721,15 @@
               <a:t>Lorem</a:t>
             </a:r>
             <a:r>
-              <a:rPr lang="pt-BR" sz="1400" dirty="0" smtClean="0">
-                <a:solidFill>
-                  <a:schemeClr val="tx1"/>
-                </a:solidFill>
-              </a:rPr>
-              <a:t> </a:t>
-            </a:r>
-            <a:r>
-              <a:rPr lang="pt-BR" sz="1400" dirty="0" err="1" smtClean="0">
+              <a:rPr lang="pt-BR" sz="1400" dirty="0">
+                <a:solidFill>
+                  <a:schemeClr val="tx1"/>
+                </a:solidFill>
+              </a:rPr>
+              <a:t> </a:t>
+            </a:r>
+            <a:r>
+              <a:rPr lang="pt-BR" sz="1400" dirty="0" err="1">
                 <a:solidFill>
                   <a:schemeClr val="tx1"/>
                 </a:solidFill>
@@ -3749,15 +3737,15 @@
               <a:t>ipsum</a:t>
             </a:r>
             <a:r>
-              <a:rPr lang="pt-BR" sz="1400" dirty="0" smtClean="0">
-                <a:solidFill>
-                  <a:schemeClr val="tx1"/>
-                </a:solidFill>
-              </a:rPr>
-              <a:t> </a:t>
-            </a:r>
-            <a:r>
-              <a:rPr lang="pt-BR" sz="1400" dirty="0" err="1" smtClean="0">
+              <a:rPr lang="pt-BR" sz="1400" dirty="0">
+                <a:solidFill>
+                  <a:schemeClr val="tx1"/>
+                </a:solidFill>
+              </a:rPr>
+              <a:t> </a:t>
+            </a:r>
+            <a:r>
+              <a:rPr lang="pt-BR" sz="1400" dirty="0" err="1">
                 <a:solidFill>
                   <a:schemeClr val="tx1"/>
                 </a:solidFill>
@@ -3765,15 +3753,15 @@
               <a:t>dolor</a:t>
             </a:r>
             <a:r>
-              <a:rPr lang="pt-BR" sz="1400" dirty="0" smtClean="0">
-                <a:solidFill>
-                  <a:schemeClr val="tx1"/>
-                </a:solidFill>
-              </a:rPr>
-              <a:t> </a:t>
-            </a:r>
-            <a:r>
-              <a:rPr lang="pt-BR" sz="1400" dirty="0" err="1" smtClean="0">
+              <a:rPr lang="pt-BR" sz="1400" dirty="0">
+                <a:solidFill>
+                  <a:schemeClr val="tx1"/>
+                </a:solidFill>
+              </a:rPr>
+              <a:t> </a:t>
+            </a:r>
+            <a:r>
+              <a:rPr lang="pt-BR" sz="1400" dirty="0" err="1">
                 <a:solidFill>
                   <a:schemeClr val="tx1"/>
                 </a:solidFill>
@@ -3781,22 +3769,22 @@
               <a:t>sit</a:t>
             </a:r>
             <a:r>
-              <a:rPr lang="pt-BR" sz="1400" dirty="0" smtClean="0">
-                <a:solidFill>
-                  <a:schemeClr val="tx1"/>
-                </a:solidFill>
-              </a:rPr>
-              <a:t> </a:t>
-            </a:r>
-            <a:r>
-              <a:rPr lang="pt-BR" sz="1400" dirty="0" err="1" smtClean="0">
+              <a:rPr lang="pt-BR" sz="1400" dirty="0">
+                <a:solidFill>
+                  <a:schemeClr val="tx1"/>
+                </a:solidFill>
+              </a:rPr>
+              <a:t> </a:t>
+            </a:r>
+            <a:r>
+              <a:rPr lang="pt-BR" sz="1400" dirty="0" err="1">
                 <a:solidFill>
                   <a:schemeClr val="tx1"/>
                 </a:solidFill>
               </a:rPr>
               <a:t>amet</a:t>
             </a:r>
-            <a:endParaRPr lang="pt-BR" sz="1400" dirty="0" smtClean="0">
+            <a:endParaRPr lang="pt-BR" sz="1400" dirty="0">
               <a:solidFill>
                 <a:schemeClr val="tx1"/>
               </a:solidFill>
@@ -3804,7 +3792,7 @@
           </a:p>
           <a:p>
             <a:r>
-              <a:rPr lang="pt-BR" sz="1400" dirty="0" err="1" smtClean="0">
+              <a:rPr lang="pt-BR" sz="1400" dirty="0" err="1">
                 <a:solidFill>
                   <a:schemeClr val="tx1"/>
                 </a:solidFill>
@@ -3812,15 +3800,15 @@
               <a:t>Lorem</a:t>
             </a:r>
             <a:r>
-              <a:rPr lang="pt-BR" sz="1400" dirty="0" smtClean="0">
-                <a:solidFill>
-                  <a:schemeClr val="tx1"/>
-                </a:solidFill>
-              </a:rPr>
-              <a:t> </a:t>
-            </a:r>
-            <a:r>
-              <a:rPr lang="pt-BR" sz="1400" dirty="0" err="1" smtClean="0">
+              <a:rPr lang="pt-BR" sz="1400" dirty="0">
+                <a:solidFill>
+                  <a:schemeClr val="tx1"/>
+                </a:solidFill>
+              </a:rPr>
+              <a:t> </a:t>
+            </a:r>
+            <a:r>
+              <a:rPr lang="pt-BR" sz="1400" dirty="0" err="1">
                 <a:solidFill>
                   <a:schemeClr val="tx1"/>
                 </a:solidFill>
@@ -3828,15 +3816,15 @@
               <a:t>ipsum</a:t>
             </a:r>
             <a:r>
-              <a:rPr lang="pt-BR" sz="1400" dirty="0" smtClean="0">
-                <a:solidFill>
-                  <a:schemeClr val="tx1"/>
-                </a:solidFill>
-              </a:rPr>
-              <a:t> </a:t>
-            </a:r>
-            <a:r>
-              <a:rPr lang="pt-BR" sz="1400" dirty="0" err="1" smtClean="0">
+              <a:rPr lang="pt-BR" sz="1400" dirty="0">
+                <a:solidFill>
+                  <a:schemeClr val="tx1"/>
+                </a:solidFill>
+              </a:rPr>
+              <a:t> </a:t>
+            </a:r>
+            <a:r>
+              <a:rPr lang="pt-BR" sz="1400" dirty="0" err="1">
                 <a:solidFill>
                   <a:schemeClr val="tx1"/>
                 </a:solidFill>
@@ -3844,15 +3832,15 @@
               <a:t>dolor</a:t>
             </a:r>
             <a:r>
-              <a:rPr lang="pt-BR" sz="1400" dirty="0" smtClean="0">
-                <a:solidFill>
-                  <a:schemeClr val="tx1"/>
-                </a:solidFill>
-              </a:rPr>
-              <a:t> </a:t>
-            </a:r>
-            <a:r>
-              <a:rPr lang="pt-BR" sz="1400" dirty="0" err="1" smtClean="0">
+              <a:rPr lang="pt-BR" sz="1400" dirty="0">
+                <a:solidFill>
+                  <a:schemeClr val="tx1"/>
+                </a:solidFill>
+              </a:rPr>
+              <a:t> </a:t>
+            </a:r>
+            <a:r>
+              <a:rPr lang="pt-BR" sz="1400" dirty="0" err="1">
                 <a:solidFill>
                   <a:schemeClr val="tx1"/>
                 </a:solidFill>
@@ -3860,15 +3848,15 @@
               <a:t>sit</a:t>
             </a:r>
             <a:r>
-              <a:rPr lang="pt-BR" sz="1400" dirty="0" smtClean="0">
-                <a:solidFill>
-                  <a:schemeClr val="tx1"/>
-                </a:solidFill>
-              </a:rPr>
-              <a:t> </a:t>
-            </a:r>
-            <a:r>
-              <a:rPr lang="pt-BR" sz="1400" dirty="0" err="1" smtClean="0">
+              <a:rPr lang="pt-BR" sz="1400" dirty="0">
+                <a:solidFill>
+                  <a:schemeClr val="tx1"/>
+                </a:solidFill>
+              </a:rPr>
+              <a:t> </a:t>
+            </a:r>
+            <a:r>
+              <a:rPr lang="pt-BR" sz="1400" dirty="0" err="1">
                 <a:solidFill>
                   <a:schemeClr val="tx1"/>
                 </a:solidFill>
@@ -3876,15 +3864,15 @@
               <a:t>amet</a:t>
             </a:r>
             <a:r>
-              <a:rPr lang="pt-BR" sz="1400" dirty="0" smtClean="0">
-                <a:solidFill>
-                  <a:schemeClr val="tx1"/>
-                </a:solidFill>
-              </a:rPr>
-              <a:t> </a:t>
-            </a:r>
-            <a:r>
-              <a:rPr lang="pt-BR" sz="1400" dirty="0" err="1" smtClean="0">
+              <a:rPr lang="pt-BR" sz="1400" dirty="0">
+                <a:solidFill>
+                  <a:schemeClr val="tx1"/>
+                </a:solidFill>
+              </a:rPr>
+              <a:t> </a:t>
+            </a:r>
+            <a:r>
+              <a:rPr lang="pt-BR" sz="1400" dirty="0" err="1">
                 <a:solidFill>
                   <a:schemeClr val="tx1"/>
                 </a:solidFill>
@@ -3892,15 +3880,15 @@
               <a:t>Lorem</a:t>
             </a:r>
             <a:r>
-              <a:rPr lang="pt-BR" sz="1400" dirty="0" smtClean="0">
-                <a:solidFill>
-                  <a:schemeClr val="tx1"/>
-                </a:solidFill>
-              </a:rPr>
-              <a:t> </a:t>
-            </a:r>
-            <a:r>
-              <a:rPr lang="pt-BR" sz="1400" dirty="0" err="1" smtClean="0">
+              <a:rPr lang="pt-BR" sz="1400" dirty="0">
+                <a:solidFill>
+                  <a:schemeClr val="tx1"/>
+                </a:solidFill>
+              </a:rPr>
+              <a:t> </a:t>
+            </a:r>
+            <a:r>
+              <a:rPr lang="pt-BR" sz="1400" dirty="0" err="1">
                 <a:solidFill>
                   <a:schemeClr val="tx1"/>
                 </a:solidFill>
@@ -3908,15 +3896,15 @@
               <a:t>ipsum</a:t>
             </a:r>
             <a:r>
-              <a:rPr lang="pt-BR" sz="1400" dirty="0" smtClean="0">
-                <a:solidFill>
-                  <a:schemeClr val="tx1"/>
-                </a:solidFill>
-              </a:rPr>
-              <a:t> </a:t>
-            </a:r>
-            <a:r>
-              <a:rPr lang="pt-BR" sz="1400" dirty="0" err="1" smtClean="0">
+              <a:rPr lang="pt-BR" sz="1400" dirty="0">
+                <a:solidFill>
+                  <a:schemeClr val="tx1"/>
+                </a:solidFill>
+              </a:rPr>
+              <a:t> </a:t>
+            </a:r>
+            <a:r>
+              <a:rPr lang="pt-BR" sz="1400" dirty="0" err="1">
                 <a:solidFill>
                   <a:schemeClr val="tx1"/>
                 </a:solidFill>
@@ -3924,15 +3912,15 @@
               <a:t>dolor</a:t>
             </a:r>
             <a:r>
-              <a:rPr lang="pt-BR" sz="1400" dirty="0" smtClean="0">
-                <a:solidFill>
-                  <a:schemeClr val="tx1"/>
-                </a:solidFill>
-              </a:rPr>
-              <a:t> </a:t>
-            </a:r>
-            <a:r>
-              <a:rPr lang="pt-BR" sz="1400" dirty="0" err="1" smtClean="0">
+              <a:rPr lang="pt-BR" sz="1400" dirty="0">
+                <a:solidFill>
+                  <a:schemeClr val="tx1"/>
+                </a:solidFill>
+              </a:rPr>
+              <a:t> </a:t>
+            </a:r>
+            <a:r>
+              <a:rPr lang="pt-BR" sz="1400" dirty="0" err="1">
                 <a:solidFill>
                   <a:schemeClr val="tx1"/>
                 </a:solidFill>
@@ -3940,29 +3928,29 @@
               <a:t>sit</a:t>
             </a:r>
             <a:r>
-              <a:rPr lang="pt-BR" sz="1400" dirty="0" smtClean="0">
-                <a:solidFill>
-                  <a:schemeClr val="tx1"/>
-                </a:solidFill>
-              </a:rPr>
-              <a:t> </a:t>
-            </a:r>
-            <a:r>
-              <a:rPr lang="pt-BR" sz="1400" dirty="0" err="1" smtClean="0">
+              <a:rPr lang="pt-BR" sz="1400" dirty="0">
+                <a:solidFill>
+                  <a:schemeClr val="tx1"/>
+                </a:solidFill>
+              </a:rPr>
+              <a:t> </a:t>
+            </a:r>
+            <a:r>
+              <a:rPr lang="pt-BR" sz="1400" dirty="0" err="1">
                 <a:solidFill>
                   <a:schemeClr val="tx1"/>
                 </a:solidFill>
               </a:rPr>
               <a:t>amet</a:t>
             </a:r>
-            <a:endParaRPr lang="pt-BR" sz="1400" dirty="0" smtClean="0">
+            <a:endParaRPr lang="pt-BR" sz="1400" dirty="0">
               <a:solidFill>
                 <a:schemeClr val="tx1"/>
               </a:solidFill>
             </a:endParaRPr>
           </a:p>
           <a:p>
-            <a:endParaRPr lang="pt-BR" sz="1400" dirty="0" smtClean="0">
+            <a:endParaRPr lang="pt-BR" sz="1400" dirty="0">
               <a:solidFill>
                 <a:schemeClr val="tx1"/>
               </a:solidFill>
@@ -3970,7 +3958,7 @@
           </a:p>
           <a:p>
             <a:r>
-              <a:rPr lang="pt-BR" sz="1400" dirty="0" err="1" smtClean="0">
+              <a:rPr lang="pt-BR" sz="1400" dirty="0" err="1">
                 <a:solidFill>
                   <a:schemeClr val="tx1"/>
                 </a:solidFill>
@@ -3978,15 +3966,15 @@
               <a:t>Lorem</a:t>
             </a:r>
             <a:r>
-              <a:rPr lang="pt-BR" sz="1400" dirty="0" smtClean="0">
-                <a:solidFill>
-                  <a:schemeClr val="tx1"/>
-                </a:solidFill>
-              </a:rPr>
-              <a:t> </a:t>
-            </a:r>
-            <a:r>
-              <a:rPr lang="pt-BR" sz="1400" dirty="0" err="1" smtClean="0">
+              <a:rPr lang="pt-BR" sz="1400" dirty="0">
+                <a:solidFill>
+                  <a:schemeClr val="tx1"/>
+                </a:solidFill>
+              </a:rPr>
+              <a:t> </a:t>
+            </a:r>
+            <a:r>
+              <a:rPr lang="pt-BR" sz="1400" dirty="0" err="1">
                 <a:solidFill>
                   <a:schemeClr val="tx1"/>
                 </a:solidFill>
@@ -3994,15 +3982,15 @@
               <a:t>ipsum</a:t>
             </a:r>
             <a:r>
-              <a:rPr lang="pt-BR" sz="1400" dirty="0" smtClean="0">
-                <a:solidFill>
-                  <a:schemeClr val="tx1"/>
-                </a:solidFill>
-              </a:rPr>
-              <a:t> </a:t>
-            </a:r>
-            <a:r>
-              <a:rPr lang="pt-BR" sz="1400" dirty="0" err="1" smtClean="0">
+              <a:rPr lang="pt-BR" sz="1400" dirty="0">
+                <a:solidFill>
+                  <a:schemeClr val="tx1"/>
+                </a:solidFill>
+              </a:rPr>
+              <a:t> </a:t>
+            </a:r>
+            <a:r>
+              <a:rPr lang="pt-BR" sz="1400" dirty="0" err="1">
                 <a:solidFill>
                   <a:schemeClr val="tx1"/>
                 </a:solidFill>
@@ -4010,15 +3998,15 @@
               <a:t>dolor</a:t>
             </a:r>
             <a:r>
-              <a:rPr lang="pt-BR" sz="1400" dirty="0" smtClean="0">
-                <a:solidFill>
-                  <a:schemeClr val="tx1"/>
-                </a:solidFill>
-              </a:rPr>
-              <a:t> </a:t>
-            </a:r>
-            <a:r>
-              <a:rPr lang="pt-BR" sz="1400" dirty="0" err="1" smtClean="0">
+              <a:rPr lang="pt-BR" sz="1400" dirty="0">
+                <a:solidFill>
+                  <a:schemeClr val="tx1"/>
+                </a:solidFill>
+              </a:rPr>
+              <a:t> </a:t>
+            </a:r>
+            <a:r>
+              <a:rPr lang="pt-BR" sz="1400" dirty="0" err="1">
                 <a:solidFill>
                   <a:schemeClr val="tx1"/>
                 </a:solidFill>
@@ -4026,15 +4014,15 @@
               <a:t>sit</a:t>
             </a:r>
             <a:r>
-              <a:rPr lang="pt-BR" sz="1400" dirty="0" smtClean="0">
-                <a:solidFill>
-                  <a:schemeClr val="tx1"/>
-                </a:solidFill>
-              </a:rPr>
-              <a:t> </a:t>
-            </a:r>
-            <a:r>
-              <a:rPr lang="pt-BR" sz="1400" dirty="0" err="1" smtClean="0">
+              <a:rPr lang="pt-BR" sz="1400" dirty="0">
+                <a:solidFill>
+                  <a:schemeClr val="tx1"/>
+                </a:solidFill>
+              </a:rPr>
+              <a:t> </a:t>
+            </a:r>
+            <a:r>
+              <a:rPr lang="pt-BR" sz="1400" dirty="0" err="1">
                 <a:solidFill>
                   <a:schemeClr val="tx1"/>
                 </a:solidFill>
@@ -4042,15 +4030,15 @@
               <a:t>amet</a:t>
             </a:r>
             <a:r>
-              <a:rPr lang="pt-BR" sz="1400" dirty="0" smtClean="0">
-                <a:solidFill>
-                  <a:schemeClr val="tx1"/>
-                </a:solidFill>
-              </a:rPr>
-              <a:t> </a:t>
-            </a:r>
-            <a:r>
-              <a:rPr lang="pt-BR" sz="1400" dirty="0" err="1" smtClean="0">
+              <a:rPr lang="pt-BR" sz="1400" dirty="0">
+                <a:solidFill>
+                  <a:schemeClr val="tx1"/>
+                </a:solidFill>
+              </a:rPr>
+              <a:t> </a:t>
+            </a:r>
+            <a:r>
+              <a:rPr lang="pt-BR" sz="1400" dirty="0" err="1">
                 <a:solidFill>
                   <a:schemeClr val="tx1"/>
                 </a:solidFill>
@@ -4058,15 +4046,15 @@
               <a:t>Lorem</a:t>
             </a:r>
             <a:r>
-              <a:rPr lang="pt-BR" sz="1400" dirty="0" smtClean="0">
-                <a:solidFill>
-                  <a:schemeClr val="tx1"/>
-                </a:solidFill>
-              </a:rPr>
-              <a:t> </a:t>
-            </a:r>
-            <a:r>
-              <a:rPr lang="pt-BR" sz="1400" dirty="0" err="1" smtClean="0">
+              <a:rPr lang="pt-BR" sz="1400" dirty="0">
+                <a:solidFill>
+                  <a:schemeClr val="tx1"/>
+                </a:solidFill>
+              </a:rPr>
+              <a:t> </a:t>
+            </a:r>
+            <a:r>
+              <a:rPr lang="pt-BR" sz="1400" dirty="0" err="1">
                 <a:solidFill>
                   <a:schemeClr val="tx1"/>
                 </a:solidFill>
@@ -4074,15 +4062,15 @@
               <a:t>ipsum</a:t>
             </a:r>
             <a:r>
-              <a:rPr lang="pt-BR" sz="1400" dirty="0" smtClean="0">
-                <a:solidFill>
-                  <a:schemeClr val="tx1"/>
-                </a:solidFill>
-              </a:rPr>
-              <a:t> </a:t>
-            </a:r>
-            <a:r>
-              <a:rPr lang="pt-BR" sz="1400" dirty="0" err="1" smtClean="0">
+              <a:rPr lang="pt-BR" sz="1400" dirty="0">
+                <a:solidFill>
+                  <a:schemeClr val="tx1"/>
+                </a:solidFill>
+              </a:rPr>
+              <a:t> </a:t>
+            </a:r>
+            <a:r>
+              <a:rPr lang="pt-BR" sz="1400" dirty="0" err="1">
                 <a:solidFill>
                   <a:schemeClr val="tx1"/>
                 </a:solidFill>
@@ -4090,15 +4078,15 @@
               <a:t>dolor</a:t>
             </a:r>
             <a:r>
-              <a:rPr lang="pt-BR" sz="1400" dirty="0" smtClean="0">
-                <a:solidFill>
-                  <a:schemeClr val="tx1"/>
-                </a:solidFill>
-              </a:rPr>
-              <a:t> </a:t>
-            </a:r>
-            <a:r>
-              <a:rPr lang="pt-BR" sz="1400" dirty="0" err="1" smtClean="0">
+              <a:rPr lang="pt-BR" sz="1400" dirty="0">
+                <a:solidFill>
+                  <a:schemeClr val="tx1"/>
+                </a:solidFill>
+              </a:rPr>
+              <a:t> </a:t>
+            </a:r>
+            <a:r>
+              <a:rPr lang="pt-BR" sz="1400" dirty="0" err="1">
                 <a:solidFill>
                   <a:schemeClr val="tx1"/>
                 </a:solidFill>
@@ -4106,22 +4094,22 @@
               <a:t>sit</a:t>
             </a:r>
             <a:r>
-              <a:rPr lang="pt-BR" sz="1400" dirty="0" smtClean="0">
-                <a:solidFill>
-                  <a:schemeClr val="tx1"/>
-                </a:solidFill>
-              </a:rPr>
-              <a:t> </a:t>
-            </a:r>
-            <a:r>
-              <a:rPr lang="pt-BR" sz="1400" dirty="0" err="1" smtClean="0">
+              <a:rPr lang="pt-BR" sz="1400" dirty="0">
+                <a:solidFill>
+                  <a:schemeClr val="tx1"/>
+                </a:solidFill>
+              </a:rPr>
+              <a:t> </a:t>
+            </a:r>
+            <a:r>
+              <a:rPr lang="pt-BR" sz="1400" dirty="0" err="1">
                 <a:solidFill>
                   <a:schemeClr val="tx1"/>
                 </a:solidFill>
               </a:rPr>
               <a:t>amet</a:t>
             </a:r>
-            <a:endParaRPr lang="pt-BR" sz="1400" dirty="0" smtClean="0">
+            <a:endParaRPr lang="pt-BR" sz="1400" dirty="0">
               <a:solidFill>
                 <a:schemeClr val="tx1"/>
               </a:solidFill>
@@ -4129,7 +4117,7 @@
           </a:p>
           <a:p>
             <a:r>
-              <a:rPr lang="pt-BR" sz="1400" dirty="0" err="1" smtClean="0">
+              <a:rPr lang="pt-BR" sz="1400" dirty="0" err="1">
                 <a:solidFill>
                   <a:schemeClr val="tx1"/>
                 </a:solidFill>
@@ -4137,15 +4125,15 @@
               <a:t>Lorem</a:t>
             </a:r>
             <a:r>
-              <a:rPr lang="pt-BR" sz="1400" dirty="0" smtClean="0">
-                <a:solidFill>
-                  <a:schemeClr val="tx1"/>
-                </a:solidFill>
-              </a:rPr>
-              <a:t> </a:t>
-            </a:r>
-            <a:r>
-              <a:rPr lang="pt-BR" sz="1400" dirty="0" err="1" smtClean="0">
+              <a:rPr lang="pt-BR" sz="1400" dirty="0">
+                <a:solidFill>
+                  <a:schemeClr val="tx1"/>
+                </a:solidFill>
+              </a:rPr>
+              <a:t> </a:t>
+            </a:r>
+            <a:r>
+              <a:rPr lang="pt-BR" sz="1400" dirty="0" err="1">
                 <a:solidFill>
                   <a:schemeClr val="tx1"/>
                 </a:solidFill>
@@ -4153,15 +4141,15 @@
               <a:t>ipsum</a:t>
             </a:r>
             <a:r>
-              <a:rPr lang="pt-BR" sz="1400" dirty="0" smtClean="0">
-                <a:solidFill>
-                  <a:schemeClr val="tx1"/>
-                </a:solidFill>
-              </a:rPr>
-              <a:t> </a:t>
-            </a:r>
-            <a:r>
-              <a:rPr lang="pt-BR" sz="1400" dirty="0" err="1" smtClean="0">
+              <a:rPr lang="pt-BR" sz="1400" dirty="0">
+                <a:solidFill>
+                  <a:schemeClr val="tx1"/>
+                </a:solidFill>
+              </a:rPr>
+              <a:t> </a:t>
+            </a:r>
+            <a:r>
+              <a:rPr lang="pt-BR" sz="1400" dirty="0" err="1">
                 <a:solidFill>
                   <a:schemeClr val="tx1"/>
                 </a:solidFill>
@@ -4169,15 +4157,15 @@
               <a:t>dolor</a:t>
             </a:r>
             <a:r>
-              <a:rPr lang="pt-BR" sz="1400" dirty="0" smtClean="0">
-                <a:solidFill>
-                  <a:schemeClr val="tx1"/>
-                </a:solidFill>
-              </a:rPr>
-              <a:t> </a:t>
-            </a:r>
-            <a:r>
-              <a:rPr lang="pt-BR" sz="1400" dirty="0" err="1" smtClean="0">
+              <a:rPr lang="pt-BR" sz="1400" dirty="0">
+                <a:solidFill>
+                  <a:schemeClr val="tx1"/>
+                </a:solidFill>
+              </a:rPr>
+              <a:t> </a:t>
+            </a:r>
+            <a:r>
+              <a:rPr lang="pt-BR" sz="1400" dirty="0" err="1">
                 <a:solidFill>
                   <a:schemeClr val="tx1"/>
                 </a:solidFill>
@@ -4185,15 +4173,15 @@
               <a:t>sit</a:t>
             </a:r>
             <a:r>
-              <a:rPr lang="pt-BR" sz="1400" dirty="0" smtClean="0">
-                <a:solidFill>
-                  <a:schemeClr val="tx1"/>
-                </a:solidFill>
-              </a:rPr>
-              <a:t> </a:t>
-            </a:r>
-            <a:r>
-              <a:rPr lang="pt-BR" sz="1400" dirty="0" err="1" smtClean="0">
+              <a:rPr lang="pt-BR" sz="1400" dirty="0">
+                <a:solidFill>
+                  <a:schemeClr val="tx1"/>
+                </a:solidFill>
+              </a:rPr>
+              <a:t> </a:t>
+            </a:r>
+            <a:r>
+              <a:rPr lang="pt-BR" sz="1400" dirty="0" err="1">
                 <a:solidFill>
                   <a:schemeClr val="tx1"/>
                 </a:solidFill>
@@ -4201,15 +4189,15 @@
               <a:t>amet</a:t>
             </a:r>
             <a:r>
-              <a:rPr lang="pt-BR" sz="1400" dirty="0" smtClean="0">
-                <a:solidFill>
-                  <a:schemeClr val="tx1"/>
-                </a:solidFill>
-              </a:rPr>
-              <a:t> </a:t>
-            </a:r>
-            <a:r>
-              <a:rPr lang="pt-BR" sz="1400" dirty="0" err="1" smtClean="0">
+              <a:rPr lang="pt-BR" sz="1400" dirty="0">
+                <a:solidFill>
+                  <a:schemeClr val="tx1"/>
+                </a:solidFill>
+              </a:rPr>
+              <a:t> </a:t>
+            </a:r>
+            <a:r>
+              <a:rPr lang="pt-BR" sz="1400" dirty="0" err="1">
                 <a:solidFill>
                   <a:schemeClr val="tx1"/>
                 </a:solidFill>
@@ -4217,15 +4205,15 @@
               <a:t>Lorem</a:t>
             </a:r>
             <a:r>
-              <a:rPr lang="pt-BR" sz="1400" dirty="0" smtClean="0">
-                <a:solidFill>
-                  <a:schemeClr val="tx1"/>
-                </a:solidFill>
-              </a:rPr>
-              <a:t> </a:t>
-            </a:r>
-            <a:r>
-              <a:rPr lang="pt-BR" sz="1400" dirty="0" err="1" smtClean="0">
+              <a:rPr lang="pt-BR" sz="1400" dirty="0">
+                <a:solidFill>
+                  <a:schemeClr val="tx1"/>
+                </a:solidFill>
+              </a:rPr>
+              <a:t> </a:t>
+            </a:r>
+            <a:r>
+              <a:rPr lang="pt-BR" sz="1400" dirty="0" err="1">
                 <a:solidFill>
                   <a:schemeClr val="tx1"/>
                 </a:solidFill>
@@ -4233,15 +4221,15 @@
               <a:t>ipsum</a:t>
             </a:r>
             <a:r>
-              <a:rPr lang="pt-BR" sz="1400" dirty="0" smtClean="0">
-                <a:solidFill>
-                  <a:schemeClr val="tx1"/>
-                </a:solidFill>
-              </a:rPr>
-              <a:t> </a:t>
-            </a:r>
-            <a:r>
-              <a:rPr lang="pt-BR" sz="1400" dirty="0" err="1" smtClean="0">
+              <a:rPr lang="pt-BR" sz="1400" dirty="0">
+                <a:solidFill>
+                  <a:schemeClr val="tx1"/>
+                </a:solidFill>
+              </a:rPr>
+              <a:t> </a:t>
+            </a:r>
+            <a:r>
+              <a:rPr lang="pt-BR" sz="1400" dirty="0" err="1">
                 <a:solidFill>
                   <a:schemeClr val="tx1"/>
                 </a:solidFill>
@@ -4249,15 +4237,15 @@
               <a:t>dolor</a:t>
             </a:r>
             <a:r>
-              <a:rPr lang="pt-BR" sz="1400" dirty="0" smtClean="0">
-                <a:solidFill>
-                  <a:schemeClr val="tx1"/>
-                </a:solidFill>
-              </a:rPr>
-              <a:t> </a:t>
-            </a:r>
-            <a:r>
-              <a:rPr lang="pt-BR" sz="1400" dirty="0" err="1" smtClean="0">
+              <a:rPr lang="pt-BR" sz="1400" dirty="0">
+                <a:solidFill>
+                  <a:schemeClr val="tx1"/>
+                </a:solidFill>
+              </a:rPr>
+              <a:t> </a:t>
+            </a:r>
+            <a:r>
+              <a:rPr lang="pt-BR" sz="1400" dirty="0" err="1">
                 <a:solidFill>
                   <a:schemeClr val="tx1"/>
                 </a:solidFill>
@@ -4265,22 +4253,22 @@
               <a:t>sit</a:t>
             </a:r>
             <a:r>
-              <a:rPr lang="pt-BR" sz="1400" dirty="0" smtClean="0">
-                <a:solidFill>
-                  <a:schemeClr val="tx1"/>
-                </a:solidFill>
-              </a:rPr>
-              <a:t> </a:t>
-            </a:r>
-            <a:r>
-              <a:rPr lang="pt-BR" sz="1400" dirty="0" err="1" smtClean="0">
+              <a:rPr lang="pt-BR" sz="1400" dirty="0">
+                <a:solidFill>
+                  <a:schemeClr val="tx1"/>
+                </a:solidFill>
+              </a:rPr>
+              <a:t> </a:t>
+            </a:r>
+            <a:r>
+              <a:rPr lang="pt-BR" sz="1400" dirty="0" err="1">
                 <a:solidFill>
                   <a:schemeClr val="tx1"/>
                 </a:solidFill>
               </a:rPr>
               <a:t>amet</a:t>
             </a:r>
-            <a:endParaRPr lang="pt-BR" sz="1400" dirty="0" smtClean="0">
+            <a:endParaRPr lang="pt-BR" sz="1400" dirty="0">
               <a:solidFill>
                 <a:schemeClr val="tx1"/>
               </a:solidFill>
@@ -4288,7 +4276,7 @@
           </a:p>
           <a:p>
             <a:r>
-              <a:rPr lang="pt-BR" sz="1400" dirty="0" err="1" smtClean="0">
+              <a:rPr lang="pt-BR" sz="1400" dirty="0" err="1">
                 <a:solidFill>
                   <a:schemeClr val="tx1"/>
                 </a:solidFill>
@@ -4296,15 +4284,15 @@
               <a:t>Lorem</a:t>
             </a:r>
             <a:r>
-              <a:rPr lang="pt-BR" sz="1400" dirty="0" smtClean="0">
-                <a:solidFill>
-                  <a:schemeClr val="tx1"/>
-                </a:solidFill>
-              </a:rPr>
-              <a:t> </a:t>
-            </a:r>
-            <a:r>
-              <a:rPr lang="pt-BR" sz="1400" dirty="0" err="1" smtClean="0">
+              <a:rPr lang="pt-BR" sz="1400" dirty="0">
+                <a:solidFill>
+                  <a:schemeClr val="tx1"/>
+                </a:solidFill>
+              </a:rPr>
+              <a:t> </a:t>
+            </a:r>
+            <a:r>
+              <a:rPr lang="pt-BR" sz="1400" dirty="0" err="1">
                 <a:solidFill>
                   <a:schemeClr val="tx1"/>
                 </a:solidFill>
@@ -4312,15 +4300,15 @@
               <a:t>ipsum</a:t>
             </a:r>
             <a:r>
-              <a:rPr lang="pt-BR" sz="1400" dirty="0" smtClean="0">
-                <a:solidFill>
-                  <a:schemeClr val="tx1"/>
-                </a:solidFill>
-              </a:rPr>
-              <a:t> </a:t>
-            </a:r>
-            <a:r>
-              <a:rPr lang="pt-BR" sz="1400" dirty="0" err="1" smtClean="0">
+              <a:rPr lang="pt-BR" sz="1400" dirty="0">
+                <a:solidFill>
+                  <a:schemeClr val="tx1"/>
+                </a:solidFill>
+              </a:rPr>
+              <a:t> </a:t>
+            </a:r>
+            <a:r>
+              <a:rPr lang="pt-BR" sz="1400" dirty="0" err="1">
                 <a:solidFill>
                   <a:schemeClr val="tx1"/>
                 </a:solidFill>
@@ -4328,15 +4316,15 @@
               <a:t>dolor</a:t>
             </a:r>
             <a:r>
-              <a:rPr lang="pt-BR" sz="1400" dirty="0" smtClean="0">
-                <a:solidFill>
-                  <a:schemeClr val="tx1"/>
-                </a:solidFill>
-              </a:rPr>
-              <a:t> </a:t>
-            </a:r>
-            <a:r>
-              <a:rPr lang="pt-BR" sz="1400" dirty="0" err="1" smtClean="0">
+              <a:rPr lang="pt-BR" sz="1400" dirty="0">
+                <a:solidFill>
+                  <a:schemeClr val="tx1"/>
+                </a:solidFill>
+              </a:rPr>
+              <a:t> </a:t>
+            </a:r>
+            <a:r>
+              <a:rPr lang="pt-BR" sz="1400" dirty="0" err="1">
                 <a:solidFill>
                   <a:schemeClr val="tx1"/>
                 </a:solidFill>
@@ -4344,15 +4332,15 @@
               <a:t>sit</a:t>
             </a:r>
             <a:r>
-              <a:rPr lang="pt-BR" sz="1400" dirty="0" smtClean="0">
-                <a:solidFill>
-                  <a:schemeClr val="tx1"/>
-                </a:solidFill>
-              </a:rPr>
-              <a:t> </a:t>
-            </a:r>
-            <a:r>
-              <a:rPr lang="pt-BR" sz="1400" dirty="0" err="1" smtClean="0">
+              <a:rPr lang="pt-BR" sz="1400" dirty="0">
+                <a:solidFill>
+                  <a:schemeClr val="tx1"/>
+                </a:solidFill>
+              </a:rPr>
+              <a:t> </a:t>
+            </a:r>
+            <a:r>
+              <a:rPr lang="pt-BR" sz="1400" dirty="0" err="1">
                 <a:solidFill>
                   <a:schemeClr val="tx1"/>
                 </a:solidFill>
@@ -4360,15 +4348,15 @@
               <a:t>amet</a:t>
             </a:r>
             <a:r>
-              <a:rPr lang="pt-BR" sz="1400" dirty="0" smtClean="0">
-                <a:solidFill>
-                  <a:schemeClr val="tx1"/>
-                </a:solidFill>
-              </a:rPr>
-              <a:t> </a:t>
-            </a:r>
-            <a:r>
-              <a:rPr lang="pt-BR" sz="1400" dirty="0" err="1" smtClean="0">
+              <a:rPr lang="pt-BR" sz="1400" dirty="0">
+                <a:solidFill>
+                  <a:schemeClr val="tx1"/>
+                </a:solidFill>
+              </a:rPr>
+              <a:t> </a:t>
+            </a:r>
+            <a:r>
+              <a:rPr lang="pt-BR" sz="1400" dirty="0" err="1">
                 <a:solidFill>
                   <a:schemeClr val="tx1"/>
                 </a:solidFill>
@@ -4376,15 +4364,15 @@
               <a:t>Lorem</a:t>
             </a:r>
             <a:r>
-              <a:rPr lang="pt-BR" sz="1400" dirty="0" smtClean="0">
-                <a:solidFill>
-                  <a:schemeClr val="tx1"/>
-                </a:solidFill>
-              </a:rPr>
-              <a:t> </a:t>
-            </a:r>
-            <a:r>
-              <a:rPr lang="pt-BR" sz="1400" dirty="0" err="1" smtClean="0">
+              <a:rPr lang="pt-BR" sz="1400" dirty="0">
+                <a:solidFill>
+                  <a:schemeClr val="tx1"/>
+                </a:solidFill>
+              </a:rPr>
+              <a:t> </a:t>
+            </a:r>
+            <a:r>
+              <a:rPr lang="pt-BR" sz="1400" dirty="0" err="1">
                 <a:solidFill>
                   <a:schemeClr val="tx1"/>
                 </a:solidFill>
@@ -4392,15 +4380,15 @@
               <a:t>ipsum</a:t>
             </a:r>
             <a:r>
-              <a:rPr lang="pt-BR" sz="1400" dirty="0" smtClean="0">
-                <a:solidFill>
-                  <a:schemeClr val="tx1"/>
-                </a:solidFill>
-              </a:rPr>
-              <a:t> </a:t>
-            </a:r>
-            <a:r>
-              <a:rPr lang="pt-BR" sz="1400" dirty="0" err="1" smtClean="0">
+              <a:rPr lang="pt-BR" sz="1400" dirty="0">
+                <a:solidFill>
+                  <a:schemeClr val="tx1"/>
+                </a:solidFill>
+              </a:rPr>
+              <a:t> </a:t>
+            </a:r>
+            <a:r>
+              <a:rPr lang="pt-BR" sz="1400" dirty="0" err="1">
                 <a:solidFill>
                   <a:schemeClr val="tx1"/>
                 </a:solidFill>
@@ -4408,15 +4396,15 @@
               <a:t>dolor</a:t>
             </a:r>
             <a:r>
-              <a:rPr lang="pt-BR" sz="1400" dirty="0" smtClean="0">
-                <a:solidFill>
-                  <a:schemeClr val="tx1"/>
-                </a:solidFill>
-              </a:rPr>
-              <a:t> </a:t>
-            </a:r>
-            <a:r>
-              <a:rPr lang="pt-BR" sz="1400" dirty="0" err="1" smtClean="0">
+              <a:rPr lang="pt-BR" sz="1400" dirty="0">
+                <a:solidFill>
+                  <a:schemeClr val="tx1"/>
+                </a:solidFill>
+              </a:rPr>
+              <a:t> </a:t>
+            </a:r>
+            <a:r>
+              <a:rPr lang="pt-BR" sz="1400" dirty="0" err="1">
                 <a:solidFill>
                   <a:schemeClr val="tx1"/>
                 </a:solidFill>
@@ -4424,29 +4412,29 @@
               <a:t>sit</a:t>
             </a:r>
             <a:r>
-              <a:rPr lang="pt-BR" sz="1400" dirty="0" smtClean="0">
-                <a:solidFill>
-                  <a:schemeClr val="tx1"/>
-                </a:solidFill>
-              </a:rPr>
-              <a:t> </a:t>
-            </a:r>
-            <a:r>
-              <a:rPr lang="pt-BR" sz="1400" dirty="0" err="1" smtClean="0">
+              <a:rPr lang="pt-BR" sz="1400" dirty="0">
+                <a:solidFill>
+                  <a:schemeClr val="tx1"/>
+                </a:solidFill>
+              </a:rPr>
+              <a:t> </a:t>
+            </a:r>
+            <a:r>
+              <a:rPr lang="pt-BR" sz="1400" dirty="0" err="1">
                 <a:solidFill>
                   <a:schemeClr val="tx1"/>
                 </a:solidFill>
               </a:rPr>
               <a:t>amet</a:t>
             </a:r>
-            <a:endParaRPr lang="pt-BR" sz="1400" dirty="0" smtClean="0">
+            <a:endParaRPr lang="pt-BR" sz="1400" dirty="0">
               <a:solidFill>
                 <a:schemeClr val="tx1"/>
               </a:solidFill>
             </a:endParaRPr>
           </a:p>
           <a:p>
-            <a:endParaRPr lang="pt-BR" sz="1400" dirty="0" smtClean="0">
+            <a:endParaRPr lang="pt-BR" sz="1400" dirty="0">
               <a:solidFill>
                 <a:schemeClr val="tx1"/>
               </a:solidFill>
@@ -4454,7 +4442,7 @@
           </a:p>
           <a:p>
             <a:r>
-              <a:rPr lang="pt-BR" sz="1400" dirty="0" err="1" smtClean="0">
+              <a:rPr lang="pt-BR" sz="1400" dirty="0" err="1">
                 <a:solidFill>
                   <a:schemeClr val="tx1"/>
                 </a:solidFill>
@@ -4462,15 +4450,15 @@
               <a:t>Lorem</a:t>
             </a:r>
             <a:r>
-              <a:rPr lang="pt-BR" sz="1400" dirty="0" smtClean="0">
-                <a:solidFill>
-                  <a:schemeClr val="tx1"/>
-                </a:solidFill>
-              </a:rPr>
-              <a:t> </a:t>
-            </a:r>
-            <a:r>
-              <a:rPr lang="pt-BR" sz="1400" dirty="0" err="1" smtClean="0">
+              <a:rPr lang="pt-BR" sz="1400" dirty="0">
+                <a:solidFill>
+                  <a:schemeClr val="tx1"/>
+                </a:solidFill>
+              </a:rPr>
+              <a:t> </a:t>
+            </a:r>
+            <a:r>
+              <a:rPr lang="pt-BR" sz="1400" dirty="0" err="1">
                 <a:solidFill>
                   <a:schemeClr val="tx1"/>
                 </a:solidFill>
@@ -4478,15 +4466,15 @@
               <a:t>ipsum</a:t>
             </a:r>
             <a:r>
-              <a:rPr lang="pt-BR" sz="1400" dirty="0" smtClean="0">
-                <a:solidFill>
-                  <a:schemeClr val="tx1"/>
-                </a:solidFill>
-              </a:rPr>
-              <a:t> </a:t>
-            </a:r>
-            <a:r>
-              <a:rPr lang="pt-BR" sz="1400" dirty="0" err="1" smtClean="0">
+              <a:rPr lang="pt-BR" sz="1400" dirty="0">
+                <a:solidFill>
+                  <a:schemeClr val="tx1"/>
+                </a:solidFill>
+              </a:rPr>
+              <a:t> </a:t>
+            </a:r>
+            <a:r>
+              <a:rPr lang="pt-BR" sz="1400" dirty="0" err="1">
                 <a:solidFill>
                   <a:schemeClr val="tx1"/>
                 </a:solidFill>
@@ -4494,15 +4482,15 @@
               <a:t>dolor</a:t>
             </a:r>
             <a:r>
-              <a:rPr lang="pt-BR" sz="1400" dirty="0" smtClean="0">
-                <a:solidFill>
-                  <a:schemeClr val="tx1"/>
-                </a:solidFill>
-              </a:rPr>
-              <a:t> </a:t>
-            </a:r>
-            <a:r>
-              <a:rPr lang="pt-BR" sz="1400" dirty="0" err="1" smtClean="0">
+              <a:rPr lang="pt-BR" sz="1400" dirty="0">
+                <a:solidFill>
+                  <a:schemeClr val="tx1"/>
+                </a:solidFill>
+              </a:rPr>
+              <a:t> </a:t>
+            </a:r>
+            <a:r>
+              <a:rPr lang="pt-BR" sz="1400" dirty="0" err="1">
                 <a:solidFill>
                   <a:schemeClr val="tx1"/>
                 </a:solidFill>
@@ -4510,15 +4498,15 @@
               <a:t>sit</a:t>
             </a:r>
             <a:r>
-              <a:rPr lang="pt-BR" sz="1400" dirty="0" smtClean="0">
-                <a:solidFill>
-                  <a:schemeClr val="tx1"/>
-                </a:solidFill>
-              </a:rPr>
-              <a:t> </a:t>
-            </a:r>
-            <a:r>
-              <a:rPr lang="pt-BR" sz="1400" dirty="0" err="1" smtClean="0">
+              <a:rPr lang="pt-BR" sz="1400" dirty="0">
+                <a:solidFill>
+                  <a:schemeClr val="tx1"/>
+                </a:solidFill>
+              </a:rPr>
+              <a:t> </a:t>
+            </a:r>
+            <a:r>
+              <a:rPr lang="pt-BR" sz="1400" dirty="0" err="1">
                 <a:solidFill>
                   <a:schemeClr val="tx1"/>
                 </a:solidFill>
@@ -4526,15 +4514,15 @@
               <a:t>amet</a:t>
             </a:r>
             <a:r>
-              <a:rPr lang="pt-BR" sz="1400" dirty="0" smtClean="0">
-                <a:solidFill>
-                  <a:schemeClr val="tx1"/>
-                </a:solidFill>
-              </a:rPr>
-              <a:t> </a:t>
-            </a:r>
-            <a:r>
-              <a:rPr lang="pt-BR" sz="1400" dirty="0" err="1" smtClean="0">
+              <a:rPr lang="pt-BR" sz="1400" dirty="0">
+                <a:solidFill>
+                  <a:schemeClr val="tx1"/>
+                </a:solidFill>
+              </a:rPr>
+              <a:t> </a:t>
+            </a:r>
+            <a:r>
+              <a:rPr lang="pt-BR" sz="1400" dirty="0" err="1">
                 <a:solidFill>
                   <a:schemeClr val="tx1"/>
                 </a:solidFill>
@@ -4542,15 +4530,15 @@
               <a:t>Lorem</a:t>
             </a:r>
             <a:r>
-              <a:rPr lang="pt-BR" sz="1400" dirty="0" smtClean="0">
-                <a:solidFill>
-                  <a:schemeClr val="tx1"/>
-                </a:solidFill>
-              </a:rPr>
-              <a:t> </a:t>
-            </a:r>
-            <a:r>
-              <a:rPr lang="pt-BR" sz="1400" dirty="0" err="1" smtClean="0">
+              <a:rPr lang="pt-BR" sz="1400" dirty="0">
+                <a:solidFill>
+                  <a:schemeClr val="tx1"/>
+                </a:solidFill>
+              </a:rPr>
+              <a:t> </a:t>
+            </a:r>
+            <a:r>
+              <a:rPr lang="pt-BR" sz="1400" dirty="0" err="1">
                 <a:solidFill>
                   <a:schemeClr val="tx1"/>
                 </a:solidFill>
@@ -4558,15 +4546,15 @@
               <a:t>ipsum</a:t>
             </a:r>
             <a:r>
-              <a:rPr lang="pt-BR" sz="1400" dirty="0" smtClean="0">
-                <a:solidFill>
-                  <a:schemeClr val="tx1"/>
-                </a:solidFill>
-              </a:rPr>
-              <a:t> </a:t>
-            </a:r>
-            <a:r>
-              <a:rPr lang="pt-BR" sz="1400" dirty="0" err="1" smtClean="0">
+              <a:rPr lang="pt-BR" sz="1400" dirty="0">
+                <a:solidFill>
+                  <a:schemeClr val="tx1"/>
+                </a:solidFill>
+              </a:rPr>
+              <a:t> </a:t>
+            </a:r>
+            <a:r>
+              <a:rPr lang="pt-BR" sz="1400" dirty="0" err="1">
                 <a:solidFill>
                   <a:schemeClr val="tx1"/>
                 </a:solidFill>
@@ -4574,15 +4562,15 @@
               <a:t>dolor</a:t>
             </a:r>
             <a:r>
-              <a:rPr lang="pt-BR" sz="1400" dirty="0" smtClean="0">
-                <a:solidFill>
-                  <a:schemeClr val="tx1"/>
-                </a:solidFill>
-              </a:rPr>
-              <a:t> </a:t>
-            </a:r>
-            <a:r>
-              <a:rPr lang="pt-BR" sz="1400" dirty="0" err="1" smtClean="0">
+              <a:rPr lang="pt-BR" sz="1400" dirty="0">
+                <a:solidFill>
+                  <a:schemeClr val="tx1"/>
+                </a:solidFill>
+              </a:rPr>
+              <a:t> </a:t>
+            </a:r>
+            <a:r>
+              <a:rPr lang="pt-BR" sz="1400" dirty="0" err="1">
                 <a:solidFill>
                   <a:schemeClr val="tx1"/>
                 </a:solidFill>
@@ -4590,22 +4578,22 @@
               <a:t>sit</a:t>
             </a:r>
             <a:r>
-              <a:rPr lang="pt-BR" sz="1400" dirty="0" smtClean="0">
-                <a:solidFill>
-                  <a:schemeClr val="tx1"/>
-                </a:solidFill>
-              </a:rPr>
-              <a:t> </a:t>
-            </a:r>
-            <a:r>
-              <a:rPr lang="pt-BR" sz="1400" dirty="0" err="1" smtClean="0">
+              <a:rPr lang="pt-BR" sz="1400" dirty="0">
+                <a:solidFill>
+                  <a:schemeClr val="tx1"/>
+                </a:solidFill>
+              </a:rPr>
+              <a:t> </a:t>
+            </a:r>
+            <a:r>
+              <a:rPr lang="pt-BR" sz="1400" dirty="0" err="1">
                 <a:solidFill>
                   <a:schemeClr val="tx1"/>
                 </a:solidFill>
               </a:rPr>
               <a:t>amet</a:t>
             </a:r>
-            <a:endParaRPr lang="pt-BR" sz="1400" dirty="0" smtClean="0">
+            <a:endParaRPr lang="pt-BR" sz="1400" dirty="0">
               <a:solidFill>
                 <a:schemeClr val="tx1"/>
               </a:solidFill>
@@ -4613,7 +4601,7 @@
           </a:p>
           <a:p>
             <a:r>
-              <a:rPr lang="pt-BR" sz="1400" dirty="0" err="1" smtClean="0">
+              <a:rPr lang="pt-BR" sz="1400" dirty="0" err="1">
                 <a:solidFill>
                   <a:schemeClr val="tx1"/>
                 </a:solidFill>
@@ -4621,15 +4609,15 @@
               <a:t>Lorem</a:t>
             </a:r>
             <a:r>
-              <a:rPr lang="pt-BR" sz="1400" dirty="0" smtClean="0">
-                <a:solidFill>
-                  <a:schemeClr val="tx1"/>
-                </a:solidFill>
-              </a:rPr>
-              <a:t> </a:t>
-            </a:r>
-            <a:r>
-              <a:rPr lang="pt-BR" sz="1400" dirty="0" err="1" smtClean="0">
+              <a:rPr lang="pt-BR" sz="1400" dirty="0">
+                <a:solidFill>
+                  <a:schemeClr val="tx1"/>
+                </a:solidFill>
+              </a:rPr>
+              <a:t> </a:t>
+            </a:r>
+            <a:r>
+              <a:rPr lang="pt-BR" sz="1400" dirty="0" err="1">
                 <a:solidFill>
                   <a:schemeClr val="tx1"/>
                 </a:solidFill>
@@ -4637,15 +4625,15 @@
               <a:t>ipsum</a:t>
             </a:r>
             <a:r>
-              <a:rPr lang="pt-BR" sz="1400" dirty="0" smtClean="0">
-                <a:solidFill>
-                  <a:schemeClr val="tx1"/>
-                </a:solidFill>
-              </a:rPr>
-              <a:t> </a:t>
-            </a:r>
-            <a:r>
-              <a:rPr lang="pt-BR" sz="1400" dirty="0" err="1" smtClean="0">
+              <a:rPr lang="pt-BR" sz="1400" dirty="0">
+                <a:solidFill>
+                  <a:schemeClr val="tx1"/>
+                </a:solidFill>
+              </a:rPr>
+              <a:t> </a:t>
+            </a:r>
+            <a:r>
+              <a:rPr lang="pt-BR" sz="1400" dirty="0" err="1">
                 <a:solidFill>
                   <a:schemeClr val="tx1"/>
                 </a:solidFill>
@@ -4653,15 +4641,15 @@
               <a:t>dolor</a:t>
             </a:r>
             <a:r>
-              <a:rPr lang="pt-BR" sz="1400" dirty="0" smtClean="0">
-                <a:solidFill>
-                  <a:schemeClr val="tx1"/>
-                </a:solidFill>
-              </a:rPr>
-              <a:t> </a:t>
-            </a:r>
-            <a:r>
-              <a:rPr lang="pt-BR" sz="1400" dirty="0" err="1" smtClean="0">
+              <a:rPr lang="pt-BR" sz="1400" dirty="0">
+                <a:solidFill>
+                  <a:schemeClr val="tx1"/>
+                </a:solidFill>
+              </a:rPr>
+              <a:t> </a:t>
+            </a:r>
+            <a:r>
+              <a:rPr lang="pt-BR" sz="1400" dirty="0" err="1">
                 <a:solidFill>
                   <a:schemeClr val="tx1"/>
                 </a:solidFill>
@@ -4669,15 +4657,15 @@
               <a:t>sit</a:t>
             </a:r>
             <a:r>
-              <a:rPr lang="pt-BR" sz="1400" dirty="0" smtClean="0">
-                <a:solidFill>
-                  <a:schemeClr val="tx1"/>
-                </a:solidFill>
-              </a:rPr>
-              <a:t> </a:t>
-            </a:r>
-            <a:r>
-              <a:rPr lang="pt-BR" sz="1400" dirty="0" err="1" smtClean="0">
+              <a:rPr lang="pt-BR" sz="1400" dirty="0">
+                <a:solidFill>
+                  <a:schemeClr val="tx1"/>
+                </a:solidFill>
+              </a:rPr>
+              <a:t> </a:t>
+            </a:r>
+            <a:r>
+              <a:rPr lang="pt-BR" sz="1400" dirty="0" err="1">
                 <a:solidFill>
                   <a:schemeClr val="tx1"/>
                 </a:solidFill>
@@ -4685,15 +4673,15 @@
               <a:t>amet</a:t>
             </a:r>
             <a:r>
-              <a:rPr lang="pt-BR" sz="1400" dirty="0" smtClean="0">
-                <a:solidFill>
-                  <a:schemeClr val="tx1"/>
-                </a:solidFill>
-              </a:rPr>
-              <a:t> </a:t>
-            </a:r>
-            <a:r>
-              <a:rPr lang="pt-BR" sz="1400" dirty="0" err="1" smtClean="0">
+              <a:rPr lang="pt-BR" sz="1400" dirty="0">
+                <a:solidFill>
+                  <a:schemeClr val="tx1"/>
+                </a:solidFill>
+              </a:rPr>
+              <a:t> </a:t>
+            </a:r>
+            <a:r>
+              <a:rPr lang="pt-BR" sz="1400" dirty="0" err="1">
                 <a:solidFill>
                   <a:schemeClr val="tx1"/>
                 </a:solidFill>
@@ -4701,15 +4689,15 @@
               <a:t>Lorem</a:t>
             </a:r>
             <a:r>
-              <a:rPr lang="pt-BR" sz="1400" dirty="0" smtClean="0">
-                <a:solidFill>
-                  <a:schemeClr val="tx1"/>
-                </a:solidFill>
-              </a:rPr>
-              <a:t> </a:t>
-            </a:r>
-            <a:r>
-              <a:rPr lang="pt-BR" sz="1400" dirty="0" err="1" smtClean="0">
+              <a:rPr lang="pt-BR" sz="1400" dirty="0">
+                <a:solidFill>
+                  <a:schemeClr val="tx1"/>
+                </a:solidFill>
+              </a:rPr>
+              <a:t> </a:t>
+            </a:r>
+            <a:r>
+              <a:rPr lang="pt-BR" sz="1400" dirty="0" err="1">
                 <a:solidFill>
                   <a:schemeClr val="tx1"/>
                 </a:solidFill>
@@ -4717,15 +4705,15 @@
               <a:t>ipsum</a:t>
             </a:r>
             <a:r>
-              <a:rPr lang="pt-BR" sz="1400" dirty="0" smtClean="0">
-                <a:solidFill>
-                  <a:schemeClr val="tx1"/>
-                </a:solidFill>
-              </a:rPr>
-              <a:t> </a:t>
-            </a:r>
-            <a:r>
-              <a:rPr lang="pt-BR" sz="1400" dirty="0" err="1" smtClean="0">
+              <a:rPr lang="pt-BR" sz="1400" dirty="0">
+                <a:solidFill>
+                  <a:schemeClr val="tx1"/>
+                </a:solidFill>
+              </a:rPr>
+              <a:t> </a:t>
+            </a:r>
+            <a:r>
+              <a:rPr lang="pt-BR" sz="1400" dirty="0" err="1">
                 <a:solidFill>
                   <a:schemeClr val="tx1"/>
                 </a:solidFill>
@@ -4733,15 +4721,15 @@
               <a:t>dolor</a:t>
             </a:r>
             <a:r>
-              <a:rPr lang="pt-BR" sz="1400" dirty="0" smtClean="0">
-                <a:solidFill>
-                  <a:schemeClr val="tx1"/>
-                </a:solidFill>
-              </a:rPr>
-              <a:t> </a:t>
-            </a:r>
-            <a:r>
-              <a:rPr lang="pt-BR" sz="1400" dirty="0" err="1" smtClean="0">
+              <a:rPr lang="pt-BR" sz="1400" dirty="0">
+                <a:solidFill>
+                  <a:schemeClr val="tx1"/>
+                </a:solidFill>
+              </a:rPr>
+              <a:t> </a:t>
+            </a:r>
+            <a:r>
+              <a:rPr lang="pt-BR" sz="1400" dirty="0" err="1">
                 <a:solidFill>
                   <a:schemeClr val="tx1"/>
                 </a:solidFill>
@@ -4749,22 +4737,22 @@
               <a:t>sit</a:t>
             </a:r>
             <a:r>
-              <a:rPr lang="pt-BR" sz="1400" dirty="0" smtClean="0">
-                <a:solidFill>
-                  <a:schemeClr val="tx1"/>
-                </a:solidFill>
-              </a:rPr>
-              <a:t> </a:t>
-            </a:r>
-            <a:r>
-              <a:rPr lang="pt-BR" sz="1400" dirty="0" err="1" smtClean="0">
+              <a:rPr lang="pt-BR" sz="1400" dirty="0">
+                <a:solidFill>
+                  <a:schemeClr val="tx1"/>
+                </a:solidFill>
+              </a:rPr>
+              <a:t> </a:t>
+            </a:r>
+            <a:r>
+              <a:rPr lang="pt-BR" sz="1400" dirty="0" err="1">
                 <a:solidFill>
                   <a:schemeClr val="tx1"/>
                 </a:solidFill>
               </a:rPr>
               <a:t>amet</a:t>
             </a:r>
-            <a:endParaRPr lang="pt-BR" sz="1400" dirty="0" smtClean="0">
+            <a:endParaRPr lang="pt-BR" sz="1400" dirty="0">
               <a:solidFill>
                 <a:schemeClr val="tx1"/>
               </a:solidFill>
@@ -4772,7 +4760,7 @@
           </a:p>
           <a:p>
             <a:r>
-              <a:rPr lang="pt-BR" sz="1400" dirty="0" err="1" smtClean="0">
+              <a:rPr lang="pt-BR" sz="1400" dirty="0" err="1">
                 <a:solidFill>
                   <a:schemeClr val="tx1"/>
                 </a:solidFill>
@@ -4780,15 +4768,15 @@
               <a:t>Lorem</a:t>
             </a:r>
             <a:r>
-              <a:rPr lang="pt-BR" sz="1400" dirty="0" smtClean="0">
-                <a:solidFill>
-                  <a:schemeClr val="tx1"/>
-                </a:solidFill>
-              </a:rPr>
-              <a:t> </a:t>
-            </a:r>
-            <a:r>
-              <a:rPr lang="pt-BR" sz="1400" dirty="0" err="1" smtClean="0">
+              <a:rPr lang="pt-BR" sz="1400" dirty="0">
+                <a:solidFill>
+                  <a:schemeClr val="tx1"/>
+                </a:solidFill>
+              </a:rPr>
+              <a:t> </a:t>
+            </a:r>
+            <a:r>
+              <a:rPr lang="pt-BR" sz="1400" dirty="0" err="1">
                 <a:solidFill>
                   <a:schemeClr val="tx1"/>
                 </a:solidFill>
@@ -4796,15 +4784,15 @@
               <a:t>ipsum</a:t>
             </a:r>
             <a:r>
-              <a:rPr lang="pt-BR" sz="1400" dirty="0" smtClean="0">
-                <a:solidFill>
-                  <a:schemeClr val="tx1"/>
-                </a:solidFill>
-              </a:rPr>
-              <a:t> </a:t>
-            </a:r>
-            <a:r>
-              <a:rPr lang="pt-BR" sz="1400" dirty="0" err="1" smtClean="0">
+              <a:rPr lang="pt-BR" sz="1400" dirty="0">
+                <a:solidFill>
+                  <a:schemeClr val="tx1"/>
+                </a:solidFill>
+              </a:rPr>
+              <a:t> </a:t>
+            </a:r>
+            <a:r>
+              <a:rPr lang="pt-BR" sz="1400" dirty="0" err="1">
                 <a:solidFill>
                   <a:schemeClr val="tx1"/>
                 </a:solidFill>
@@ -4812,15 +4800,15 @@
               <a:t>dolor</a:t>
             </a:r>
             <a:r>
-              <a:rPr lang="pt-BR" sz="1400" dirty="0" smtClean="0">
-                <a:solidFill>
-                  <a:schemeClr val="tx1"/>
-                </a:solidFill>
-              </a:rPr>
-              <a:t> </a:t>
-            </a:r>
-            <a:r>
-              <a:rPr lang="pt-BR" sz="1400" dirty="0" err="1" smtClean="0">
+              <a:rPr lang="pt-BR" sz="1400" dirty="0">
+                <a:solidFill>
+                  <a:schemeClr val="tx1"/>
+                </a:solidFill>
+              </a:rPr>
+              <a:t> </a:t>
+            </a:r>
+            <a:r>
+              <a:rPr lang="pt-BR" sz="1400" dirty="0" err="1">
                 <a:solidFill>
                   <a:schemeClr val="tx1"/>
                 </a:solidFill>
@@ -4828,15 +4816,15 @@
               <a:t>sit</a:t>
             </a:r>
             <a:r>
-              <a:rPr lang="pt-BR" sz="1400" dirty="0" smtClean="0">
-                <a:solidFill>
-                  <a:schemeClr val="tx1"/>
-                </a:solidFill>
-              </a:rPr>
-              <a:t> </a:t>
-            </a:r>
-            <a:r>
-              <a:rPr lang="pt-BR" sz="1400" dirty="0" err="1" smtClean="0">
+              <a:rPr lang="pt-BR" sz="1400" dirty="0">
+                <a:solidFill>
+                  <a:schemeClr val="tx1"/>
+                </a:solidFill>
+              </a:rPr>
+              <a:t> </a:t>
+            </a:r>
+            <a:r>
+              <a:rPr lang="pt-BR" sz="1400" dirty="0" err="1">
                 <a:solidFill>
                   <a:schemeClr val="tx1"/>
                 </a:solidFill>
@@ -4844,15 +4832,15 @@
               <a:t>amet</a:t>
             </a:r>
             <a:r>
-              <a:rPr lang="pt-BR" sz="1400" dirty="0" smtClean="0">
-                <a:solidFill>
-                  <a:schemeClr val="tx1"/>
-                </a:solidFill>
-              </a:rPr>
-              <a:t> </a:t>
-            </a:r>
-            <a:r>
-              <a:rPr lang="pt-BR" sz="1400" dirty="0" err="1" smtClean="0">
+              <a:rPr lang="pt-BR" sz="1400" dirty="0">
+                <a:solidFill>
+                  <a:schemeClr val="tx1"/>
+                </a:solidFill>
+              </a:rPr>
+              <a:t> </a:t>
+            </a:r>
+            <a:r>
+              <a:rPr lang="pt-BR" sz="1400" dirty="0" err="1">
                 <a:solidFill>
                   <a:schemeClr val="tx1"/>
                 </a:solidFill>
@@ -4860,15 +4848,15 @@
               <a:t>Lorem</a:t>
             </a:r>
             <a:r>
-              <a:rPr lang="pt-BR" sz="1400" dirty="0" smtClean="0">
-                <a:solidFill>
-                  <a:schemeClr val="tx1"/>
-                </a:solidFill>
-              </a:rPr>
-              <a:t> </a:t>
-            </a:r>
-            <a:r>
-              <a:rPr lang="pt-BR" sz="1400" dirty="0" err="1" smtClean="0">
+              <a:rPr lang="pt-BR" sz="1400" dirty="0">
+                <a:solidFill>
+                  <a:schemeClr val="tx1"/>
+                </a:solidFill>
+              </a:rPr>
+              <a:t> </a:t>
+            </a:r>
+            <a:r>
+              <a:rPr lang="pt-BR" sz="1400" dirty="0" err="1">
                 <a:solidFill>
                   <a:schemeClr val="tx1"/>
                 </a:solidFill>
@@ -4876,15 +4864,15 @@
               <a:t>ipsum</a:t>
             </a:r>
             <a:r>
-              <a:rPr lang="pt-BR" sz="1400" dirty="0" smtClean="0">
-                <a:solidFill>
-                  <a:schemeClr val="tx1"/>
-                </a:solidFill>
-              </a:rPr>
-              <a:t> </a:t>
-            </a:r>
-            <a:r>
-              <a:rPr lang="pt-BR" sz="1400" dirty="0" err="1" smtClean="0">
+              <a:rPr lang="pt-BR" sz="1400" dirty="0">
+                <a:solidFill>
+                  <a:schemeClr val="tx1"/>
+                </a:solidFill>
+              </a:rPr>
+              <a:t> </a:t>
+            </a:r>
+            <a:r>
+              <a:rPr lang="pt-BR" sz="1400" dirty="0" err="1">
                 <a:solidFill>
                   <a:schemeClr val="tx1"/>
                 </a:solidFill>
@@ -4892,15 +4880,15 @@
               <a:t>dolor</a:t>
             </a:r>
             <a:r>
-              <a:rPr lang="pt-BR" sz="1400" dirty="0" smtClean="0">
-                <a:solidFill>
-                  <a:schemeClr val="tx1"/>
-                </a:solidFill>
-              </a:rPr>
-              <a:t> </a:t>
-            </a:r>
-            <a:r>
-              <a:rPr lang="pt-BR" sz="1400" dirty="0" err="1" smtClean="0">
+              <a:rPr lang="pt-BR" sz="1400" dirty="0">
+                <a:solidFill>
+                  <a:schemeClr val="tx1"/>
+                </a:solidFill>
+              </a:rPr>
+              <a:t> </a:t>
+            </a:r>
+            <a:r>
+              <a:rPr lang="pt-BR" sz="1400" dirty="0" err="1">
                 <a:solidFill>
                   <a:schemeClr val="tx1"/>
                 </a:solidFill>
@@ -4908,22 +4896,22 @@
               <a:t>sit</a:t>
             </a:r>
             <a:r>
-              <a:rPr lang="pt-BR" sz="1400" dirty="0" smtClean="0">
-                <a:solidFill>
-                  <a:schemeClr val="tx1"/>
-                </a:solidFill>
-              </a:rPr>
-              <a:t> </a:t>
-            </a:r>
-            <a:r>
-              <a:rPr lang="pt-BR" sz="1400" dirty="0" err="1" smtClean="0">
+              <a:rPr lang="pt-BR" sz="1400" dirty="0">
+                <a:solidFill>
+                  <a:schemeClr val="tx1"/>
+                </a:solidFill>
+              </a:rPr>
+              <a:t> </a:t>
+            </a:r>
+            <a:r>
+              <a:rPr lang="pt-BR" sz="1400" dirty="0" err="1">
                 <a:solidFill>
                   <a:schemeClr val="tx1"/>
                 </a:solidFill>
               </a:rPr>
               <a:t>amet</a:t>
             </a:r>
-            <a:endParaRPr lang="pt-BR" sz="1400" dirty="0" smtClean="0">
+            <a:endParaRPr lang="pt-BR" sz="1400" dirty="0">
               <a:solidFill>
                 <a:schemeClr val="tx1"/>
               </a:solidFill>
@@ -4982,7 +4970,7 @@
           <a:lstStyle/>
           <a:p>
             <a:r>
-              <a:rPr lang="pt-BR" sz="1400" b="1" dirty="0" smtClean="0">
+              <a:rPr lang="pt-BR" sz="1400" b="1" dirty="0">
                 <a:solidFill>
                   <a:schemeClr val="tx1"/>
                 </a:solidFill>
@@ -4991,7 +4979,7 @@
             </a:r>
           </a:p>
           <a:p>
-            <a:endParaRPr lang="pt-BR" sz="1400" dirty="0" smtClean="0">
+            <a:endParaRPr lang="pt-BR" sz="1400" dirty="0">
               <a:solidFill>
                 <a:schemeClr val="tx1"/>
               </a:solidFill>
@@ -4999,7 +4987,7 @@
           </a:p>
           <a:p>
             <a:r>
-              <a:rPr lang="pt-BR" sz="1400" u="sng" dirty="0" smtClean="0">
+              <a:rPr lang="pt-BR" sz="1400" u="sng" dirty="0">
                 <a:solidFill>
                   <a:schemeClr val="tx1"/>
                 </a:solidFill>
@@ -5009,7 +4997,7 @@
           </a:p>
           <a:p>
             <a:r>
-              <a:rPr lang="pt-BR" sz="1400" u="sng" dirty="0" smtClean="0">
+              <a:rPr lang="pt-BR" sz="1400" u="sng" dirty="0">
                 <a:solidFill>
                   <a:schemeClr val="tx1"/>
                 </a:solidFill>
@@ -5063,7 +5051,7 @@
           <a:lstStyle/>
           <a:p>
             <a:r>
-              <a:rPr lang="pt-BR" sz="1400" b="1" dirty="0" smtClean="0">
+              <a:rPr lang="pt-BR" sz="1400" b="1" dirty="0">
                 <a:solidFill>
                   <a:schemeClr val="tx1"/>
                 </a:solidFill>
@@ -5072,7 +5060,7 @@
             </a:r>
           </a:p>
           <a:p>
-            <a:endParaRPr lang="pt-BR" sz="1400" dirty="0" smtClean="0">
+            <a:endParaRPr lang="pt-BR" sz="1400" dirty="0">
               <a:solidFill>
                 <a:schemeClr val="tx1"/>
               </a:solidFill>
@@ -5080,7 +5068,7 @@
           </a:p>
           <a:p>
             <a:r>
-              <a:rPr lang="pt-BR" sz="1400" u="sng" dirty="0" smtClean="0">
+              <a:rPr lang="pt-BR" sz="1400" u="sng" dirty="0">
                 <a:solidFill>
                   <a:schemeClr val="tx1"/>
                 </a:solidFill>
@@ -5090,7 +5078,7 @@
           </a:p>
           <a:p>
             <a:r>
-              <a:rPr lang="pt-BR" sz="1400" u="sng" dirty="0" smtClean="0">
+              <a:rPr lang="pt-BR" sz="1400" u="sng" dirty="0">
                 <a:solidFill>
                   <a:schemeClr val="tx1"/>
                 </a:solidFill>
@@ -5144,18 +5132,13 @@
           <a:lstStyle/>
           <a:p>
             <a:r>
-              <a:rPr lang="pt-BR" sz="1200" b="1" dirty="0" smtClean="0">
+              <a:rPr lang="pt-BR" sz="1200" b="1" dirty="0">
                 <a:solidFill>
                   <a:schemeClr val="tx1"/>
                 </a:solidFill>
               </a:rPr>
               <a:t>Rodapé</a:t>
             </a:r>
-            <a:endParaRPr lang="pt-BR" sz="1200" b="1" dirty="0">
-              <a:solidFill>
-                <a:schemeClr val="tx1"/>
-              </a:solidFill>
-            </a:endParaRPr>
           </a:p>
         </p:txBody>
       </p:sp>
@@ -5233,7 +5216,7 @@
           <a:lstStyle/>
           <a:p>
             <a:r>
-              <a:rPr lang="pt-BR" sz="1400" b="1" dirty="0" err="1" smtClean="0">
+              <a:rPr lang="pt-BR" sz="1400" b="1" dirty="0" err="1">
                 <a:solidFill>
                   <a:schemeClr val="bg1"/>
                 </a:solidFill>
@@ -5243,7 +5226,7 @@
               <a:t>Lorem</a:t>
             </a:r>
             <a:r>
-              <a:rPr lang="pt-BR" sz="1400" b="1" dirty="0" smtClean="0">
+              <a:rPr lang="pt-BR" sz="1400" b="1" dirty="0">
                 <a:solidFill>
                   <a:schemeClr val="bg1"/>
                 </a:solidFill>
@@ -5253,7 +5236,7 @@
               <a:t> </a:t>
             </a:r>
             <a:r>
-              <a:rPr lang="pt-BR" sz="1400" b="1" dirty="0" err="1" smtClean="0">
+              <a:rPr lang="pt-BR" sz="1400" b="1" dirty="0" err="1">
                 <a:solidFill>
                   <a:schemeClr val="bg1"/>
                 </a:solidFill>
@@ -5263,7 +5246,7 @@
               <a:t>ipsum</a:t>
             </a:r>
             <a:r>
-              <a:rPr lang="pt-BR" sz="1400" b="1" dirty="0" smtClean="0">
+              <a:rPr lang="pt-BR" sz="1400" b="1" dirty="0">
                 <a:solidFill>
                   <a:schemeClr val="bg1"/>
                 </a:solidFill>
@@ -5273,7 +5256,7 @@
               <a:t> </a:t>
             </a:r>
             <a:r>
-              <a:rPr lang="pt-BR" sz="1400" b="1" dirty="0" err="1" smtClean="0">
+              <a:rPr lang="pt-BR" sz="1400" b="1" dirty="0" err="1">
                 <a:solidFill>
                   <a:schemeClr val="bg1"/>
                 </a:solidFill>
@@ -5283,7 +5266,7 @@
               <a:t>dolor</a:t>
             </a:r>
             <a:r>
-              <a:rPr lang="pt-BR" sz="1400" b="1" dirty="0" smtClean="0">
+              <a:rPr lang="pt-BR" sz="1400" b="1" dirty="0">
                 <a:solidFill>
                   <a:schemeClr val="bg1"/>
                 </a:solidFill>
@@ -5293,7 +5276,7 @@
               <a:t> </a:t>
             </a:r>
             <a:r>
-              <a:rPr lang="pt-BR" sz="1400" b="1" dirty="0" err="1" smtClean="0">
+              <a:rPr lang="pt-BR" sz="1400" b="1" dirty="0" err="1">
                 <a:solidFill>
                   <a:schemeClr val="bg1"/>
                 </a:solidFill>
@@ -5303,7 +5286,7 @@
               <a:t>sit</a:t>
             </a:r>
             <a:r>
-              <a:rPr lang="pt-BR" sz="1400" b="1" dirty="0" smtClean="0">
+              <a:rPr lang="pt-BR" sz="1400" b="1" dirty="0">
                 <a:solidFill>
                   <a:schemeClr val="bg1"/>
                 </a:solidFill>
@@ -5313,7 +5296,7 @@
               <a:t> </a:t>
             </a:r>
             <a:r>
-              <a:rPr lang="pt-BR" sz="1400" b="1" dirty="0" err="1" smtClean="0">
+              <a:rPr lang="pt-BR" sz="1400" b="1" dirty="0" err="1">
                 <a:solidFill>
                   <a:schemeClr val="bg1"/>
                 </a:solidFill>
@@ -5323,7 +5306,7 @@
               <a:t>amet</a:t>
             </a:r>
             <a:r>
-              <a:rPr lang="pt-BR" sz="1400" b="1" dirty="0" smtClean="0">
+              <a:rPr lang="pt-BR" sz="1400" b="1" dirty="0">
                 <a:solidFill>
                   <a:schemeClr val="bg1"/>
                 </a:solidFill>
@@ -5333,7 +5316,7 @@
               <a:t> </a:t>
             </a:r>
             <a:r>
-              <a:rPr lang="pt-BR" sz="1400" b="1" dirty="0" err="1" smtClean="0">
+              <a:rPr lang="pt-BR" sz="1400" b="1" dirty="0" err="1">
                 <a:solidFill>
                   <a:schemeClr val="bg1"/>
                 </a:solidFill>
@@ -5343,7 +5326,7 @@
               <a:t>lorem</a:t>
             </a:r>
             <a:r>
-              <a:rPr lang="pt-BR" sz="1400" b="1" dirty="0" smtClean="0">
+              <a:rPr lang="pt-BR" sz="1400" b="1" dirty="0">
                 <a:solidFill>
                   <a:schemeClr val="bg1"/>
                 </a:solidFill>
@@ -5353,7 +5336,7 @@
               <a:t> </a:t>
             </a:r>
             <a:r>
-              <a:rPr lang="pt-BR" sz="1400" b="1" dirty="0" err="1" smtClean="0">
+              <a:rPr lang="pt-BR" sz="1400" b="1" dirty="0" err="1">
                 <a:solidFill>
                   <a:schemeClr val="bg1"/>
                 </a:solidFill>
@@ -5363,7 +5346,7 @@
               <a:t>ipsum</a:t>
             </a:r>
             <a:r>
-              <a:rPr lang="pt-BR" sz="1400" b="1" dirty="0" smtClean="0">
+              <a:rPr lang="pt-BR" sz="1400" b="1" dirty="0">
                 <a:solidFill>
                   <a:schemeClr val="bg1"/>
                 </a:solidFill>
@@ -5373,7 +5356,7 @@
               <a:t> </a:t>
             </a:r>
             <a:r>
-              <a:rPr lang="pt-BR" sz="1400" b="1" dirty="0" err="1" smtClean="0">
+              <a:rPr lang="pt-BR" sz="1400" b="1" dirty="0" err="1">
                 <a:solidFill>
                   <a:schemeClr val="bg1"/>
                 </a:solidFill>
@@ -5383,7 +5366,7 @@
               <a:t>dolor</a:t>
             </a:r>
             <a:r>
-              <a:rPr lang="pt-BR" sz="1400" b="1" dirty="0" smtClean="0">
+              <a:rPr lang="pt-BR" sz="1400" b="1" dirty="0">
                 <a:solidFill>
                   <a:schemeClr val="bg1"/>
                 </a:solidFill>
@@ -5393,7 +5376,7 @@
               <a:t> </a:t>
             </a:r>
             <a:r>
-              <a:rPr lang="pt-BR" sz="1400" b="1" dirty="0" err="1" smtClean="0">
+              <a:rPr lang="pt-BR" sz="1400" b="1" dirty="0" err="1">
                 <a:solidFill>
                   <a:schemeClr val="bg1"/>
                 </a:solidFill>
@@ -5403,7 +5386,7 @@
               <a:t>sit</a:t>
             </a:r>
             <a:r>
-              <a:rPr lang="pt-BR" sz="1400" b="1" dirty="0" smtClean="0">
+              <a:rPr lang="pt-BR" sz="1400" b="1" dirty="0">
                 <a:solidFill>
                   <a:schemeClr val="bg1"/>
                 </a:solidFill>
@@ -5413,7 +5396,7 @@
               <a:t> </a:t>
             </a:r>
             <a:r>
-              <a:rPr lang="pt-BR" sz="1400" b="1" dirty="0" err="1" smtClean="0">
+              <a:rPr lang="pt-BR" sz="1400" b="1" dirty="0" err="1">
                 <a:solidFill>
                   <a:schemeClr val="bg1"/>
                 </a:solidFill>
@@ -5423,7 +5406,7 @@
               <a:t>amet</a:t>
             </a:r>
             <a:r>
-              <a:rPr lang="pt-BR" sz="1400" b="1" dirty="0" smtClean="0">
+              <a:rPr lang="pt-BR" sz="1400" b="1" dirty="0">
                 <a:solidFill>
                   <a:schemeClr val="bg1"/>
                 </a:solidFill>
@@ -5432,30 +5415,23 @@
               </a:rPr>
               <a:t>?</a:t>
             </a:r>
-            <a:endParaRPr lang="pt-BR" sz="1400" b="1" dirty="0" smtClean="0">
-              <a:solidFill>
-                <a:schemeClr val="bg1"/>
-              </a:solidFill>
-              <a:latin typeface="Arial" pitchFamily="34" charset="0"/>
-              <a:cs typeface="Arial" pitchFamily="34" charset="0"/>
-            </a:endParaRPr>
-          </a:p>
-          <a:p>
-            <a:endParaRPr lang="pt-BR" sz="1600" b="1" dirty="0" smtClean="0">
+          </a:p>
+          <a:p>
+            <a:endParaRPr lang="pt-BR" sz="1600" b="1" dirty="0">
               <a:solidFill>
                 <a:schemeClr val="tx1"/>
               </a:solidFill>
             </a:endParaRPr>
           </a:p>
           <a:p>
-            <a:endParaRPr lang="pt-BR" sz="1600" b="1" dirty="0" smtClean="0">
+            <a:endParaRPr lang="pt-BR" sz="1600" b="1" dirty="0">
               <a:solidFill>
                 <a:schemeClr val="tx1"/>
               </a:solidFill>
             </a:endParaRPr>
           </a:p>
           <a:p>
-            <a:endParaRPr lang="pt-BR" sz="1600" dirty="0" smtClean="0">
+            <a:endParaRPr lang="pt-BR" sz="1600" dirty="0">
               <a:solidFill>
                 <a:schemeClr val="tx1"/>
               </a:solidFill>
@@ -5513,7 +5489,7 @@
           <a:lstStyle/>
           <a:p>
             <a:r>
-              <a:rPr lang="pt-BR" sz="1400" dirty="0" err="1" smtClean="0">
+              <a:rPr lang="pt-BR" sz="1400" dirty="0" err="1">
                 <a:solidFill>
                   <a:schemeClr val="tx1"/>
                 </a:solidFill>
@@ -5523,7 +5499,7 @@
               <a:t>Lorem</a:t>
             </a:r>
             <a:r>
-              <a:rPr lang="pt-BR" sz="1400" dirty="0" smtClean="0">
+              <a:rPr lang="pt-BR" sz="1400" dirty="0">
                 <a:solidFill>
                   <a:schemeClr val="tx1"/>
                 </a:solidFill>
@@ -5533,7 +5509,7 @@
               <a:t> </a:t>
             </a:r>
             <a:r>
-              <a:rPr lang="pt-BR" sz="1400" dirty="0" err="1" smtClean="0">
+              <a:rPr lang="pt-BR" sz="1400" dirty="0" err="1">
                 <a:solidFill>
                   <a:schemeClr val="tx1"/>
                 </a:solidFill>
@@ -5543,7 +5519,7 @@
               <a:t>ipsum</a:t>
             </a:r>
             <a:r>
-              <a:rPr lang="pt-BR" sz="1400" dirty="0" smtClean="0">
+              <a:rPr lang="pt-BR" sz="1400" dirty="0">
                 <a:solidFill>
                   <a:schemeClr val="tx1"/>
                 </a:solidFill>
@@ -5553,7 +5529,7 @@
               <a:t> </a:t>
             </a:r>
             <a:r>
-              <a:rPr lang="pt-BR" sz="1400" dirty="0" err="1" smtClean="0">
+              <a:rPr lang="pt-BR" sz="1400" dirty="0" err="1">
                 <a:solidFill>
                   <a:schemeClr val="tx1"/>
                 </a:solidFill>
@@ -5563,7 +5539,7 @@
               <a:t>dolor</a:t>
             </a:r>
             <a:r>
-              <a:rPr lang="pt-BR" sz="1400" dirty="0" smtClean="0">
+              <a:rPr lang="pt-BR" sz="1400" dirty="0">
                 <a:solidFill>
                   <a:schemeClr val="tx1"/>
                 </a:solidFill>
@@ -5573,7 +5549,7 @@
               <a:t> </a:t>
             </a:r>
             <a:r>
-              <a:rPr lang="pt-BR" sz="1400" dirty="0" err="1" smtClean="0">
+              <a:rPr lang="pt-BR" sz="1400" dirty="0" err="1">
                 <a:solidFill>
                   <a:schemeClr val="tx1"/>
                 </a:solidFill>
@@ -5583,7 +5559,7 @@
               <a:t>sit</a:t>
             </a:r>
             <a:r>
-              <a:rPr lang="pt-BR" sz="1400" dirty="0" smtClean="0">
+              <a:rPr lang="pt-BR" sz="1400" dirty="0">
                 <a:solidFill>
                   <a:schemeClr val="tx1"/>
                 </a:solidFill>
@@ -5593,7 +5569,7 @@
               <a:t> </a:t>
             </a:r>
             <a:r>
-              <a:rPr lang="pt-BR" sz="1400" dirty="0" err="1" smtClean="0">
+              <a:rPr lang="pt-BR" sz="1400" dirty="0" err="1">
                 <a:solidFill>
                   <a:schemeClr val="tx1"/>
                 </a:solidFill>
@@ -5603,7 +5579,7 @@
               <a:t>amet</a:t>
             </a:r>
             <a:r>
-              <a:rPr lang="pt-BR" sz="1400" dirty="0" smtClean="0">
+              <a:rPr lang="pt-BR" sz="1400" dirty="0">
                 <a:solidFill>
                   <a:schemeClr val="tx1"/>
                 </a:solidFill>
@@ -5613,7 +5589,7 @@
               <a:t> </a:t>
             </a:r>
             <a:r>
-              <a:rPr lang="pt-BR" sz="1400" dirty="0" err="1" smtClean="0">
+              <a:rPr lang="pt-BR" sz="1400" dirty="0" err="1">
                 <a:solidFill>
                   <a:schemeClr val="tx1"/>
                 </a:solidFill>
@@ -5623,7 +5599,7 @@
               <a:t>lorem</a:t>
             </a:r>
             <a:r>
-              <a:rPr lang="pt-BR" sz="1400" dirty="0" smtClean="0">
+              <a:rPr lang="pt-BR" sz="1400" dirty="0">
                 <a:solidFill>
                   <a:schemeClr val="tx1"/>
                 </a:solidFill>
@@ -5633,7 +5609,7 @@
               <a:t> </a:t>
             </a:r>
             <a:r>
-              <a:rPr lang="pt-BR" sz="1400" dirty="0" err="1" smtClean="0">
+              <a:rPr lang="pt-BR" sz="1400" dirty="0" err="1">
                 <a:solidFill>
                   <a:schemeClr val="tx1"/>
                 </a:solidFill>
@@ -5643,7 +5619,7 @@
               <a:t>ipsum</a:t>
             </a:r>
             <a:r>
-              <a:rPr lang="pt-BR" sz="1400" dirty="0" smtClean="0">
+              <a:rPr lang="pt-BR" sz="1400" dirty="0">
                 <a:solidFill>
                   <a:schemeClr val="tx1"/>
                 </a:solidFill>
@@ -5653,7 +5629,7 @@
               <a:t> </a:t>
             </a:r>
             <a:r>
-              <a:rPr lang="pt-BR" sz="1400" dirty="0" err="1" smtClean="0">
+              <a:rPr lang="pt-BR" sz="1400" dirty="0" err="1">
                 <a:solidFill>
                   <a:schemeClr val="tx1"/>
                 </a:solidFill>
@@ -5663,7 +5639,7 @@
               <a:t>dolor</a:t>
             </a:r>
             <a:r>
-              <a:rPr lang="pt-BR" sz="1400" dirty="0" smtClean="0">
+              <a:rPr lang="pt-BR" sz="1400" dirty="0">
                 <a:solidFill>
                   <a:schemeClr val="tx1"/>
                 </a:solidFill>
@@ -5673,7 +5649,7 @@
               <a:t> </a:t>
             </a:r>
             <a:r>
-              <a:rPr lang="pt-BR" sz="1400" dirty="0" err="1" smtClean="0">
+              <a:rPr lang="pt-BR" sz="1400" dirty="0" err="1">
                 <a:solidFill>
                   <a:schemeClr val="tx1"/>
                 </a:solidFill>
@@ -5683,7 +5659,7 @@
               <a:t>sit</a:t>
             </a:r>
             <a:r>
-              <a:rPr lang="pt-BR" sz="1400" dirty="0" smtClean="0">
+              <a:rPr lang="pt-BR" sz="1400" dirty="0">
                 <a:solidFill>
                   <a:schemeClr val="tx1"/>
                 </a:solidFill>
@@ -5693,7 +5669,7 @@
               <a:t> </a:t>
             </a:r>
             <a:r>
-              <a:rPr lang="pt-BR" sz="1400" dirty="0" err="1" smtClean="0">
+              <a:rPr lang="pt-BR" sz="1400" dirty="0" err="1">
                 <a:solidFill>
                   <a:schemeClr val="tx1"/>
                 </a:solidFill>
@@ -5703,7 +5679,7 @@
               <a:t>amet</a:t>
             </a:r>
             <a:r>
-              <a:rPr lang="pt-BR" sz="1400" dirty="0" smtClean="0">
+              <a:rPr lang="pt-BR" sz="1400" dirty="0">
                 <a:solidFill>
                   <a:schemeClr val="tx1"/>
                 </a:solidFill>
@@ -5713,7 +5689,7 @@
               <a:t> </a:t>
             </a:r>
             <a:r>
-              <a:rPr lang="pt-BR" sz="1400" dirty="0" err="1" smtClean="0">
+              <a:rPr lang="pt-BR" sz="1400" dirty="0" err="1">
                 <a:solidFill>
                   <a:schemeClr val="tx1"/>
                 </a:solidFill>
@@ -5723,7 +5699,7 @@
               <a:t>lorem</a:t>
             </a:r>
             <a:r>
-              <a:rPr lang="pt-BR" sz="1400" dirty="0" smtClean="0">
+              <a:rPr lang="pt-BR" sz="1400" dirty="0">
                 <a:solidFill>
                   <a:schemeClr val="tx1"/>
                 </a:solidFill>
@@ -5733,7 +5709,7 @@
               <a:t> </a:t>
             </a:r>
             <a:r>
-              <a:rPr lang="pt-BR" sz="1400" dirty="0" err="1" smtClean="0">
+              <a:rPr lang="pt-BR" sz="1400" dirty="0" err="1">
                 <a:solidFill>
                   <a:schemeClr val="tx1"/>
                 </a:solidFill>
@@ -5743,7 +5719,7 @@
               <a:t>ipsum</a:t>
             </a:r>
             <a:r>
-              <a:rPr lang="pt-BR" sz="1400" dirty="0" smtClean="0">
+              <a:rPr lang="pt-BR" sz="1400" dirty="0">
                 <a:solidFill>
                   <a:schemeClr val="tx1"/>
                 </a:solidFill>
@@ -5753,7 +5729,7 @@
               <a:t> </a:t>
             </a:r>
             <a:r>
-              <a:rPr lang="pt-BR" sz="1400" dirty="0" err="1" smtClean="0">
+              <a:rPr lang="pt-BR" sz="1400" dirty="0" err="1">
                 <a:solidFill>
                   <a:schemeClr val="tx1"/>
                 </a:solidFill>
@@ -5763,7 +5739,7 @@
               <a:t>dolor</a:t>
             </a:r>
             <a:r>
-              <a:rPr lang="pt-BR" sz="1400" dirty="0" smtClean="0">
+              <a:rPr lang="pt-BR" sz="1400" dirty="0">
                 <a:solidFill>
                   <a:schemeClr val="tx1"/>
                 </a:solidFill>
@@ -5773,7 +5749,7 @@
               <a:t> </a:t>
             </a:r>
             <a:r>
-              <a:rPr lang="pt-BR" sz="1400" dirty="0" err="1" smtClean="0">
+              <a:rPr lang="pt-BR" sz="1400" dirty="0" err="1">
                 <a:solidFill>
                   <a:schemeClr val="tx1"/>
                 </a:solidFill>
@@ -5783,7 +5759,7 @@
               <a:t>sit</a:t>
             </a:r>
             <a:r>
-              <a:rPr lang="pt-BR" sz="1400" dirty="0" smtClean="0">
+              <a:rPr lang="pt-BR" sz="1400" dirty="0">
                 <a:solidFill>
                   <a:schemeClr val="tx1"/>
                 </a:solidFill>
@@ -5793,7 +5769,7 @@
               <a:t> </a:t>
             </a:r>
             <a:r>
-              <a:rPr lang="pt-BR" sz="1400" dirty="0" err="1" smtClean="0">
+              <a:rPr lang="pt-BR" sz="1400" dirty="0" err="1">
                 <a:solidFill>
                   <a:schemeClr val="tx1"/>
                 </a:solidFill>
@@ -5803,127 +5779,127 @@
               <a:t>amet</a:t>
             </a:r>
             <a:r>
-              <a:rPr lang="pt-BR" sz="1400" dirty="0" smtClean="0">
+              <a:rPr lang="pt-BR" sz="1400" dirty="0">
                 <a:solidFill>
                   <a:schemeClr val="tx1"/>
                 </a:solidFill>
                 <a:latin typeface="Arial" pitchFamily="34" charset="0"/>
                 <a:cs typeface="Arial" pitchFamily="34" charset="0"/>
               </a:rPr>
-              <a:t> </a:t>
-            </a:r>
-            <a:r>
-              <a:rPr lang="pt-BR" sz="1400" dirty="0" smtClean="0">
+              <a:t> orem </a:t>
+            </a:r>
+            <a:r>
+              <a:rPr lang="pt-BR" sz="1400" dirty="0" err="1">
                 <a:solidFill>
                   <a:schemeClr val="tx1"/>
                 </a:solidFill>
                 <a:latin typeface="Arial" pitchFamily="34" charset="0"/>
                 <a:cs typeface="Arial" pitchFamily="34" charset="0"/>
               </a:rPr>
-              <a:t>orem </a:t>
-            </a:r>
-            <a:r>
-              <a:rPr lang="pt-BR" sz="1400" dirty="0" err="1" smtClean="0">
+              <a:t>ipsum</a:t>
+            </a:r>
+            <a:r>
+              <a:rPr lang="pt-BR" sz="1400" dirty="0">
                 <a:solidFill>
                   <a:schemeClr val="tx1"/>
                 </a:solidFill>
                 <a:latin typeface="Arial" pitchFamily="34" charset="0"/>
                 <a:cs typeface="Arial" pitchFamily="34" charset="0"/>
               </a:rPr>
-              <a:t>ipsum</a:t>
-            </a:r>
-            <a:r>
-              <a:rPr lang="pt-BR" sz="1400" dirty="0" smtClean="0">
+              <a:t> </a:t>
+            </a:r>
+            <a:r>
+              <a:rPr lang="pt-BR" sz="1400" dirty="0" err="1">
                 <a:solidFill>
                   <a:schemeClr val="tx1"/>
                 </a:solidFill>
                 <a:latin typeface="Arial" pitchFamily="34" charset="0"/>
                 <a:cs typeface="Arial" pitchFamily="34" charset="0"/>
               </a:rPr>
-              <a:t> </a:t>
-            </a:r>
-            <a:r>
-              <a:rPr lang="pt-BR" sz="1400" dirty="0" err="1" smtClean="0">
+              <a:t>dolor</a:t>
+            </a:r>
+            <a:r>
+              <a:rPr lang="pt-BR" sz="1400" dirty="0">
                 <a:solidFill>
                   <a:schemeClr val="tx1"/>
                 </a:solidFill>
                 <a:latin typeface="Arial" pitchFamily="34" charset="0"/>
                 <a:cs typeface="Arial" pitchFamily="34" charset="0"/>
               </a:rPr>
-              <a:t>dolor</a:t>
-            </a:r>
-            <a:r>
-              <a:rPr lang="pt-BR" sz="1400" dirty="0" smtClean="0">
+              <a:t> </a:t>
+            </a:r>
+            <a:r>
+              <a:rPr lang="pt-BR" sz="1400" dirty="0" err="1">
                 <a:solidFill>
                   <a:schemeClr val="tx1"/>
                 </a:solidFill>
                 <a:latin typeface="Arial" pitchFamily="34" charset="0"/>
                 <a:cs typeface="Arial" pitchFamily="34" charset="0"/>
               </a:rPr>
-              <a:t> </a:t>
-            </a:r>
-            <a:r>
-              <a:rPr lang="pt-BR" sz="1400" dirty="0" err="1" smtClean="0">
+              <a:t>sit</a:t>
+            </a:r>
+            <a:r>
+              <a:rPr lang="pt-BR" sz="1400" dirty="0">
                 <a:solidFill>
                   <a:schemeClr val="tx1"/>
                 </a:solidFill>
                 <a:latin typeface="Arial" pitchFamily="34" charset="0"/>
                 <a:cs typeface="Arial" pitchFamily="34" charset="0"/>
               </a:rPr>
-              <a:t>sit</a:t>
-            </a:r>
-            <a:r>
-              <a:rPr lang="pt-BR" sz="1400" dirty="0" smtClean="0">
+              <a:t> </a:t>
+            </a:r>
+            <a:r>
+              <a:rPr lang="pt-BR" sz="1400" dirty="0" err="1">
                 <a:solidFill>
                   <a:schemeClr val="tx1"/>
                 </a:solidFill>
                 <a:latin typeface="Arial" pitchFamily="34" charset="0"/>
                 <a:cs typeface="Arial" pitchFamily="34" charset="0"/>
               </a:rPr>
-              <a:t> </a:t>
-            </a:r>
-            <a:r>
-              <a:rPr lang="pt-BR" sz="1400" dirty="0" err="1" smtClean="0">
+              <a:t>amet</a:t>
+            </a:r>
+            <a:r>
+              <a:rPr lang="pt-BR" sz="1400" dirty="0">
                 <a:solidFill>
                   <a:schemeClr val="tx1"/>
                 </a:solidFill>
                 <a:latin typeface="Arial" pitchFamily="34" charset="0"/>
                 <a:cs typeface="Arial" pitchFamily="34" charset="0"/>
               </a:rPr>
-              <a:t>amet</a:t>
-            </a:r>
-            <a:r>
-              <a:rPr lang="pt-BR" sz="1400" dirty="0" smtClean="0">
+              <a:t> orem </a:t>
+            </a:r>
+            <a:r>
+              <a:rPr lang="pt-BR" sz="1400" dirty="0" err="1">
                 <a:solidFill>
                   <a:schemeClr val="tx1"/>
                 </a:solidFill>
                 <a:latin typeface="Arial" pitchFamily="34" charset="0"/>
                 <a:cs typeface="Arial" pitchFamily="34" charset="0"/>
               </a:rPr>
-              <a:t> </a:t>
-            </a:r>
-            <a:r>
-              <a:rPr lang="pt-BR" sz="1400" dirty="0" smtClean="0">
+              <a:t>ipsum</a:t>
+            </a:r>
+            <a:r>
+              <a:rPr lang="pt-BR" sz="1400" dirty="0">
                 <a:solidFill>
                   <a:schemeClr val="tx1"/>
                 </a:solidFill>
                 <a:latin typeface="Arial" pitchFamily="34" charset="0"/>
                 <a:cs typeface="Arial" pitchFamily="34" charset="0"/>
               </a:rPr>
-              <a:t>orem </a:t>
-            </a:r>
-            <a:r>
-              <a:rPr lang="pt-BR" sz="1400" dirty="0" err="1" smtClean="0">
+              <a:t> </a:t>
+            </a:r>
+            <a:r>
+              <a:rPr lang="pt-BR" sz="1400" dirty="0" err="1">
                 <a:solidFill>
                   <a:schemeClr val="tx1"/>
                 </a:solidFill>
                 <a:latin typeface="Arial" pitchFamily="34" charset="0"/>
                 <a:cs typeface="Arial" pitchFamily="34" charset="0"/>
               </a:rPr>
-              <a:t>ipsum</a:t>
-            </a:r>
-            <a:r>
-              <a:rPr lang="pt-BR" sz="1400" dirty="0" smtClean="0">
+              <a:t>dolor</a:t>
+            </a:r>
+            <a:r>
+              <a:rPr lang="pt-BR" sz="1400" dirty="0">
                 <a:solidFill>
                   <a:schemeClr val="tx1"/>
                 </a:solidFill>
@@ -5933,17 +5909,17 @@
               <a:t> </a:t>
             </a:r>
             <a:r>
-              <a:rPr lang="pt-BR" sz="1400" dirty="0" err="1" smtClean="0">
+              <a:rPr lang="pt-BR" sz="1400" dirty="0" err="1">
                 <a:solidFill>
                   <a:schemeClr val="tx1"/>
                 </a:solidFill>
                 <a:latin typeface="Arial" pitchFamily="34" charset="0"/>
                 <a:cs typeface="Arial" pitchFamily="34" charset="0"/>
               </a:rPr>
-              <a:t>dolor</a:t>
-            </a:r>
-            <a:r>
-              <a:rPr lang="pt-BR" sz="1400" dirty="0" smtClean="0">
+              <a:t>sit</a:t>
+            </a:r>
+            <a:r>
+              <a:rPr lang="pt-BR" sz="1400" dirty="0">
                 <a:solidFill>
                   <a:schemeClr val="tx1"/>
                 </a:solidFill>
@@ -5953,37 +5929,37 @@
               <a:t> </a:t>
             </a:r>
             <a:r>
-              <a:rPr lang="pt-BR" sz="1400" dirty="0" err="1" smtClean="0">
+              <a:rPr lang="pt-BR" sz="1400" dirty="0" err="1">
                 <a:solidFill>
                   <a:schemeClr val="tx1"/>
                 </a:solidFill>
                 <a:latin typeface="Arial" pitchFamily="34" charset="0"/>
                 <a:cs typeface="Arial" pitchFamily="34" charset="0"/>
               </a:rPr>
-              <a:t>sit</a:t>
-            </a:r>
-            <a:r>
-              <a:rPr lang="pt-BR" sz="1400" dirty="0" smtClean="0">
+              <a:t>amet</a:t>
+            </a:r>
+            <a:r>
+              <a:rPr lang="pt-BR" sz="1400" dirty="0">
                 <a:solidFill>
                   <a:schemeClr val="tx1"/>
                 </a:solidFill>
                 <a:latin typeface="Arial" pitchFamily="34" charset="0"/>
                 <a:cs typeface="Arial" pitchFamily="34" charset="0"/>
               </a:rPr>
-              <a:t> </a:t>
-            </a:r>
-            <a:r>
-              <a:rPr lang="pt-BR" sz="1400" dirty="0" err="1" smtClean="0">
+              <a:t> orem </a:t>
+            </a:r>
+            <a:r>
+              <a:rPr lang="pt-BR" sz="1400" dirty="0" err="1">
                 <a:solidFill>
                   <a:schemeClr val="tx1"/>
                 </a:solidFill>
                 <a:latin typeface="Arial" pitchFamily="34" charset="0"/>
                 <a:cs typeface="Arial" pitchFamily="34" charset="0"/>
               </a:rPr>
-              <a:t>amet</a:t>
-            </a:r>
-            <a:r>
-              <a:rPr lang="pt-BR" sz="1400" dirty="0" smtClean="0">
+              <a:t>ipsum</a:t>
+            </a:r>
+            <a:r>
+              <a:rPr lang="pt-BR" sz="1400" dirty="0">
                 <a:solidFill>
                   <a:schemeClr val="tx1"/>
                 </a:solidFill>
@@ -5993,119 +5969,82 @@
               <a:t> </a:t>
             </a:r>
             <a:r>
-              <a:rPr lang="pt-BR" sz="1400" dirty="0" smtClean="0">
+              <a:rPr lang="pt-BR" sz="1400" dirty="0" err="1">
                 <a:solidFill>
                   <a:schemeClr val="tx1"/>
                 </a:solidFill>
                 <a:latin typeface="Arial" pitchFamily="34" charset="0"/>
                 <a:cs typeface="Arial" pitchFamily="34" charset="0"/>
               </a:rPr>
-              <a:t>orem </a:t>
-            </a:r>
-            <a:r>
-              <a:rPr lang="pt-BR" sz="1400" dirty="0" err="1" smtClean="0">
+              <a:t>dolor</a:t>
+            </a:r>
+            <a:r>
+              <a:rPr lang="pt-BR" sz="1400" dirty="0">
                 <a:solidFill>
                   <a:schemeClr val="tx1"/>
                 </a:solidFill>
                 <a:latin typeface="Arial" pitchFamily="34" charset="0"/>
                 <a:cs typeface="Arial" pitchFamily="34" charset="0"/>
               </a:rPr>
-              <a:t>ipsum</a:t>
-            </a:r>
-            <a:r>
-              <a:rPr lang="pt-BR" sz="1400" dirty="0" smtClean="0">
+              <a:t> </a:t>
+            </a:r>
+            <a:r>
+              <a:rPr lang="pt-BR" sz="1400" dirty="0" err="1">
                 <a:solidFill>
                   <a:schemeClr val="tx1"/>
                 </a:solidFill>
                 <a:latin typeface="Arial" pitchFamily="34" charset="0"/>
                 <a:cs typeface="Arial" pitchFamily="34" charset="0"/>
               </a:rPr>
-              <a:t> </a:t>
-            </a:r>
-            <a:r>
-              <a:rPr lang="pt-BR" sz="1400" dirty="0" err="1" smtClean="0">
+              <a:t>sit</a:t>
+            </a:r>
+            <a:r>
+              <a:rPr lang="pt-BR" sz="1400" dirty="0">
                 <a:solidFill>
                   <a:schemeClr val="tx1"/>
                 </a:solidFill>
                 <a:latin typeface="Arial" pitchFamily="34" charset="0"/>
                 <a:cs typeface="Arial" pitchFamily="34" charset="0"/>
               </a:rPr>
-              <a:t>dolor</a:t>
-            </a:r>
-            <a:r>
-              <a:rPr lang="pt-BR" sz="1400" dirty="0" smtClean="0">
+              <a:t> </a:t>
+            </a:r>
+            <a:r>
+              <a:rPr lang="pt-BR" sz="1400" dirty="0" err="1">
                 <a:solidFill>
                   <a:schemeClr val="tx1"/>
                 </a:solidFill>
                 <a:latin typeface="Arial" pitchFamily="34" charset="0"/>
                 <a:cs typeface="Arial" pitchFamily="34" charset="0"/>
               </a:rPr>
-              <a:t> </a:t>
-            </a:r>
-            <a:r>
-              <a:rPr lang="pt-BR" sz="1400" dirty="0" err="1" smtClean="0">
+              <a:t>amet</a:t>
+            </a:r>
+            <a:r>
+              <a:rPr lang="pt-BR" sz="1400" dirty="0">
                 <a:solidFill>
                   <a:schemeClr val="tx1"/>
                 </a:solidFill>
                 <a:latin typeface="Arial" pitchFamily="34" charset="0"/>
                 <a:cs typeface="Arial" pitchFamily="34" charset="0"/>
               </a:rPr>
-              <a:t>sit</a:t>
-            </a:r>
-            <a:r>
-              <a:rPr lang="pt-BR" sz="1400" dirty="0" smtClean="0">
-                <a:solidFill>
-                  <a:schemeClr val="tx1"/>
-                </a:solidFill>
-                <a:latin typeface="Arial" pitchFamily="34" charset="0"/>
-                <a:cs typeface="Arial" pitchFamily="34" charset="0"/>
-              </a:rPr>
-              <a:t> </a:t>
-            </a:r>
-            <a:r>
-              <a:rPr lang="pt-BR" sz="1400" dirty="0" err="1" smtClean="0">
-                <a:solidFill>
-                  <a:schemeClr val="tx1"/>
-                </a:solidFill>
-                <a:latin typeface="Arial" pitchFamily="34" charset="0"/>
-                <a:cs typeface="Arial" pitchFamily="34" charset="0"/>
-              </a:rPr>
-              <a:t>amet</a:t>
-            </a:r>
-            <a:r>
-              <a:rPr lang="pt-BR" sz="1400" dirty="0" smtClean="0">
-                <a:solidFill>
-                  <a:schemeClr val="tx1"/>
-                </a:solidFill>
-                <a:latin typeface="Arial" pitchFamily="34" charset="0"/>
-                <a:cs typeface="Arial" pitchFamily="34" charset="0"/>
-              </a:rPr>
               <a:t>?</a:t>
             </a:r>
-            <a:endParaRPr lang="pt-BR" sz="1400" dirty="0" smtClean="0">
-              <a:solidFill>
-                <a:schemeClr val="tx1"/>
-              </a:solidFill>
-              <a:latin typeface="Arial" pitchFamily="34" charset="0"/>
-              <a:cs typeface="Arial" pitchFamily="34" charset="0"/>
-            </a:endParaRPr>
-          </a:p>
-          <a:p>
-            <a:endParaRPr lang="pt-BR" sz="1600" dirty="0" smtClean="0">
+          </a:p>
+          <a:p>
+            <a:endParaRPr lang="pt-BR" sz="1600" dirty="0">
               <a:solidFill>
                 <a:schemeClr val="tx1"/>
               </a:solidFill>
             </a:endParaRPr>
           </a:p>
           <a:p>
-            <a:endParaRPr lang="pt-BR" sz="1600" dirty="0" smtClean="0">
+            <a:endParaRPr lang="pt-BR" sz="1600" dirty="0">
               <a:solidFill>
                 <a:schemeClr val="tx1"/>
               </a:solidFill>
             </a:endParaRPr>
           </a:p>
           <a:p>
-            <a:endParaRPr lang="pt-BR" sz="1600" dirty="0" smtClean="0">
+            <a:endParaRPr lang="pt-BR" sz="1600" dirty="0">
               <a:solidFill>
                 <a:schemeClr val="tx1"/>
               </a:solidFill>
@@ -6160,7 +6099,7 @@
           <a:lstStyle/>
           <a:p>
             <a:r>
-              <a:rPr lang="pt-BR" sz="1400" b="1" dirty="0" smtClean="0">
+              <a:rPr lang="pt-BR" sz="1400" b="1" dirty="0">
                 <a:solidFill>
                   <a:schemeClr val="tx1"/>
                 </a:solidFill>
@@ -6169,30 +6108,23 @@
               </a:rPr>
               <a:t>IMAGEM</a:t>
             </a:r>
-            <a:endParaRPr lang="pt-BR" sz="1400" b="1" dirty="0" smtClean="0">
-              <a:solidFill>
-                <a:schemeClr val="tx1"/>
-              </a:solidFill>
-              <a:latin typeface="Arial" pitchFamily="34" charset="0"/>
-              <a:cs typeface="Arial" pitchFamily="34" charset="0"/>
-            </a:endParaRPr>
-          </a:p>
-          <a:p>
-            <a:endParaRPr lang="pt-BR" sz="1600" dirty="0" smtClean="0">
+          </a:p>
+          <a:p>
+            <a:endParaRPr lang="pt-BR" sz="1600" dirty="0">
               <a:solidFill>
                 <a:schemeClr val="tx1"/>
               </a:solidFill>
             </a:endParaRPr>
           </a:p>
           <a:p>
-            <a:endParaRPr lang="pt-BR" sz="1600" dirty="0" smtClean="0">
+            <a:endParaRPr lang="pt-BR" sz="1600" dirty="0">
               <a:solidFill>
                 <a:schemeClr val="tx1"/>
               </a:solidFill>
             </a:endParaRPr>
           </a:p>
           <a:p>
-            <a:endParaRPr lang="pt-BR" sz="1600" dirty="0" smtClean="0">
+            <a:endParaRPr lang="pt-BR" sz="1600" dirty="0">
               <a:solidFill>
                 <a:schemeClr val="tx1"/>
               </a:solidFill>
@@ -6247,7 +6179,7 @@
           <a:lstStyle/>
           <a:p>
             <a:r>
-              <a:rPr lang="pt-BR" sz="1400" b="1" dirty="0" smtClean="0">
+              <a:rPr lang="pt-BR" sz="1400" b="1" dirty="0">
                 <a:solidFill>
                   <a:schemeClr val="tx1"/>
                 </a:solidFill>
@@ -6256,30 +6188,23 @@
               </a:rPr>
               <a:t>IMAGEM</a:t>
             </a:r>
-            <a:endParaRPr lang="pt-BR" sz="1400" b="1" dirty="0" smtClean="0">
-              <a:solidFill>
-                <a:schemeClr val="tx1"/>
-              </a:solidFill>
-              <a:latin typeface="Arial" pitchFamily="34" charset="0"/>
-              <a:cs typeface="Arial" pitchFamily="34" charset="0"/>
-            </a:endParaRPr>
-          </a:p>
-          <a:p>
-            <a:endParaRPr lang="pt-BR" sz="1600" dirty="0" smtClean="0">
+          </a:p>
+          <a:p>
+            <a:endParaRPr lang="pt-BR" sz="1600" dirty="0">
               <a:solidFill>
                 <a:schemeClr val="tx1"/>
               </a:solidFill>
             </a:endParaRPr>
           </a:p>
           <a:p>
-            <a:endParaRPr lang="pt-BR" sz="1600" dirty="0" smtClean="0">
+            <a:endParaRPr lang="pt-BR" sz="1600" dirty="0">
               <a:solidFill>
                 <a:schemeClr val="tx1"/>
               </a:solidFill>
             </a:endParaRPr>
           </a:p>
           <a:p>
-            <a:endParaRPr lang="pt-BR" sz="1600" dirty="0" smtClean="0">
+            <a:endParaRPr lang="pt-BR" sz="1600" dirty="0">
               <a:solidFill>
                 <a:schemeClr val="tx1"/>
               </a:solidFill>
@@ -6288,6 +6213,2210 @@
         </p:txBody>
       </p:sp>
     </p:spTree>
+  </p:cSld>
+  <p:clrMapOvr>
+    <a:masterClrMapping/>
+  </p:clrMapOvr>
+</p:sld>
+</file>
+
+<file path=ppt/slides/slide3.xml><?xml version="1.0" encoding="utf-8"?>
+<p:sld xmlns:a="http://schemas.openxmlformats.org/drawingml/2006/main" xmlns:r="http://schemas.openxmlformats.org/officeDocument/2006/relationships" xmlns:p="http://schemas.openxmlformats.org/presentationml/2006/main">
+  <p:cSld>
+    <p:spTree>
+      <p:nvGrpSpPr>
+        <p:cNvPr id="1" name=""/>
+        <p:cNvGrpSpPr/>
+        <p:nvPr/>
+      </p:nvGrpSpPr>
+      <p:grpSpPr>
+        <a:xfrm>
+          <a:off x="0" y="0"/>
+          <a:ext cx="0" cy="0"/>
+          <a:chOff x="0" y="0"/>
+          <a:chExt cx="0" cy="0"/>
+        </a:xfrm>
+      </p:grpSpPr>
+      <p:sp>
+        <p:nvSpPr>
+          <p:cNvPr id="10" name="Retângulo 9"/>
+          <p:cNvSpPr/>
+          <p:nvPr/>
+        </p:nvSpPr>
+        <p:spPr>
+          <a:xfrm>
+            <a:off x="1403648" y="548680"/>
+            <a:ext cx="6624736" cy="4896544"/>
+          </a:xfrm>
+          <a:prstGeom prst="rect">
+            <a:avLst/>
+          </a:prstGeom>
+          <a:solidFill>
+            <a:schemeClr val="bg1"/>
+          </a:solidFill>
+          <a:ln>
+            <a:solidFill>
+              <a:schemeClr val="tx1"/>
+            </a:solidFill>
+          </a:ln>
+        </p:spPr>
+        <p:style>
+          <a:lnRef idx="2">
+            <a:schemeClr val="accent1">
+              <a:shade val="50000"/>
+            </a:schemeClr>
+          </a:lnRef>
+          <a:fillRef idx="1">
+            <a:schemeClr val="accent1"/>
+          </a:fillRef>
+          <a:effectRef idx="0">
+            <a:schemeClr val="accent1"/>
+          </a:effectRef>
+          <a:fontRef idx="minor">
+            <a:schemeClr val="lt1"/>
+          </a:fontRef>
+        </p:style>
+        <p:txBody>
+          <a:bodyPr rtlCol="0" anchor="t" anchorCtr="0"/>
+          <a:lstStyle/>
+          <a:p>
+            <a:r>
+              <a:rPr lang="pt-BR" dirty="0">
+                <a:solidFill>
+                  <a:schemeClr val="tx1"/>
+                </a:solidFill>
+              </a:rPr>
+              <a:t>#tudo</a:t>
+            </a:r>
+          </a:p>
+        </p:txBody>
+      </p:sp>
+      <p:sp>
+        <p:nvSpPr>
+          <p:cNvPr id="5" name="Retângulo 4"/>
+          <p:cNvSpPr/>
+          <p:nvPr/>
+        </p:nvSpPr>
+        <p:spPr>
+          <a:xfrm>
+            <a:off x="1556048" y="908720"/>
+            <a:ext cx="6328320" cy="639688"/>
+          </a:xfrm>
+          <a:prstGeom prst="rect">
+            <a:avLst/>
+          </a:prstGeom>
+          <a:solidFill>
+            <a:schemeClr val="bg1">
+              <a:lumMod val="85000"/>
+            </a:schemeClr>
+          </a:solidFill>
+          <a:ln>
+            <a:solidFill>
+              <a:schemeClr val="tx1"/>
+            </a:solidFill>
+          </a:ln>
+        </p:spPr>
+        <p:style>
+          <a:lnRef idx="2">
+            <a:schemeClr val="accent1">
+              <a:shade val="50000"/>
+            </a:schemeClr>
+          </a:lnRef>
+          <a:fillRef idx="1">
+            <a:schemeClr val="accent1"/>
+          </a:fillRef>
+          <a:effectRef idx="0">
+            <a:schemeClr val="accent1"/>
+          </a:effectRef>
+          <a:fontRef idx="minor">
+            <a:schemeClr val="lt1"/>
+          </a:fontRef>
+        </p:style>
+        <p:txBody>
+          <a:bodyPr rtlCol="0" anchor="t" anchorCtr="0"/>
+          <a:lstStyle/>
+          <a:p>
+            <a:r>
+              <a:rPr lang="pt-BR" dirty="0">
+                <a:solidFill>
+                  <a:schemeClr val="tx1"/>
+                </a:solidFill>
+              </a:rPr>
+              <a:t>header</a:t>
+            </a:r>
+          </a:p>
+        </p:txBody>
+      </p:sp>
+      <p:sp>
+        <p:nvSpPr>
+          <p:cNvPr id="6" name="Retângulo 5"/>
+          <p:cNvSpPr/>
+          <p:nvPr/>
+        </p:nvSpPr>
+        <p:spPr>
+          <a:xfrm>
+            <a:off x="1547664" y="1700808"/>
+            <a:ext cx="1872208" cy="1152128"/>
+          </a:xfrm>
+          <a:prstGeom prst="rect">
+            <a:avLst/>
+          </a:prstGeom>
+          <a:solidFill>
+            <a:srgbClr val="FFFF00"/>
+          </a:solidFill>
+          <a:ln>
+            <a:solidFill>
+              <a:schemeClr val="tx1"/>
+            </a:solidFill>
+          </a:ln>
+        </p:spPr>
+        <p:style>
+          <a:lnRef idx="2">
+            <a:schemeClr val="accent1">
+              <a:shade val="50000"/>
+            </a:schemeClr>
+          </a:lnRef>
+          <a:fillRef idx="1">
+            <a:schemeClr val="accent1"/>
+          </a:fillRef>
+          <a:effectRef idx="0">
+            <a:schemeClr val="accent1"/>
+          </a:effectRef>
+          <a:fontRef idx="minor">
+            <a:schemeClr val="lt1"/>
+          </a:fontRef>
+        </p:style>
+        <p:txBody>
+          <a:bodyPr rtlCol="0" anchor="t" anchorCtr="0"/>
+          <a:lstStyle/>
+          <a:p>
+            <a:r>
+              <a:rPr lang="pt-BR" dirty="0">
+                <a:solidFill>
+                  <a:schemeClr val="tx1"/>
+                </a:solidFill>
+              </a:rPr>
+              <a:t>nav</a:t>
+            </a:r>
+          </a:p>
+        </p:txBody>
+      </p:sp>
+      <p:sp>
+        <p:nvSpPr>
+          <p:cNvPr id="7" name="Retângulo 6"/>
+          <p:cNvSpPr/>
+          <p:nvPr/>
+        </p:nvSpPr>
+        <p:spPr>
+          <a:xfrm>
+            <a:off x="3563888" y="1700808"/>
+            <a:ext cx="4320480" cy="3600400"/>
+          </a:xfrm>
+          <a:prstGeom prst="rect">
+            <a:avLst/>
+          </a:prstGeom>
+          <a:solidFill>
+            <a:srgbClr val="FF99FF"/>
+          </a:solidFill>
+          <a:ln>
+            <a:solidFill>
+              <a:schemeClr val="tx1"/>
+            </a:solidFill>
+          </a:ln>
+        </p:spPr>
+        <p:style>
+          <a:lnRef idx="2">
+            <a:schemeClr val="accent1">
+              <a:shade val="50000"/>
+            </a:schemeClr>
+          </a:lnRef>
+          <a:fillRef idx="1">
+            <a:schemeClr val="accent1"/>
+          </a:fillRef>
+          <a:effectRef idx="0">
+            <a:schemeClr val="accent1"/>
+          </a:effectRef>
+          <a:fontRef idx="minor">
+            <a:schemeClr val="lt1"/>
+          </a:fontRef>
+        </p:style>
+        <p:txBody>
+          <a:bodyPr rtlCol="0" anchor="t" anchorCtr="0"/>
+          <a:lstStyle/>
+          <a:p>
+            <a:r>
+              <a:rPr lang="pt-BR" dirty="0">
+                <a:solidFill>
+                  <a:schemeClr val="tx1"/>
+                </a:solidFill>
+              </a:rPr>
+              <a:t>article</a:t>
+            </a:r>
+          </a:p>
+        </p:txBody>
+      </p:sp>
+    </p:spTree>
+    <p:extLst>
+      <p:ext uri="{BB962C8B-B14F-4D97-AF65-F5344CB8AC3E}">
+        <p14:creationId xmlns:p14="http://schemas.microsoft.com/office/powerpoint/2010/main" val="3900999859"/>
+      </p:ext>
+    </p:extLst>
+  </p:cSld>
+  <p:clrMapOvr>
+    <a:masterClrMapping/>
+  </p:clrMapOvr>
+</p:sld>
+</file>
+
+<file path=ppt/slides/slide4.xml><?xml version="1.0" encoding="utf-8"?>
+<p:sld xmlns:a="http://schemas.openxmlformats.org/drawingml/2006/main" xmlns:r="http://schemas.openxmlformats.org/officeDocument/2006/relationships" xmlns:p="http://schemas.openxmlformats.org/presentationml/2006/main">
+  <p:cSld>
+    <p:spTree>
+      <p:nvGrpSpPr>
+        <p:cNvPr id="1" name=""/>
+        <p:cNvGrpSpPr/>
+        <p:nvPr/>
+      </p:nvGrpSpPr>
+      <p:grpSpPr>
+        <a:xfrm>
+          <a:off x="0" y="0"/>
+          <a:ext cx="0" cy="0"/>
+          <a:chOff x="0" y="0"/>
+          <a:chExt cx="0" cy="0"/>
+        </a:xfrm>
+      </p:grpSpPr>
+      <p:sp>
+        <p:nvSpPr>
+          <p:cNvPr id="5" name="Retângulo 4"/>
+          <p:cNvSpPr/>
+          <p:nvPr/>
+        </p:nvSpPr>
+        <p:spPr>
+          <a:xfrm>
+            <a:off x="1556048" y="908720"/>
+            <a:ext cx="6328320" cy="639688"/>
+          </a:xfrm>
+          <a:prstGeom prst="rect">
+            <a:avLst/>
+          </a:prstGeom>
+          <a:solidFill>
+            <a:schemeClr val="bg1">
+              <a:lumMod val="85000"/>
+            </a:schemeClr>
+          </a:solidFill>
+          <a:ln>
+            <a:solidFill>
+              <a:schemeClr val="tx1"/>
+            </a:solidFill>
+          </a:ln>
+        </p:spPr>
+        <p:style>
+          <a:lnRef idx="2">
+            <a:schemeClr val="accent1">
+              <a:shade val="50000"/>
+            </a:schemeClr>
+          </a:lnRef>
+          <a:fillRef idx="1">
+            <a:schemeClr val="accent1"/>
+          </a:fillRef>
+          <a:effectRef idx="0">
+            <a:schemeClr val="accent1"/>
+          </a:effectRef>
+          <a:fontRef idx="minor">
+            <a:schemeClr val="lt1"/>
+          </a:fontRef>
+        </p:style>
+        <p:txBody>
+          <a:bodyPr rtlCol="0" anchor="t" anchorCtr="0"/>
+          <a:lstStyle/>
+          <a:p>
+            <a:r>
+              <a:rPr lang="pt-BR" dirty="0">
+                <a:solidFill>
+                  <a:schemeClr val="tx1"/>
+                </a:solidFill>
+              </a:rPr>
+              <a:t>header</a:t>
+            </a:r>
+          </a:p>
+        </p:txBody>
+      </p:sp>
+      <p:sp>
+        <p:nvSpPr>
+          <p:cNvPr id="6" name="Retângulo 5"/>
+          <p:cNvSpPr/>
+          <p:nvPr/>
+        </p:nvSpPr>
+        <p:spPr>
+          <a:xfrm>
+            <a:off x="1547664" y="1700808"/>
+            <a:ext cx="1872208" cy="1152128"/>
+          </a:xfrm>
+          <a:prstGeom prst="rect">
+            <a:avLst/>
+          </a:prstGeom>
+          <a:solidFill>
+            <a:srgbClr val="FFFF00"/>
+          </a:solidFill>
+          <a:ln>
+            <a:solidFill>
+              <a:schemeClr val="tx1"/>
+            </a:solidFill>
+          </a:ln>
+        </p:spPr>
+        <p:style>
+          <a:lnRef idx="2">
+            <a:schemeClr val="accent1">
+              <a:shade val="50000"/>
+            </a:schemeClr>
+          </a:lnRef>
+          <a:fillRef idx="1">
+            <a:schemeClr val="accent1"/>
+          </a:fillRef>
+          <a:effectRef idx="0">
+            <a:schemeClr val="accent1"/>
+          </a:effectRef>
+          <a:fontRef idx="minor">
+            <a:schemeClr val="lt1"/>
+          </a:fontRef>
+        </p:style>
+        <p:txBody>
+          <a:bodyPr rtlCol="0" anchor="t" anchorCtr="0"/>
+          <a:lstStyle/>
+          <a:p>
+            <a:r>
+              <a:rPr lang="pt-BR" dirty="0">
+                <a:solidFill>
+                  <a:schemeClr val="tx1"/>
+                </a:solidFill>
+              </a:rPr>
+              <a:t>nav</a:t>
+            </a:r>
+          </a:p>
+        </p:txBody>
+      </p:sp>
+      <p:sp>
+        <p:nvSpPr>
+          <p:cNvPr id="7" name="Retângulo 6"/>
+          <p:cNvSpPr/>
+          <p:nvPr/>
+        </p:nvSpPr>
+        <p:spPr>
+          <a:xfrm>
+            <a:off x="4211960" y="1700808"/>
+            <a:ext cx="3672408" cy="2304256"/>
+          </a:xfrm>
+          <a:prstGeom prst="rect">
+            <a:avLst/>
+          </a:prstGeom>
+          <a:solidFill>
+            <a:srgbClr val="FF99FF"/>
+          </a:solidFill>
+          <a:ln>
+            <a:solidFill>
+              <a:schemeClr val="tx1"/>
+            </a:solidFill>
+          </a:ln>
+        </p:spPr>
+        <p:style>
+          <a:lnRef idx="2">
+            <a:schemeClr val="accent1">
+              <a:shade val="50000"/>
+            </a:schemeClr>
+          </a:lnRef>
+          <a:fillRef idx="1">
+            <a:schemeClr val="accent1"/>
+          </a:fillRef>
+          <a:effectRef idx="0">
+            <a:schemeClr val="accent1"/>
+          </a:effectRef>
+          <a:fontRef idx="minor">
+            <a:schemeClr val="lt1"/>
+          </a:fontRef>
+        </p:style>
+        <p:txBody>
+          <a:bodyPr rtlCol="0" anchor="t" anchorCtr="0"/>
+          <a:lstStyle/>
+          <a:p>
+            <a:r>
+              <a:rPr lang="pt-BR" dirty="0">
+                <a:solidFill>
+                  <a:schemeClr val="tx1"/>
+                </a:solidFill>
+              </a:rPr>
+              <a:t>article</a:t>
+            </a:r>
+          </a:p>
+        </p:txBody>
+      </p:sp>
+      <p:cxnSp>
+        <p:nvCxnSpPr>
+          <p:cNvPr id="3" name="Conector reto 2">
+            <a:extLst>
+              <a:ext uri="{FF2B5EF4-FFF2-40B4-BE49-F238E27FC236}">
+                <a16:creationId xmlns:a16="http://schemas.microsoft.com/office/drawing/2014/main" id="{EE311458-FB29-4554-A775-994F97DD4FB4}"/>
+              </a:ext>
+            </a:extLst>
+          </p:cNvPr>
+          <p:cNvCxnSpPr>
+            <a:cxnSpLocks/>
+          </p:cNvCxnSpPr>
+          <p:nvPr/>
+        </p:nvCxnSpPr>
+        <p:spPr>
+          <a:xfrm>
+            <a:off x="1547664" y="1340768"/>
+            <a:ext cx="6336704" cy="0"/>
+          </a:xfrm>
+          <a:prstGeom prst="line">
+            <a:avLst/>
+          </a:prstGeom>
+          <a:ln w="12700" cap="flat">
+            <a:solidFill>
+              <a:schemeClr val="tx1"/>
+            </a:solidFill>
+            <a:headEnd type="arrow"/>
+            <a:tailEnd type="arrow"/>
+          </a:ln>
+        </p:spPr>
+        <p:style>
+          <a:lnRef idx="1">
+            <a:schemeClr val="accent1"/>
+          </a:lnRef>
+          <a:fillRef idx="0">
+            <a:schemeClr val="accent1"/>
+          </a:fillRef>
+          <a:effectRef idx="0">
+            <a:schemeClr val="accent1"/>
+          </a:effectRef>
+          <a:fontRef idx="minor">
+            <a:schemeClr val="tx1"/>
+          </a:fontRef>
+        </p:style>
+      </p:cxnSp>
+      <p:sp>
+        <p:nvSpPr>
+          <p:cNvPr id="4" name="CaixaDeTexto 3">
+            <a:extLst>
+              <a:ext uri="{FF2B5EF4-FFF2-40B4-BE49-F238E27FC236}">
+                <a16:creationId xmlns:a16="http://schemas.microsoft.com/office/drawing/2014/main" id="{9C0105E3-DB9F-4269-A456-9099FF8CE104}"/>
+              </a:ext>
+            </a:extLst>
+          </p:cNvPr>
+          <p:cNvSpPr txBox="1"/>
+          <p:nvPr/>
+        </p:nvSpPr>
+        <p:spPr>
+          <a:xfrm>
+            <a:off x="4499992" y="1043444"/>
+            <a:ext cx="752322" cy="369332"/>
+          </a:xfrm>
+          <a:prstGeom prst="rect">
+            <a:avLst/>
+          </a:prstGeom>
+          <a:noFill/>
+        </p:spPr>
+        <p:txBody>
+          <a:bodyPr wrap="none" rtlCol="0">
+            <a:spAutoFit/>
+          </a:bodyPr>
+          <a:lstStyle/>
+          <a:p>
+            <a:r>
+              <a:rPr lang="pt-BR" dirty="0"/>
+              <a:t>760px</a:t>
+            </a:r>
+          </a:p>
+        </p:txBody>
+      </p:sp>
+      <p:cxnSp>
+        <p:nvCxnSpPr>
+          <p:cNvPr id="13" name="Conector reto 12">
+            <a:extLst>
+              <a:ext uri="{FF2B5EF4-FFF2-40B4-BE49-F238E27FC236}">
+                <a16:creationId xmlns:a16="http://schemas.microsoft.com/office/drawing/2014/main" id="{A60741A4-4007-447A-82BD-2F3CB531E30F}"/>
+              </a:ext>
+            </a:extLst>
+          </p:cNvPr>
+          <p:cNvCxnSpPr>
+            <a:cxnSpLocks/>
+          </p:cNvCxnSpPr>
+          <p:nvPr/>
+        </p:nvCxnSpPr>
+        <p:spPr>
+          <a:xfrm>
+            <a:off x="1547664" y="2646204"/>
+            <a:ext cx="1872208" cy="0"/>
+          </a:xfrm>
+          <a:prstGeom prst="line">
+            <a:avLst/>
+          </a:prstGeom>
+          <a:ln w="12700" cap="flat">
+            <a:solidFill>
+              <a:schemeClr val="tx1"/>
+            </a:solidFill>
+            <a:headEnd type="arrow"/>
+            <a:tailEnd type="arrow"/>
+          </a:ln>
+        </p:spPr>
+        <p:style>
+          <a:lnRef idx="1">
+            <a:schemeClr val="accent1"/>
+          </a:lnRef>
+          <a:fillRef idx="0">
+            <a:schemeClr val="accent1"/>
+          </a:fillRef>
+          <a:effectRef idx="0">
+            <a:schemeClr val="accent1"/>
+          </a:effectRef>
+          <a:fontRef idx="minor">
+            <a:schemeClr val="tx1"/>
+          </a:fontRef>
+        </p:style>
+      </p:cxnSp>
+      <p:sp>
+        <p:nvSpPr>
+          <p:cNvPr id="14" name="CaixaDeTexto 13">
+            <a:extLst>
+              <a:ext uri="{FF2B5EF4-FFF2-40B4-BE49-F238E27FC236}">
+                <a16:creationId xmlns:a16="http://schemas.microsoft.com/office/drawing/2014/main" id="{C4D18C4E-0442-4A40-935F-A8C8885006E7}"/>
+              </a:ext>
+            </a:extLst>
+          </p:cNvPr>
+          <p:cNvSpPr txBox="1"/>
+          <p:nvPr/>
+        </p:nvSpPr>
+        <p:spPr>
+          <a:xfrm>
+            <a:off x="2163494" y="2348880"/>
+            <a:ext cx="752322" cy="369332"/>
+          </a:xfrm>
+          <a:prstGeom prst="rect">
+            <a:avLst/>
+          </a:prstGeom>
+          <a:noFill/>
+        </p:spPr>
+        <p:txBody>
+          <a:bodyPr wrap="none" rtlCol="0">
+            <a:spAutoFit/>
+          </a:bodyPr>
+          <a:lstStyle/>
+          <a:p>
+            <a:r>
+              <a:rPr lang="pt-BR" dirty="0"/>
+              <a:t>180px</a:t>
+            </a:r>
+          </a:p>
+        </p:txBody>
+      </p:sp>
+      <p:cxnSp>
+        <p:nvCxnSpPr>
+          <p:cNvPr id="16" name="Conector reto 15">
+            <a:extLst>
+              <a:ext uri="{FF2B5EF4-FFF2-40B4-BE49-F238E27FC236}">
+                <a16:creationId xmlns:a16="http://schemas.microsoft.com/office/drawing/2014/main" id="{3D2500CB-BA44-4633-94D4-8FAE697EB45E}"/>
+              </a:ext>
+            </a:extLst>
+          </p:cNvPr>
+          <p:cNvCxnSpPr>
+            <a:cxnSpLocks/>
+          </p:cNvCxnSpPr>
+          <p:nvPr/>
+        </p:nvCxnSpPr>
+        <p:spPr>
+          <a:xfrm>
+            <a:off x="3419872" y="2646204"/>
+            <a:ext cx="792088" cy="0"/>
+          </a:xfrm>
+          <a:prstGeom prst="line">
+            <a:avLst/>
+          </a:prstGeom>
+          <a:ln w="12700" cap="flat">
+            <a:solidFill>
+              <a:schemeClr val="tx1"/>
+            </a:solidFill>
+            <a:headEnd type="arrow"/>
+            <a:tailEnd type="arrow"/>
+          </a:ln>
+        </p:spPr>
+        <p:style>
+          <a:lnRef idx="1">
+            <a:schemeClr val="accent1"/>
+          </a:lnRef>
+          <a:fillRef idx="0">
+            <a:schemeClr val="accent1"/>
+          </a:fillRef>
+          <a:effectRef idx="0">
+            <a:schemeClr val="accent1"/>
+          </a:effectRef>
+          <a:fontRef idx="minor">
+            <a:schemeClr val="tx1"/>
+          </a:fontRef>
+        </p:style>
+      </p:cxnSp>
+      <p:sp>
+        <p:nvSpPr>
+          <p:cNvPr id="17" name="CaixaDeTexto 16">
+            <a:extLst>
+              <a:ext uri="{FF2B5EF4-FFF2-40B4-BE49-F238E27FC236}">
+                <a16:creationId xmlns:a16="http://schemas.microsoft.com/office/drawing/2014/main" id="{59241B82-5717-4247-A1D7-2D4A2BC4ED11}"/>
+              </a:ext>
+            </a:extLst>
+          </p:cNvPr>
+          <p:cNvSpPr txBox="1"/>
+          <p:nvPr/>
+        </p:nvSpPr>
+        <p:spPr>
+          <a:xfrm>
+            <a:off x="3491880" y="2339588"/>
+            <a:ext cx="635302" cy="369332"/>
+          </a:xfrm>
+          <a:prstGeom prst="rect">
+            <a:avLst/>
+          </a:prstGeom>
+          <a:noFill/>
+        </p:spPr>
+        <p:txBody>
+          <a:bodyPr wrap="square" rtlCol="0">
+            <a:spAutoFit/>
+          </a:bodyPr>
+          <a:lstStyle/>
+          <a:p>
+            <a:r>
+              <a:rPr lang="pt-BR" dirty="0"/>
+              <a:t>20px</a:t>
+            </a:r>
+          </a:p>
+        </p:txBody>
+      </p:sp>
+      <p:cxnSp>
+        <p:nvCxnSpPr>
+          <p:cNvPr id="19" name="Conector reto 18">
+            <a:extLst>
+              <a:ext uri="{FF2B5EF4-FFF2-40B4-BE49-F238E27FC236}">
+                <a16:creationId xmlns:a16="http://schemas.microsoft.com/office/drawing/2014/main" id="{870744D2-9083-47F0-AF16-B545A731333E}"/>
+              </a:ext>
+            </a:extLst>
+          </p:cNvPr>
+          <p:cNvCxnSpPr>
+            <a:cxnSpLocks/>
+          </p:cNvCxnSpPr>
+          <p:nvPr/>
+        </p:nvCxnSpPr>
+        <p:spPr>
+          <a:xfrm>
+            <a:off x="4211960" y="2646204"/>
+            <a:ext cx="3672408" cy="0"/>
+          </a:xfrm>
+          <a:prstGeom prst="line">
+            <a:avLst/>
+          </a:prstGeom>
+          <a:ln w="12700" cap="flat">
+            <a:solidFill>
+              <a:schemeClr val="tx1"/>
+            </a:solidFill>
+            <a:headEnd type="arrow"/>
+            <a:tailEnd type="arrow"/>
+          </a:ln>
+        </p:spPr>
+        <p:style>
+          <a:lnRef idx="1">
+            <a:schemeClr val="accent1"/>
+          </a:lnRef>
+          <a:fillRef idx="0">
+            <a:schemeClr val="accent1"/>
+          </a:fillRef>
+          <a:effectRef idx="0">
+            <a:schemeClr val="accent1"/>
+          </a:effectRef>
+          <a:fontRef idx="minor">
+            <a:schemeClr val="tx1"/>
+          </a:fontRef>
+        </p:style>
+      </p:cxnSp>
+      <p:sp>
+        <p:nvSpPr>
+          <p:cNvPr id="20" name="CaixaDeTexto 19">
+            <a:extLst>
+              <a:ext uri="{FF2B5EF4-FFF2-40B4-BE49-F238E27FC236}">
+                <a16:creationId xmlns:a16="http://schemas.microsoft.com/office/drawing/2014/main" id="{246BE72F-2EC5-4573-9FD6-2D06BEC5D8E2}"/>
+              </a:ext>
+            </a:extLst>
+          </p:cNvPr>
+          <p:cNvSpPr txBox="1"/>
+          <p:nvPr/>
+        </p:nvSpPr>
+        <p:spPr>
+          <a:xfrm>
+            <a:off x="5652120" y="2348880"/>
+            <a:ext cx="752322" cy="369332"/>
+          </a:xfrm>
+          <a:prstGeom prst="rect">
+            <a:avLst/>
+          </a:prstGeom>
+          <a:noFill/>
+        </p:spPr>
+        <p:txBody>
+          <a:bodyPr wrap="none" rtlCol="0">
+            <a:spAutoFit/>
+          </a:bodyPr>
+          <a:lstStyle/>
+          <a:p>
+            <a:r>
+              <a:rPr lang="pt-BR" dirty="0"/>
+              <a:t>560px</a:t>
+            </a:r>
+          </a:p>
+        </p:txBody>
+      </p:sp>
+    </p:spTree>
+    <p:extLst>
+      <p:ext uri="{BB962C8B-B14F-4D97-AF65-F5344CB8AC3E}">
+        <p14:creationId xmlns:p14="http://schemas.microsoft.com/office/powerpoint/2010/main" val="2478581105"/>
+      </p:ext>
+    </p:extLst>
+  </p:cSld>
+  <p:clrMapOvr>
+    <a:masterClrMapping/>
+  </p:clrMapOvr>
+</p:sld>
+</file>
+
+<file path=ppt/slides/slide5.xml><?xml version="1.0" encoding="utf-8"?>
+<p:sld xmlns:a="http://schemas.openxmlformats.org/drawingml/2006/main" xmlns:r="http://schemas.openxmlformats.org/officeDocument/2006/relationships" xmlns:p="http://schemas.openxmlformats.org/presentationml/2006/main">
+  <p:cSld>
+    <p:spTree>
+      <p:nvGrpSpPr>
+        <p:cNvPr id="1" name=""/>
+        <p:cNvGrpSpPr/>
+        <p:nvPr/>
+      </p:nvGrpSpPr>
+      <p:grpSpPr>
+        <a:xfrm>
+          <a:off x="0" y="0"/>
+          <a:ext cx="0" cy="0"/>
+          <a:chOff x="0" y="0"/>
+          <a:chExt cx="0" cy="0"/>
+        </a:xfrm>
+      </p:grpSpPr>
+      <p:sp>
+        <p:nvSpPr>
+          <p:cNvPr id="5" name="Retângulo 4"/>
+          <p:cNvSpPr/>
+          <p:nvPr/>
+        </p:nvSpPr>
+        <p:spPr>
+          <a:xfrm>
+            <a:off x="1556048" y="908720"/>
+            <a:ext cx="6328320" cy="639688"/>
+          </a:xfrm>
+          <a:prstGeom prst="rect">
+            <a:avLst/>
+          </a:prstGeom>
+          <a:solidFill>
+            <a:schemeClr val="bg1">
+              <a:lumMod val="85000"/>
+            </a:schemeClr>
+          </a:solidFill>
+          <a:ln>
+            <a:solidFill>
+              <a:schemeClr val="tx1"/>
+            </a:solidFill>
+          </a:ln>
+        </p:spPr>
+        <p:style>
+          <a:lnRef idx="2">
+            <a:schemeClr val="accent1">
+              <a:shade val="50000"/>
+            </a:schemeClr>
+          </a:lnRef>
+          <a:fillRef idx="1">
+            <a:schemeClr val="accent1"/>
+          </a:fillRef>
+          <a:effectRef idx="0">
+            <a:schemeClr val="accent1"/>
+          </a:effectRef>
+          <a:fontRef idx="minor">
+            <a:schemeClr val="lt1"/>
+          </a:fontRef>
+        </p:style>
+        <p:txBody>
+          <a:bodyPr rtlCol="0" anchor="t" anchorCtr="0"/>
+          <a:lstStyle/>
+          <a:p>
+            <a:r>
+              <a:rPr lang="pt-BR" dirty="0">
+                <a:solidFill>
+                  <a:schemeClr val="tx1"/>
+                </a:solidFill>
+              </a:rPr>
+              <a:t>header</a:t>
+            </a:r>
+          </a:p>
+        </p:txBody>
+      </p:sp>
+      <p:sp>
+        <p:nvSpPr>
+          <p:cNvPr id="6" name="Retângulo 5"/>
+          <p:cNvSpPr/>
+          <p:nvPr/>
+        </p:nvSpPr>
+        <p:spPr>
+          <a:xfrm>
+            <a:off x="1547664" y="1700808"/>
+            <a:ext cx="1872208" cy="1152128"/>
+          </a:xfrm>
+          <a:prstGeom prst="rect">
+            <a:avLst/>
+          </a:prstGeom>
+          <a:solidFill>
+            <a:srgbClr val="FFFF00"/>
+          </a:solidFill>
+          <a:ln>
+            <a:solidFill>
+              <a:schemeClr val="tx1"/>
+            </a:solidFill>
+          </a:ln>
+        </p:spPr>
+        <p:style>
+          <a:lnRef idx="2">
+            <a:schemeClr val="accent1">
+              <a:shade val="50000"/>
+            </a:schemeClr>
+          </a:lnRef>
+          <a:fillRef idx="1">
+            <a:schemeClr val="accent1"/>
+          </a:fillRef>
+          <a:effectRef idx="0">
+            <a:schemeClr val="accent1"/>
+          </a:effectRef>
+          <a:fontRef idx="minor">
+            <a:schemeClr val="lt1"/>
+          </a:fontRef>
+        </p:style>
+        <p:txBody>
+          <a:bodyPr rtlCol="0" anchor="t" anchorCtr="0"/>
+          <a:lstStyle/>
+          <a:p>
+            <a:r>
+              <a:rPr lang="pt-BR" dirty="0">
+                <a:solidFill>
+                  <a:schemeClr val="tx1"/>
+                </a:solidFill>
+              </a:rPr>
+              <a:t>nav</a:t>
+            </a:r>
+          </a:p>
+        </p:txBody>
+      </p:sp>
+      <p:sp>
+        <p:nvSpPr>
+          <p:cNvPr id="7" name="Retângulo 6"/>
+          <p:cNvSpPr/>
+          <p:nvPr/>
+        </p:nvSpPr>
+        <p:spPr>
+          <a:xfrm>
+            <a:off x="4211960" y="1700808"/>
+            <a:ext cx="3672408" cy="2304256"/>
+          </a:xfrm>
+          <a:prstGeom prst="rect">
+            <a:avLst/>
+          </a:prstGeom>
+          <a:solidFill>
+            <a:srgbClr val="FF99FF"/>
+          </a:solidFill>
+          <a:ln>
+            <a:solidFill>
+              <a:schemeClr val="tx1"/>
+            </a:solidFill>
+          </a:ln>
+        </p:spPr>
+        <p:style>
+          <a:lnRef idx="2">
+            <a:schemeClr val="accent1">
+              <a:shade val="50000"/>
+            </a:schemeClr>
+          </a:lnRef>
+          <a:fillRef idx="1">
+            <a:schemeClr val="accent1"/>
+          </a:fillRef>
+          <a:effectRef idx="0">
+            <a:schemeClr val="accent1"/>
+          </a:effectRef>
+          <a:fontRef idx="minor">
+            <a:schemeClr val="lt1"/>
+          </a:fontRef>
+        </p:style>
+        <p:txBody>
+          <a:bodyPr rtlCol="0" anchor="t" anchorCtr="0"/>
+          <a:lstStyle/>
+          <a:p>
+            <a:r>
+              <a:rPr lang="pt-BR" dirty="0">
+                <a:solidFill>
+                  <a:schemeClr val="tx1"/>
+                </a:solidFill>
+              </a:rPr>
+              <a:t>article</a:t>
+            </a:r>
+          </a:p>
+        </p:txBody>
+      </p:sp>
+      <p:cxnSp>
+        <p:nvCxnSpPr>
+          <p:cNvPr id="3" name="Conector reto 2">
+            <a:extLst>
+              <a:ext uri="{FF2B5EF4-FFF2-40B4-BE49-F238E27FC236}">
+                <a16:creationId xmlns:a16="http://schemas.microsoft.com/office/drawing/2014/main" id="{EE311458-FB29-4554-A775-994F97DD4FB4}"/>
+              </a:ext>
+            </a:extLst>
+          </p:cNvPr>
+          <p:cNvCxnSpPr>
+            <a:cxnSpLocks/>
+          </p:cNvCxnSpPr>
+          <p:nvPr/>
+        </p:nvCxnSpPr>
+        <p:spPr>
+          <a:xfrm>
+            <a:off x="1547664" y="1340768"/>
+            <a:ext cx="6336704" cy="0"/>
+          </a:xfrm>
+          <a:prstGeom prst="line">
+            <a:avLst/>
+          </a:prstGeom>
+          <a:ln w="12700" cap="flat">
+            <a:solidFill>
+              <a:schemeClr val="tx1"/>
+            </a:solidFill>
+            <a:headEnd type="arrow"/>
+            <a:tailEnd type="arrow"/>
+          </a:ln>
+        </p:spPr>
+        <p:style>
+          <a:lnRef idx="1">
+            <a:schemeClr val="accent1"/>
+          </a:lnRef>
+          <a:fillRef idx="0">
+            <a:schemeClr val="accent1"/>
+          </a:fillRef>
+          <a:effectRef idx="0">
+            <a:schemeClr val="accent1"/>
+          </a:effectRef>
+          <a:fontRef idx="minor">
+            <a:schemeClr val="tx1"/>
+          </a:fontRef>
+        </p:style>
+      </p:cxnSp>
+      <p:sp>
+        <p:nvSpPr>
+          <p:cNvPr id="4" name="CaixaDeTexto 3">
+            <a:extLst>
+              <a:ext uri="{FF2B5EF4-FFF2-40B4-BE49-F238E27FC236}">
+                <a16:creationId xmlns:a16="http://schemas.microsoft.com/office/drawing/2014/main" id="{9C0105E3-DB9F-4269-A456-9099FF8CE104}"/>
+              </a:ext>
+            </a:extLst>
+          </p:cNvPr>
+          <p:cNvSpPr txBox="1"/>
+          <p:nvPr/>
+        </p:nvSpPr>
+        <p:spPr>
+          <a:xfrm>
+            <a:off x="4499992" y="1043444"/>
+            <a:ext cx="752322" cy="369332"/>
+          </a:xfrm>
+          <a:prstGeom prst="rect">
+            <a:avLst/>
+          </a:prstGeom>
+          <a:noFill/>
+        </p:spPr>
+        <p:txBody>
+          <a:bodyPr wrap="none" rtlCol="0">
+            <a:spAutoFit/>
+          </a:bodyPr>
+          <a:lstStyle/>
+          <a:p>
+            <a:r>
+              <a:rPr lang="pt-BR" dirty="0"/>
+              <a:t>760px</a:t>
+            </a:r>
+          </a:p>
+        </p:txBody>
+      </p:sp>
+      <p:cxnSp>
+        <p:nvCxnSpPr>
+          <p:cNvPr id="13" name="Conector reto 12">
+            <a:extLst>
+              <a:ext uri="{FF2B5EF4-FFF2-40B4-BE49-F238E27FC236}">
+                <a16:creationId xmlns:a16="http://schemas.microsoft.com/office/drawing/2014/main" id="{A60741A4-4007-447A-82BD-2F3CB531E30F}"/>
+              </a:ext>
+            </a:extLst>
+          </p:cNvPr>
+          <p:cNvCxnSpPr>
+            <a:cxnSpLocks/>
+          </p:cNvCxnSpPr>
+          <p:nvPr/>
+        </p:nvCxnSpPr>
+        <p:spPr>
+          <a:xfrm>
+            <a:off x="1547664" y="5157192"/>
+            <a:ext cx="1872208" cy="0"/>
+          </a:xfrm>
+          <a:prstGeom prst="line">
+            <a:avLst/>
+          </a:prstGeom>
+          <a:ln w="12700" cap="flat">
+            <a:solidFill>
+              <a:schemeClr val="tx1"/>
+            </a:solidFill>
+            <a:headEnd type="arrow"/>
+            <a:tailEnd type="arrow"/>
+          </a:ln>
+        </p:spPr>
+        <p:style>
+          <a:lnRef idx="1">
+            <a:schemeClr val="accent1"/>
+          </a:lnRef>
+          <a:fillRef idx="0">
+            <a:schemeClr val="accent1"/>
+          </a:fillRef>
+          <a:effectRef idx="0">
+            <a:schemeClr val="accent1"/>
+          </a:effectRef>
+          <a:fontRef idx="minor">
+            <a:schemeClr val="tx1"/>
+          </a:fontRef>
+        </p:style>
+      </p:cxnSp>
+      <p:sp>
+        <p:nvSpPr>
+          <p:cNvPr id="14" name="CaixaDeTexto 13">
+            <a:extLst>
+              <a:ext uri="{FF2B5EF4-FFF2-40B4-BE49-F238E27FC236}">
+                <a16:creationId xmlns:a16="http://schemas.microsoft.com/office/drawing/2014/main" id="{C4D18C4E-0442-4A40-935F-A8C8885006E7}"/>
+              </a:ext>
+            </a:extLst>
+          </p:cNvPr>
+          <p:cNvSpPr txBox="1"/>
+          <p:nvPr/>
+        </p:nvSpPr>
+        <p:spPr>
+          <a:xfrm>
+            <a:off x="2163494" y="5094476"/>
+            <a:ext cx="752322" cy="369332"/>
+          </a:xfrm>
+          <a:prstGeom prst="rect">
+            <a:avLst/>
+          </a:prstGeom>
+          <a:noFill/>
+        </p:spPr>
+        <p:txBody>
+          <a:bodyPr wrap="none" rtlCol="0">
+            <a:spAutoFit/>
+          </a:bodyPr>
+          <a:lstStyle/>
+          <a:p>
+            <a:r>
+              <a:rPr lang="pt-BR" dirty="0"/>
+              <a:t>180px</a:t>
+            </a:r>
+          </a:p>
+        </p:txBody>
+      </p:sp>
+      <p:cxnSp>
+        <p:nvCxnSpPr>
+          <p:cNvPr id="16" name="Conector reto 15">
+            <a:extLst>
+              <a:ext uri="{FF2B5EF4-FFF2-40B4-BE49-F238E27FC236}">
+                <a16:creationId xmlns:a16="http://schemas.microsoft.com/office/drawing/2014/main" id="{3D2500CB-BA44-4633-94D4-8FAE697EB45E}"/>
+              </a:ext>
+            </a:extLst>
+          </p:cNvPr>
+          <p:cNvCxnSpPr>
+            <a:cxnSpLocks/>
+          </p:cNvCxnSpPr>
+          <p:nvPr/>
+        </p:nvCxnSpPr>
+        <p:spPr>
+          <a:xfrm>
+            <a:off x="3419872" y="5157192"/>
+            <a:ext cx="792088" cy="0"/>
+          </a:xfrm>
+          <a:prstGeom prst="line">
+            <a:avLst/>
+          </a:prstGeom>
+          <a:ln w="12700" cap="flat">
+            <a:solidFill>
+              <a:schemeClr val="tx1"/>
+            </a:solidFill>
+            <a:headEnd type="arrow"/>
+            <a:tailEnd type="arrow"/>
+          </a:ln>
+        </p:spPr>
+        <p:style>
+          <a:lnRef idx="1">
+            <a:schemeClr val="accent1"/>
+          </a:lnRef>
+          <a:fillRef idx="0">
+            <a:schemeClr val="accent1"/>
+          </a:fillRef>
+          <a:effectRef idx="0">
+            <a:schemeClr val="accent1"/>
+          </a:effectRef>
+          <a:fontRef idx="minor">
+            <a:schemeClr val="tx1"/>
+          </a:fontRef>
+        </p:style>
+      </p:cxnSp>
+      <p:sp>
+        <p:nvSpPr>
+          <p:cNvPr id="17" name="CaixaDeTexto 16">
+            <a:extLst>
+              <a:ext uri="{FF2B5EF4-FFF2-40B4-BE49-F238E27FC236}">
+                <a16:creationId xmlns:a16="http://schemas.microsoft.com/office/drawing/2014/main" id="{59241B82-5717-4247-A1D7-2D4A2BC4ED11}"/>
+              </a:ext>
+            </a:extLst>
+          </p:cNvPr>
+          <p:cNvSpPr txBox="1"/>
+          <p:nvPr/>
+        </p:nvSpPr>
+        <p:spPr>
+          <a:xfrm>
+            <a:off x="3491880" y="5085184"/>
+            <a:ext cx="635302" cy="369332"/>
+          </a:xfrm>
+          <a:prstGeom prst="rect">
+            <a:avLst/>
+          </a:prstGeom>
+          <a:noFill/>
+        </p:spPr>
+        <p:txBody>
+          <a:bodyPr wrap="square" rtlCol="0">
+            <a:spAutoFit/>
+          </a:bodyPr>
+          <a:lstStyle/>
+          <a:p>
+            <a:r>
+              <a:rPr lang="pt-BR" dirty="0"/>
+              <a:t>20px</a:t>
+            </a:r>
+          </a:p>
+        </p:txBody>
+      </p:sp>
+      <p:cxnSp>
+        <p:nvCxnSpPr>
+          <p:cNvPr id="19" name="Conector reto 18">
+            <a:extLst>
+              <a:ext uri="{FF2B5EF4-FFF2-40B4-BE49-F238E27FC236}">
+                <a16:creationId xmlns:a16="http://schemas.microsoft.com/office/drawing/2014/main" id="{870744D2-9083-47F0-AF16-B545A731333E}"/>
+              </a:ext>
+            </a:extLst>
+          </p:cNvPr>
+          <p:cNvCxnSpPr>
+            <a:cxnSpLocks/>
+          </p:cNvCxnSpPr>
+          <p:nvPr/>
+        </p:nvCxnSpPr>
+        <p:spPr>
+          <a:xfrm>
+            <a:off x="4211960" y="5157192"/>
+            <a:ext cx="3672408" cy="0"/>
+          </a:xfrm>
+          <a:prstGeom prst="line">
+            <a:avLst/>
+          </a:prstGeom>
+          <a:ln w="12700" cap="flat">
+            <a:solidFill>
+              <a:schemeClr val="tx1"/>
+            </a:solidFill>
+            <a:headEnd type="arrow"/>
+            <a:tailEnd type="arrow"/>
+          </a:ln>
+        </p:spPr>
+        <p:style>
+          <a:lnRef idx="1">
+            <a:schemeClr val="accent1"/>
+          </a:lnRef>
+          <a:fillRef idx="0">
+            <a:schemeClr val="accent1"/>
+          </a:fillRef>
+          <a:effectRef idx="0">
+            <a:schemeClr val="accent1"/>
+          </a:effectRef>
+          <a:fontRef idx="minor">
+            <a:schemeClr val="tx1"/>
+          </a:fontRef>
+        </p:style>
+      </p:cxnSp>
+      <p:sp>
+        <p:nvSpPr>
+          <p:cNvPr id="20" name="CaixaDeTexto 19">
+            <a:extLst>
+              <a:ext uri="{FF2B5EF4-FFF2-40B4-BE49-F238E27FC236}">
+                <a16:creationId xmlns:a16="http://schemas.microsoft.com/office/drawing/2014/main" id="{246BE72F-2EC5-4573-9FD6-2D06BEC5D8E2}"/>
+              </a:ext>
+            </a:extLst>
+          </p:cNvPr>
+          <p:cNvSpPr txBox="1"/>
+          <p:nvPr/>
+        </p:nvSpPr>
+        <p:spPr>
+          <a:xfrm>
+            <a:off x="5652120" y="5094476"/>
+            <a:ext cx="752322" cy="369332"/>
+          </a:xfrm>
+          <a:prstGeom prst="rect">
+            <a:avLst/>
+          </a:prstGeom>
+          <a:noFill/>
+        </p:spPr>
+        <p:txBody>
+          <a:bodyPr wrap="none" rtlCol="0">
+            <a:spAutoFit/>
+          </a:bodyPr>
+          <a:lstStyle/>
+          <a:p>
+            <a:r>
+              <a:rPr lang="pt-BR" dirty="0"/>
+              <a:t>560px</a:t>
+            </a:r>
+          </a:p>
+        </p:txBody>
+      </p:sp>
+      <p:cxnSp>
+        <p:nvCxnSpPr>
+          <p:cNvPr id="8" name="Conector reto 7">
+            <a:extLst>
+              <a:ext uri="{FF2B5EF4-FFF2-40B4-BE49-F238E27FC236}">
+                <a16:creationId xmlns:a16="http://schemas.microsoft.com/office/drawing/2014/main" id="{E39B21C4-276C-4B06-8B9E-A87BC2A8DA8F}"/>
+              </a:ext>
+            </a:extLst>
+          </p:cNvPr>
+          <p:cNvCxnSpPr>
+            <a:cxnSpLocks/>
+          </p:cNvCxnSpPr>
+          <p:nvPr/>
+        </p:nvCxnSpPr>
+        <p:spPr>
+          <a:xfrm flipV="1">
+            <a:off x="1556048" y="2924944"/>
+            <a:ext cx="0" cy="2376264"/>
+          </a:xfrm>
+          <a:prstGeom prst="line">
+            <a:avLst/>
+          </a:prstGeom>
+          <a:ln w="12700">
+            <a:solidFill>
+              <a:schemeClr val="tx1"/>
+            </a:solidFill>
+            <a:prstDash val="dash"/>
+          </a:ln>
+        </p:spPr>
+        <p:style>
+          <a:lnRef idx="1">
+            <a:schemeClr val="accent1"/>
+          </a:lnRef>
+          <a:fillRef idx="0">
+            <a:schemeClr val="accent1"/>
+          </a:fillRef>
+          <a:effectRef idx="0">
+            <a:schemeClr val="accent1"/>
+          </a:effectRef>
+          <a:fontRef idx="minor">
+            <a:schemeClr val="tx1"/>
+          </a:fontRef>
+        </p:style>
+      </p:cxnSp>
+      <p:cxnSp>
+        <p:nvCxnSpPr>
+          <p:cNvPr id="18" name="Conector reto 17">
+            <a:extLst>
+              <a:ext uri="{FF2B5EF4-FFF2-40B4-BE49-F238E27FC236}">
+                <a16:creationId xmlns:a16="http://schemas.microsoft.com/office/drawing/2014/main" id="{4F6179E8-47D3-47F3-B591-ACCCCB46F352}"/>
+              </a:ext>
+            </a:extLst>
+          </p:cNvPr>
+          <p:cNvCxnSpPr>
+            <a:cxnSpLocks/>
+          </p:cNvCxnSpPr>
+          <p:nvPr/>
+        </p:nvCxnSpPr>
+        <p:spPr>
+          <a:xfrm flipV="1">
+            <a:off x="3419872" y="2924944"/>
+            <a:ext cx="0" cy="2376264"/>
+          </a:xfrm>
+          <a:prstGeom prst="line">
+            <a:avLst/>
+          </a:prstGeom>
+          <a:ln w="12700">
+            <a:solidFill>
+              <a:schemeClr val="tx1"/>
+            </a:solidFill>
+            <a:prstDash val="dash"/>
+          </a:ln>
+        </p:spPr>
+        <p:style>
+          <a:lnRef idx="1">
+            <a:schemeClr val="accent1"/>
+          </a:lnRef>
+          <a:fillRef idx="0">
+            <a:schemeClr val="accent1"/>
+          </a:fillRef>
+          <a:effectRef idx="0">
+            <a:schemeClr val="accent1"/>
+          </a:effectRef>
+          <a:fontRef idx="minor">
+            <a:schemeClr val="tx1"/>
+          </a:fontRef>
+        </p:style>
+      </p:cxnSp>
+      <p:cxnSp>
+        <p:nvCxnSpPr>
+          <p:cNvPr id="21" name="Conector reto 20">
+            <a:extLst>
+              <a:ext uri="{FF2B5EF4-FFF2-40B4-BE49-F238E27FC236}">
+                <a16:creationId xmlns:a16="http://schemas.microsoft.com/office/drawing/2014/main" id="{4AF82FDA-7290-40E7-8738-6D3FD9334711}"/>
+              </a:ext>
+            </a:extLst>
+          </p:cNvPr>
+          <p:cNvCxnSpPr>
+            <a:cxnSpLocks/>
+          </p:cNvCxnSpPr>
+          <p:nvPr/>
+        </p:nvCxnSpPr>
+        <p:spPr>
+          <a:xfrm flipV="1">
+            <a:off x="4211960" y="4130496"/>
+            <a:ext cx="0" cy="1170712"/>
+          </a:xfrm>
+          <a:prstGeom prst="line">
+            <a:avLst/>
+          </a:prstGeom>
+          <a:ln w="12700">
+            <a:solidFill>
+              <a:schemeClr val="tx1"/>
+            </a:solidFill>
+            <a:prstDash val="dash"/>
+          </a:ln>
+        </p:spPr>
+        <p:style>
+          <a:lnRef idx="1">
+            <a:schemeClr val="accent1"/>
+          </a:lnRef>
+          <a:fillRef idx="0">
+            <a:schemeClr val="accent1"/>
+          </a:fillRef>
+          <a:effectRef idx="0">
+            <a:schemeClr val="accent1"/>
+          </a:effectRef>
+          <a:fontRef idx="minor">
+            <a:schemeClr val="tx1"/>
+          </a:fontRef>
+        </p:style>
+      </p:cxnSp>
+      <p:cxnSp>
+        <p:nvCxnSpPr>
+          <p:cNvPr id="22" name="Conector reto 21">
+            <a:extLst>
+              <a:ext uri="{FF2B5EF4-FFF2-40B4-BE49-F238E27FC236}">
+                <a16:creationId xmlns:a16="http://schemas.microsoft.com/office/drawing/2014/main" id="{19E8A5C8-D859-40BB-ADD8-C0DA6EC314FC}"/>
+              </a:ext>
+            </a:extLst>
+          </p:cNvPr>
+          <p:cNvCxnSpPr>
+            <a:cxnSpLocks/>
+          </p:cNvCxnSpPr>
+          <p:nvPr/>
+        </p:nvCxnSpPr>
+        <p:spPr>
+          <a:xfrm flipV="1">
+            <a:off x="7884368" y="4149080"/>
+            <a:ext cx="0" cy="1170712"/>
+          </a:xfrm>
+          <a:prstGeom prst="line">
+            <a:avLst/>
+          </a:prstGeom>
+          <a:ln w="12700">
+            <a:solidFill>
+              <a:schemeClr val="tx1"/>
+            </a:solidFill>
+            <a:prstDash val="dash"/>
+          </a:ln>
+        </p:spPr>
+        <p:style>
+          <a:lnRef idx="1">
+            <a:schemeClr val="accent1"/>
+          </a:lnRef>
+          <a:fillRef idx="0">
+            <a:schemeClr val="accent1"/>
+          </a:fillRef>
+          <a:effectRef idx="0">
+            <a:schemeClr val="accent1"/>
+          </a:effectRef>
+          <a:fontRef idx="minor">
+            <a:schemeClr val="tx1"/>
+          </a:fontRef>
+        </p:style>
+      </p:cxnSp>
+      <p:sp>
+        <p:nvSpPr>
+          <p:cNvPr id="23" name="Retângulo 22">
+            <a:extLst>
+              <a:ext uri="{FF2B5EF4-FFF2-40B4-BE49-F238E27FC236}">
+                <a16:creationId xmlns:a16="http://schemas.microsoft.com/office/drawing/2014/main" id="{746EF3C0-6088-4E5C-B42C-FE89C5806ECF}"/>
+              </a:ext>
+            </a:extLst>
+          </p:cNvPr>
+          <p:cNvSpPr/>
+          <p:nvPr/>
+        </p:nvSpPr>
+        <p:spPr>
+          <a:xfrm>
+            <a:off x="1907704" y="1916832"/>
+            <a:ext cx="1152128" cy="710789"/>
+          </a:xfrm>
+          <a:prstGeom prst="rect">
+            <a:avLst/>
+          </a:prstGeom>
+          <a:noFill/>
+          <a:ln w="12700">
+            <a:solidFill>
+              <a:schemeClr val="tx1"/>
+            </a:solidFill>
+            <a:prstDash val="dash"/>
+          </a:ln>
+        </p:spPr>
+        <p:style>
+          <a:lnRef idx="2">
+            <a:schemeClr val="accent1">
+              <a:shade val="50000"/>
+            </a:schemeClr>
+          </a:lnRef>
+          <a:fillRef idx="1">
+            <a:schemeClr val="accent1"/>
+          </a:fillRef>
+          <a:effectRef idx="0">
+            <a:schemeClr val="accent1"/>
+          </a:effectRef>
+          <a:fontRef idx="minor">
+            <a:schemeClr val="lt1"/>
+          </a:fontRef>
+        </p:style>
+        <p:txBody>
+          <a:bodyPr rtlCol="0" anchor="ctr"/>
+          <a:lstStyle/>
+          <a:p>
+            <a:pPr algn="ctr"/>
+            <a:endParaRPr lang="pt-BR"/>
+          </a:p>
+        </p:txBody>
+      </p:sp>
+      <p:sp>
+        <p:nvSpPr>
+          <p:cNvPr id="24" name="Retângulo 23">
+            <a:extLst>
+              <a:ext uri="{FF2B5EF4-FFF2-40B4-BE49-F238E27FC236}">
+                <a16:creationId xmlns:a16="http://schemas.microsoft.com/office/drawing/2014/main" id="{D10941D4-CCA9-4E93-A91B-CF2C34FFA487}"/>
+              </a:ext>
+            </a:extLst>
+          </p:cNvPr>
+          <p:cNvSpPr/>
+          <p:nvPr/>
+        </p:nvSpPr>
+        <p:spPr>
+          <a:xfrm>
+            <a:off x="4716016" y="2060375"/>
+            <a:ext cx="2592288" cy="1593942"/>
+          </a:xfrm>
+          <a:prstGeom prst="rect">
+            <a:avLst/>
+          </a:prstGeom>
+          <a:noFill/>
+          <a:ln w="12700">
+            <a:solidFill>
+              <a:schemeClr val="tx1"/>
+            </a:solidFill>
+            <a:prstDash val="dash"/>
+          </a:ln>
+        </p:spPr>
+        <p:style>
+          <a:lnRef idx="2">
+            <a:schemeClr val="accent1">
+              <a:shade val="50000"/>
+            </a:schemeClr>
+          </a:lnRef>
+          <a:fillRef idx="1">
+            <a:schemeClr val="accent1"/>
+          </a:fillRef>
+          <a:effectRef idx="0">
+            <a:schemeClr val="accent1"/>
+          </a:effectRef>
+          <a:fontRef idx="minor">
+            <a:schemeClr val="lt1"/>
+          </a:fontRef>
+        </p:style>
+        <p:txBody>
+          <a:bodyPr rtlCol="0" anchor="ctr"/>
+          <a:lstStyle/>
+          <a:p>
+            <a:pPr algn="ctr"/>
+            <a:endParaRPr lang="pt-BR"/>
+          </a:p>
+        </p:txBody>
+      </p:sp>
+      <p:cxnSp>
+        <p:nvCxnSpPr>
+          <p:cNvPr id="25" name="Conector reto 24">
+            <a:extLst>
+              <a:ext uri="{FF2B5EF4-FFF2-40B4-BE49-F238E27FC236}">
+                <a16:creationId xmlns:a16="http://schemas.microsoft.com/office/drawing/2014/main" id="{A2C3AB6D-1CE4-47D0-A819-D0EA459E4F6C}"/>
+              </a:ext>
+            </a:extLst>
+          </p:cNvPr>
+          <p:cNvCxnSpPr>
+            <a:cxnSpLocks/>
+          </p:cNvCxnSpPr>
+          <p:nvPr/>
+        </p:nvCxnSpPr>
+        <p:spPr>
+          <a:xfrm>
+            <a:off x="1547664" y="4645224"/>
+            <a:ext cx="1872208" cy="0"/>
+          </a:xfrm>
+          <a:prstGeom prst="line">
+            <a:avLst/>
+          </a:prstGeom>
+          <a:ln w="12700" cap="flat">
+            <a:solidFill>
+              <a:schemeClr val="tx1"/>
+            </a:solidFill>
+            <a:headEnd type="arrow"/>
+            <a:tailEnd type="arrow"/>
+          </a:ln>
+        </p:spPr>
+        <p:style>
+          <a:lnRef idx="1">
+            <a:schemeClr val="accent1"/>
+          </a:lnRef>
+          <a:fillRef idx="0">
+            <a:schemeClr val="accent1"/>
+          </a:fillRef>
+          <a:effectRef idx="0">
+            <a:schemeClr val="accent1"/>
+          </a:effectRef>
+          <a:fontRef idx="minor">
+            <a:schemeClr val="tx1"/>
+          </a:fontRef>
+        </p:style>
+      </p:cxnSp>
+      <p:sp>
+        <p:nvSpPr>
+          <p:cNvPr id="26" name="CaixaDeTexto 25">
+            <a:extLst>
+              <a:ext uri="{FF2B5EF4-FFF2-40B4-BE49-F238E27FC236}">
+                <a16:creationId xmlns:a16="http://schemas.microsoft.com/office/drawing/2014/main" id="{910F11F6-5768-4968-A1F2-D0B5E867E15D}"/>
+              </a:ext>
+            </a:extLst>
+          </p:cNvPr>
+          <p:cNvSpPr txBox="1"/>
+          <p:nvPr/>
+        </p:nvSpPr>
+        <p:spPr>
+          <a:xfrm>
+            <a:off x="2163494" y="4347900"/>
+            <a:ext cx="752322" cy="369332"/>
+          </a:xfrm>
+          <a:prstGeom prst="rect">
+            <a:avLst/>
+          </a:prstGeom>
+          <a:noFill/>
+        </p:spPr>
+        <p:txBody>
+          <a:bodyPr wrap="none" rtlCol="0">
+            <a:spAutoFit/>
+          </a:bodyPr>
+          <a:lstStyle/>
+          <a:p>
+            <a:r>
+              <a:rPr lang="pt-BR" dirty="0"/>
+              <a:t>172px</a:t>
+            </a:r>
+          </a:p>
+        </p:txBody>
+      </p:sp>
+      <p:cxnSp>
+        <p:nvCxnSpPr>
+          <p:cNvPr id="27" name="Conector reto 26">
+            <a:extLst>
+              <a:ext uri="{FF2B5EF4-FFF2-40B4-BE49-F238E27FC236}">
+                <a16:creationId xmlns:a16="http://schemas.microsoft.com/office/drawing/2014/main" id="{CC74A9C8-DC61-4935-9DE4-73C905C9CAF5}"/>
+              </a:ext>
+            </a:extLst>
+          </p:cNvPr>
+          <p:cNvCxnSpPr>
+            <a:cxnSpLocks/>
+          </p:cNvCxnSpPr>
+          <p:nvPr/>
+        </p:nvCxnSpPr>
+        <p:spPr>
+          <a:xfrm>
+            <a:off x="3419872" y="4645224"/>
+            <a:ext cx="792088" cy="0"/>
+          </a:xfrm>
+          <a:prstGeom prst="line">
+            <a:avLst/>
+          </a:prstGeom>
+          <a:ln w="12700" cap="flat">
+            <a:solidFill>
+              <a:schemeClr val="tx1"/>
+            </a:solidFill>
+            <a:headEnd type="arrow"/>
+            <a:tailEnd type="arrow"/>
+          </a:ln>
+        </p:spPr>
+        <p:style>
+          <a:lnRef idx="1">
+            <a:schemeClr val="accent1"/>
+          </a:lnRef>
+          <a:fillRef idx="0">
+            <a:schemeClr val="accent1"/>
+          </a:fillRef>
+          <a:effectRef idx="0">
+            <a:schemeClr val="accent1"/>
+          </a:effectRef>
+          <a:fontRef idx="minor">
+            <a:schemeClr val="tx1"/>
+          </a:fontRef>
+        </p:style>
+      </p:cxnSp>
+      <p:sp>
+        <p:nvSpPr>
+          <p:cNvPr id="28" name="CaixaDeTexto 27">
+            <a:extLst>
+              <a:ext uri="{FF2B5EF4-FFF2-40B4-BE49-F238E27FC236}">
+                <a16:creationId xmlns:a16="http://schemas.microsoft.com/office/drawing/2014/main" id="{8A9C06D0-4124-4B37-9F8F-BAF9609ED3D6}"/>
+              </a:ext>
+            </a:extLst>
+          </p:cNvPr>
+          <p:cNvSpPr txBox="1"/>
+          <p:nvPr/>
+        </p:nvSpPr>
+        <p:spPr>
+          <a:xfrm>
+            <a:off x="3491880" y="4338608"/>
+            <a:ext cx="635302" cy="369332"/>
+          </a:xfrm>
+          <a:prstGeom prst="rect">
+            <a:avLst/>
+          </a:prstGeom>
+          <a:noFill/>
+        </p:spPr>
+        <p:txBody>
+          <a:bodyPr wrap="square" rtlCol="0">
+            <a:spAutoFit/>
+          </a:bodyPr>
+          <a:lstStyle/>
+          <a:p>
+            <a:r>
+              <a:rPr lang="pt-BR" dirty="0"/>
+              <a:t>20px</a:t>
+            </a:r>
+          </a:p>
+        </p:txBody>
+      </p:sp>
+      <p:cxnSp>
+        <p:nvCxnSpPr>
+          <p:cNvPr id="29" name="Conector reto 28">
+            <a:extLst>
+              <a:ext uri="{FF2B5EF4-FFF2-40B4-BE49-F238E27FC236}">
+                <a16:creationId xmlns:a16="http://schemas.microsoft.com/office/drawing/2014/main" id="{A8FFAA45-39BE-43F5-8DB1-5CD70CB33B58}"/>
+              </a:ext>
+            </a:extLst>
+          </p:cNvPr>
+          <p:cNvCxnSpPr>
+            <a:cxnSpLocks/>
+          </p:cNvCxnSpPr>
+          <p:nvPr/>
+        </p:nvCxnSpPr>
+        <p:spPr>
+          <a:xfrm>
+            <a:off x="7308303" y="4645224"/>
+            <a:ext cx="576065" cy="0"/>
+          </a:xfrm>
+          <a:prstGeom prst="line">
+            <a:avLst/>
+          </a:prstGeom>
+          <a:ln w="12700" cap="flat">
+            <a:solidFill>
+              <a:schemeClr val="tx1"/>
+            </a:solidFill>
+            <a:headEnd type="arrow"/>
+            <a:tailEnd type="arrow"/>
+          </a:ln>
+        </p:spPr>
+        <p:style>
+          <a:lnRef idx="1">
+            <a:schemeClr val="accent1"/>
+          </a:lnRef>
+          <a:fillRef idx="0">
+            <a:schemeClr val="accent1"/>
+          </a:fillRef>
+          <a:effectRef idx="0">
+            <a:schemeClr val="accent1"/>
+          </a:effectRef>
+          <a:fontRef idx="minor">
+            <a:schemeClr val="tx1"/>
+          </a:fontRef>
+        </p:style>
+      </p:cxnSp>
+      <p:sp>
+        <p:nvSpPr>
+          <p:cNvPr id="30" name="CaixaDeTexto 29">
+            <a:extLst>
+              <a:ext uri="{FF2B5EF4-FFF2-40B4-BE49-F238E27FC236}">
+                <a16:creationId xmlns:a16="http://schemas.microsoft.com/office/drawing/2014/main" id="{B7C6105F-084F-460D-B9DE-70D0AD9D2D6C}"/>
+              </a:ext>
+            </a:extLst>
+          </p:cNvPr>
+          <p:cNvSpPr txBox="1"/>
+          <p:nvPr/>
+        </p:nvSpPr>
+        <p:spPr>
+          <a:xfrm>
+            <a:off x="5652120" y="4347900"/>
+            <a:ext cx="752322" cy="369332"/>
+          </a:xfrm>
+          <a:prstGeom prst="rect">
+            <a:avLst/>
+          </a:prstGeom>
+          <a:noFill/>
+        </p:spPr>
+        <p:txBody>
+          <a:bodyPr wrap="none" rtlCol="0">
+            <a:spAutoFit/>
+          </a:bodyPr>
+          <a:lstStyle/>
+          <a:p>
+            <a:r>
+              <a:rPr lang="pt-BR" dirty="0"/>
+              <a:t>544px</a:t>
+            </a:r>
+          </a:p>
+        </p:txBody>
+      </p:sp>
+      <p:cxnSp>
+        <p:nvCxnSpPr>
+          <p:cNvPr id="31" name="Conector reto 30">
+            <a:extLst>
+              <a:ext uri="{FF2B5EF4-FFF2-40B4-BE49-F238E27FC236}">
+                <a16:creationId xmlns:a16="http://schemas.microsoft.com/office/drawing/2014/main" id="{B4DB2E22-56BA-48CD-A160-D02F94EC9599}"/>
+              </a:ext>
+            </a:extLst>
+          </p:cNvPr>
+          <p:cNvCxnSpPr>
+            <a:cxnSpLocks/>
+          </p:cNvCxnSpPr>
+          <p:nvPr/>
+        </p:nvCxnSpPr>
+        <p:spPr>
+          <a:xfrm flipV="1">
+            <a:off x="1907704" y="2924944"/>
+            <a:ext cx="0" cy="1792288"/>
+          </a:xfrm>
+          <a:prstGeom prst="line">
+            <a:avLst/>
+          </a:prstGeom>
+          <a:ln w="12700">
+            <a:solidFill>
+              <a:schemeClr val="tx1"/>
+            </a:solidFill>
+            <a:prstDash val="dash"/>
+          </a:ln>
+        </p:spPr>
+        <p:style>
+          <a:lnRef idx="1">
+            <a:schemeClr val="accent1"/>
+          </a:lnRef>
+          <a:fillRef idx="0">
+            <a:schemeClr val="accent1"/>
+          </a:fillRef>
+          <a:effectRef idx="0">
+            <a:schemeClr val="accent1"/>
+          </a:effectRef>
+          <a:fontRef idx="minor">
+            <a:schemeClr val="tx1"/>
+          </a:fontRef>
+        </p:style>
+      </p:cxnSp>
+      <p:cxnSp>
+        <p:nvCxnSpPr>
+          <p:cNvPr id="34" name="Conector reto 33">
+            <a:extLst>
+              <a:ext uri="{FF2B5EF4-FFF2-40B4-BE49-F238E27FC236}">
+                <a16:creationId xmlns:a16="http://schemas.microsoft.com/office/drawing/2014/main" id="{D47FE414-5CDE-4B16-B020-FFABC890513D}"/>
+              </a:ext>
+            </a:extLst>
+          </p:cNvPr>
+          <p:cNvCxnSpPr>
+            <a:cxnSpLocks/>
+          </p:cNvCxnSpPr>
+          <p:nvPr/>
+        </p:nvCxnSpPr>
+        <p:spPr>
+          <a:xfrm flipV="1">
+            <a:off x="3059832" y="2924944"/>
+            <a:ext cx="0" cy="1782996"/>
+          </a:xfrm>
+          <a:prstGeom prst="line">
+            <a:avLst/>
+          </a:prstGeom>
+          <a:ln w="12700">
+            <a:solidFill>
+              <a:schemeClr val="tx1"/>
+            </a:solidFill>
+            <a:prstDash val="dash"/>
+          </a:ln>
+        </p:spPr>
+        <p:style>
+          <a:lnRef idx="1">
+            <a:schemeClr val="accent1"/>
+          </a:lnRef>
+          <a:fillRef idx="0">
+            <a:schemeClr val="accent1"/>
+          </a:fillRef>
+          <a:effectRef idx="0">
+            <a:schemeClr val="accent1"/>
+          </a:effectRef>
+          <a:fontRef idx="minor">
+            <a:schemeClr val="tx1"/>
+          </a:fontRef>
+        </p:style>
+      </p:cxnSp>
+      <p:cxnSp>
+        <p:nvCxnSpPr>
+          <p:cNvPr id="41" name="Conector reto 40">
+            <a:extLst>
+              <a:ext uri="{FF2B5EF4-FFF2-40B4-BE49-F238E27FC236}">
+                <a16:creationId xmlns:a16="http://schemas.microsoft.com/office/drawing/2014/main" id="{BCF8ED98-F827-4206-8EBD-D34A33977D75}"/>
+              </a:ext>
+            </a:extLst>
+          </p:cNvPr>
+          <p:cNvCxnSpPr>
+            <a:cxnSpLocks/>
+          </p:cNvCxnSpPr>
+          <p:nvPr/>
+        </p:nvCxnSpPr>
+        <p:spPr>
+          <a:xfrm flipV="1">
+            <a:off x="4716016" y="4149080"/>
+            <a:ext cx="0" cy="568152"/>
+          </a:xfrm>
+          <a:prstGeom prst="line">
+            <a:avLst/>
+          </a:prstGeom>
+          <a:ln w="12700">
+            <a:solidFill>
+              <a:schemeClr val="tx1"/>
+            </a:solidFill>
+            <a:prstDash val="dash"/>
+          </a:ln>
+        </p:spPr>
+        <p:style>
+          <a:lnRef idx="1">
+            <a:schemeClr val="accent1"/>
+          </a:lnRef>
+          <a:fillRef idx="0">
+            <a:schemeClr val="accent1"/>
+          </a:fillRef>
+          <a:effectRef idx="0">
+            <a:schemeClr val="accent1"/>
+          </a:effectRef>
+          <a:fontRef idx="minor">
+            <a:schemeClr val="tx1"/>
+          </a:fontRef>
+        </p:style>
+      </p:cxnSp>
+      <p:cxnSp>
+        <p:nvCxnSpPr>
+          <p:cNvPr id="42" name="Conector reto 41">
+            <a:extLst>
+              <a:ext uri="{FF2B5EF4-FFF2-40B4-BE49-F238E27FC236}">
+                <a16:creationId xmlns:a16="http://schemas.microsoft.com/office/drawing/2014/main" id="{006220AC-7322-42BC-8130-617B41A6B275}"/>
+              </a:ext>
+            </a:extLst>
+          </p:cNvPr>
+          <p:cNvCxnSpPr>
+            <a:cxnSpLocks/>
+          </p:cNvCxnSpPr>
+          <p:nvPr/>
+        </p:nvCxnSpPr>
+        <p:spPr>
+          <a:xfrm flipV="1">
+            <a:off x="7308304" y="4149080"/>
+            <a:ext cx="0" cy="568152"/>
+          </a:xfrm>
+          <a:prstGeom prst="line">
+            <a:avLst/>
+          </a:prstGeom>
+          <a:ln w="12700">
+            <a:solidFill>
+              <a:schemeClr val="tx1"/>
+            </a:solidFill>
+            <a:prstDash val="dash"/>
+          </a:ln>
+        </p:spPr>
+        <p:style>
+          <a:lnRef idx="1">
+            <a:schemeClr val="accent1"/>
+          </a:lnRef>
+          <a:fillRef idx="0">
+            <a:schemeClr val="accent1"/>
+          </a:fillRef>
+          <a:effectRef idx="0">
+            <a:schemeClr val="accent1"/>
+          </a:effectRef>
+          <a:fontRef idx="minor">
+            <a:schemeClr val="tx1"/>
+          </a:fontRef>
+        </p:style>
+      </p:cxnSp>
+      <p:sp>
+        <p:nvSpPr>
+          <p:cNvPr id="44" name="CaixaDeTexto 43">
+            <a:extLst>
+              <a:ext uri="{FF2B5EF4-FFF2-40B4-BE49-F238E27FC236}">
+                <a16:creationId xmlns:a16="http://schemas.microsoft.com/office/drawing/2014/main" id="{6B5FEB32-2111-4F10-85D3-7B074E1AC6B3}"/>
+              </a:ext>
+            </a:extLst>
+          </p:cNvPr>
+          <p:cNvSpPr txBox="1"/>
+          <p:nvPr/>
+        </p:nvSpPr>
+        <p:spPr>
+          <a:xfrm>
+            <a:off x="1475656" y="4293096"/>
+            <a:ext cx="518283" cy="369332"/>
+          </a:xfrm>
+          <a:prstGeom prst="rect">
+            <a:avLst/>
+          </a:prstGeom>
+          <a:noFill/>
+        </p:spPr>
+        <p:txBody>
+          <a:bodyPr wrap="none" rtlCol="0">
+            <a:spAutoFit/>
+          </a:bodyPr>
+          <a:lstStyle/>
+          <a:p>
+            <a:r>
+              <a:rPr lang="pt-BR" dirty="0"/>
+              <a:t>4px</a:t>
+            </a:r>
+          </a:p>
+        </p:txBody>
+      </p:sp>
+      <p:sp>
+        <p:nvSpPr>
+          <p:cNvPr id="45" name="CaixaDeTexto 44">
+            <a:extLst>
+              <a:ext uri="{FF2B5EF4-FFF2-40B4-BE49-F238E27FC236}">
+                <a16:creationId xmlns:a16="http://schemas.microsoft.com/office/drawing/2014/main" id="{82DFEA04-7D13-442B-961C-33C9D4C31512}"/>
+              </a:ext>
+            </a:extLst>
+          </p:cNvPr>
+          <p:cNvSpPr txBox="1"/>
+          <p:nvPr/>
+        </p:nvSpPr>
+        <p:spPr>
+          <a:xfrm>
+            <a:off x="2987824" y="4293096"/>
+            <a:ext cx="518283" cy="369332"/>
+          </a:xfrm>
+          <a:prstGeom prst="rect">
+            <a:avLst/>
+          </a:prstGeom>
+          <a:noFill/>
+        </p:spPr>
+        <p:txBody>
+          <a:bodyPr wrap="none" rtlCol="0">
+            <a:spAutoFit/>
+          </a:bodyPr>
+          <a:lstStyle/>
+          <a:p>
+            <a:r>
+              <a:rPr lang="pt-BR" dirty="0"/>
+              <a:t>4px</a:t>
+            </a:r>
+          </a:p>
+        </p:txBody>
+      </p:sp>
+      <p:sp>
+        <p:nvSpPr>
+          <p:cNvPr id="46" name="CaixaDeTexto 45">
+            <a:extLst>
+              <a:ext uri="{FF2B5EF4-FFF2-40B4-BE49-F238E27FC236}">
+                <a16:creationId xmlns:a16="http://schemas.microsoft.com/office/drawing/2014/main" id="{158EE5DA-67E1-4337-AADA-745971512D00}"/>
+              </a:ext>
+            </a:extLst>
+          </p:cNvPr>
+          <p:cNvSpPr txBox="1"/>
+          <p:nvPr/>
+        </p:nvSpPr>
+        <p:spPr>
+          <a:xfrm>
+            <a:off x="4197733" y="4293096"/>
+            <a:ext cx="518283" cy="369332"/>
+          </a:xfrm>
+          <a:prstGeom prst="rect">
+            <a:avLst/>
+          </a:prstGeom>
+          <a:noFill/>
+        </p:spPr>
+        <p:txBody>
+          <a:bodyPr wrap="none" rtlCol="0">
+            <a:spAutoFit/>
+          </a:bodyPr>
+          <a:lstStyle/>
+          <a:p>
+            <a:r>
+              <a:rPr lang="pt-BR" dirty="0"/>
+              <a:t>8px</a:t>
+            </a:r>
+          </a:p>
+        </p:txBody>
+      </p:sp>
+      <p:sp>
+        <p:nvSpPr>
+          <p:cNvPr id="47" name="CaixaDeTexto 46">
+            <a:extLst>
+              <a:ext uri="{FF2B5EF4-FFF2-40B4-BE49-F238E27FC236}">
+                <a16:creationId xmlns:a16="http://schemas.microsoft.com/office/drawing/2014/main" id="{D515D15C-DC10-49D9-87A0-84EAAE2A96DC}"/>
+              </a:ext>
+            </a:extLst>
+          </p:cNvPr>
+          <p:cNvSpPr txBox="1"/>
+          <p:nvPr/>
+        </p:nvSpPr>
+        <p:spPr>
+          <a:xfrm>
+            <a:off x="7294077" y="4293096"/>
+            <a:ext cx="518283" cy="369332"/>
+          </a:xfrm>
+          <a:prstGeom prst="rect">
+            <a:avLst/>
+          </a:prstGeom>
+          <a:noFill/>
+        </p:spPr>
+        <p:txBody>
+          <a:bodyPr wrap="square" rtlCol="0">
+            <a:spAutoFit/>
+          </a:bodyPr>
+          <a:lstStyle/>
+          <a:p>
+            <a:r>
+              <a:rPr lang="pt-BR" dirty="0"/>
+              <a:t>8px</a:t>
+            </a:r>
+          </a:p>
+        </p:txBody>
+      </p:sp>
+      <p:cxnSp>
+        <p:nvCxnSpPr>
+          <p:cNvPr id="52" name="Conector reto 51">
+            <a:extLst>
+              <a:ext uri="{FF2B5EF4-FFF2-40B4-BE49-F238E27FC236}">
+                <a16:creationId xmlns:a16="http://schemas.microsoft.com/office/drawing/2014/main" id="{71C2CB9D-C407-4C9A-99C4-0A4658A7647D}"/>
+              </a:ext>
+            </a:extLst>
+          </p:cNvPr>
+          <p:cNvCxnSpPr>
+            <a:cxnSpLocks/>
+          </p:cNvCxnSpPr>
+          <p:nvPr/>
+        </p:nvCxnSpPr>
+        <p:spPr>
+          <a:xfrm flipV="1">
+            <a:off x="4716016" y="4645224"/>
+            <a:ext cx="2592287" cy="7912"/>
+          </a:xfrm>
+          <a:prstGeom prst="line">
+            <a:avLst/>
+          </a:prstGeom>
+          <a:ln w="12700" cap="flat">
+            <a:solidFill>
+              <a:schemeClr val="tx1"/>
+            </a:solidFill>
+            <a:headEnd type="arrow"/>
+            <a:tailEnd type="arrow"/>
+          </a:ln>
+        </p:spPr>
+        <p:style>
+          <a:lnRef idx="1">
+            <a:schemeClr val="accent1"/>
+          </a:lnRef>
+          <a:fillRef idx="0">
+            <a:schemeClr val="accent1"/>
+          </a:fillRef>
+          <a:effectRef idx="0">
+            <a:schemeClr val="accent1"/>
+          </a:effectRef>
+          <a:fontRef idx="minor">
+            <a:schemeClr val="tx1"/>
+          </a:fontRef>
+        </p:style>
+      </p:cxnSp>
+      <p:cxnSp>
+        <p:nvCxnSpPr>
+          <p:cNvPr id="60" name="Conector reto 59">
+            <a:extLst>
+              <a:ext uri="{FF2B5EF4-FFF2-40B4-BE49-F238E27FC236}">
+                <a16:creationId xmlns:a16="http://schemas.microsoft.com/office/drawing/2014/main" id="{0DA7E43E-208E-424A-9B27-EB0DE7EA82F0}"/>
+              </a:ext>
+            </a:extLst>
+          </p:cNvPr>
+          <p:cNvCxnSpPr>
+            <a:cxnSpLocks/>
+          </p:cNvCxnSpPr>
+          <p:nvPr/>
+        </p:nvCxnSpPr>
+        <p:spPr>
+          <a:xfrm>
+            <a:off x="4211960" y="4653136"/>
+            <a:ext cx="504056" cy="0"/>
+          </a:xfrm>
+          <a:prstGeom prst="line">
+            <a:avLst/>
+          </a:prstGeom>
+          <a:ln w="12700" cap="flat">
+            <a:solidFill>
+              <a:schemeClr val="tx1"/>
+            </a:solidFill>
+            <a:headEnd type="arrow"/>
+            <a:tailEnd type="arrow"/>
+          </a:ln>
+        </p:spPr>
+        <p:style>
+          <a:lnRef idx="1">
+            <a:schemeClr val="accent1"/>
+          </a:lnRef>
+          <a:fillRef idx="0">
+            <a:schemeClr val="accent1"/>
+          </a:fillRef>
+          <a:effectRef idx="0">
+            <a:schemeClr val="accent1"/>
+          </a:effectRef>
+          <a:fontRef idx="minor">
+            <a:schemeClr val="tx1"/>
+          </a:fontRef>
+        </p:style>
+      </p:cxnSp>
+    </p:spTree>
+    <p:extLst>
+      <p:ext uri="{BB962C8B-B14F-4D97-AF65-F5344CB8AC3E}">
+        <p14:creationId xmlns:p14="http://schemas.microsoft.com/office/powerpoint/2010/main" val="3107998246"/>
+      </p:ext>
+    </p:extLst>
   </p:cSld>
   <p:clrMapOvr>
     <a:masterClrMapping/>
